--- a/DOC/projetGISMO.pptx
+++ b/DOC/projetGISMO.pptx
@@ -5,7 +5,7 @@
     <p:sldMasterId id="2147483648" r:id="rId1"/>
   </p:sldMasterIdLst>
   <p:notesMasterIdLst>
-    <p:notesMasterId r:id="rId20"/>
+    <p:notesMasterId r:id="rId23"/>
   </p:notesMasterIdLst>
   <p:sldIdLst>
     <p:sldId id="257" r:id="rId2"/>
@@ -13,19 +13,22 @@
     <p:sldId id="259" r:id="rId4"/>
     <p:sldId id="260" r:id="rId5"/>
     <p:sldId id="261" r:id="rId6"/>
-    <p:sldId id="262" r:id="rId7"/>
-    <p:sldId id="263" r:id="rId8"/>
-    <p:sldId id="264" r:id="rId9"/>
-    <p:sldId id="275" r:id="rId10"/>
-    <p:sldId id="265" r:id="rId11"/>
-    <p:sldId id="266" r:id="rId12"/>
-    <p:sldId id="267" r:id="rId13"/>
-    <p:sldId id="268" r:id="rId14"/>
-    <p:sldId id="269" r:id="rId15"/>
-    <p:sldId id="270" r:id="rId16"/>
-    <p:sldId id="271" r:id="rId17"/>
-    <p:sldId id="272" r:id="rId18"/>
-    <p:sldId id="273" r:id="rId19"/>
+    <p:sldId id="278" r:id="rId7"/>
+    <p:sldId id="277" r:id="rId8"/>
+    <p:sldId id="279" r:id="rId9"/>
+    <p:sldId id="262" r:id="rId10"/>
+    <p:sldId id="263" r:id="rId11"/>
+    <p:sldId id="264" r:id="rId12"/>
+    <p:sldId id="275" r:id="rId13"/>
+    <p:sldId id="265" r:id="rId14"/>
+    <p:sldId id="266" r:id="rId15"/>
+    <p:sldId id="267" r:id="rId16"/>
+    <p:sldId id="268" r:id="rId17"/>
+    <p:sldId id="269" r:id="rId18"/>
+    <p:sldId id="270" r:id="rId19"/>
+    <p:sldId id="271" r:id="rId20"/>
+    <p:sldId id="272" r:id="rId21"/>
+    <p:sldId id="273" r:id="rId22"/>
   </p:sldIdLst>
   <p:sldSz cx="12192000" cy="6858000"/>
   <p:notesSz cx="6858000" cy="9144000"/>
@@ -126,7 +129,7 @@
   </p:defaultTextStyle>
   <p:extLst>
     <p:ext uri="{EFAFB233-063F-42B5-8137-9DF3F51BA10A}">
-      <p15:sldGuideLst xmlns:p15="http://schemas.microsoft.com/office/powerpoint/2012/main" xmlns="">
+      <p15:sldGuideLst xmlns:p15="http://schemas.microsoft.com/office/powerpoint/2012/main">
         <p15:guide id="1" orient="horz" pos="2160">
           <p15:clr>
             <a:srgbClr val="A4A3A4"/>
@@ -225,7 +228,7 @@
           <a:p>
             <a:fld id="{E5DDC891-2EF6-4F31-B99F-02AB244B2736}" type="datetimeFigureOut">
               <a:rPr lang="fr-FR" smtClean="0"/>
-              <a:t>24/01/2018</a:t>
+              <a:t>16/03/2018</a:t>
             </a:fld>
             <a:endParaRPr lang="fr-FR"/>
           </a:p>
@@ -289,38 +292,37 @@
           <a:p>
             <a:pPr lvl="0"/>
             <a:r>
-              <a:rPr lang="fr-FR" smtClean="0"/>
+              <a:rPr lang="fr-FR"/>
               <a:t>Modifiez les styles du texte du masque</a:t>
             </a:r>
           </a:p>
           <a:p>
             <a:pPr lvl="1"/>
             <a:r>
-              <a:rPr lang="fr-FR" smtClean="0"/>
+              <a:rPr lang="fr-FR"/>
               <a:t>Deuxième niveau</a:t>
             </a:r>
           </a:p>
           <a:p>
             <a:pPr lvl="2"/>
             <a:r>
-              <a:rPr lang="fr-FR" smtClean="0"/>
+              <a:rPr lang="fr-FR"/>
               <a:t>Troisième niveau</a:t>
             </a:r>
           </a:p>
           <a:p>
             <a:pPr lvl="3"/>
             <a:r>
-              <a:rPr lang="fr-FR" smtClean="0"/>
+              <a:rPr lang="fr-FR"/>
               <a:t>Quatrième niveau</a:t>
             </a:r>
           </a:p>
           <a:p>
             <a:pPr lvl="4"/>
             <a:r>
-              <a:rPr lang="fr-FR" smtClean="0"/>
+              <a:rPr lang="fr-FR"/>
               <a:t>Cinquième niveau</a:t>
             </a:r>
-            <a:endParaRPr lang="fr-FR"/>
           </a:p>
         </p:txBody>
       </p:sp>
@@ -601,10 +603,9 @@
           </a:lstStyle>
           <a:p>
             <a:r>
-              <a:rPr lang="fr-FR" smtClean="0"/>
+              <a:rPr lang="fr-FR"/>
               <a:t>Modifiez le style du titre</a:t>
             </a:r>
-            <a:endParaRPr lang="fr-FR"/>
           </a:p>
         </p:txBody>
       </p:sp>
@@ -666,10 +667,9 @@
           </a:lstStyle>
           <a:p>
             <a:r>
-              <a:rPr lang="fr-FR" smtClean="0"/>
+              <a:rPr lang="fr-FR"/>
               <a:t>Modifiez le style des sous-titres du masque</a:t>
             </a:r>
-            <a:endParaRPr lang="fr-FR"/>
           </a:p>
         </p:txBody>
       </p:sp>
@@ -690,7 +690,7 @@
           <a:p>
             <a:fld id="{296C6E22-8358-41E7-A0F5-BDC3ADB46ADF}" type="datetimeFigureOut">
               <a:rPr lang="fr-FR" smtClean="0"/>
-              <a:t>24/01/2018</a:t>
+              <a:t>16/03/2018</a:t>
             </a:fld>
             <a:endParaRPr lang="fr-FR"/>
           </a:p>
@@ -784,10 +784,9 @@
           <a:lstStyle/>
           <a:p>
             <a:r>
-              <a:rPr lang="fr-FR" smtClean="0"/>
+              <a:rPr lang="fr-FR"/>
               <a:t>Modifiez le style du titre</a:t>
             </a:r>
-            <a:endParaRPr lang="fr-FR"/>
           </a:p>
         </p:txBody>
       </p:sp>
@@ -808,38 +807,37 @@
           <a:p>
             <a:pPr lvl="0"/>
             <a:r>
-              <a:rPr lang="fr-FR" smtClean="0"/>
+              <a:rPr lang="fr-FR"/>
               <a:t>Modifiez les styles du texte du masque</a:t>
             </a:r>
           </a:p>
           <a:p>
             <a:pPr lvl="1"/>
             <a:r>
-              <a:rPr lang="fr-FR" smtClean="0"/>
+              <a:rPr lang="fr-FR"/>
               <a:t>Deuxième niveau</a:t>
             </a:r>
           </a:p>
           <a:p>
             <a:pPr lvl="2"/>
             <a:r>
-              <a:rPr lang="fr-FR" smtClean="0"/>
+              <a:rPr lang="fr-FR"/>
               <a:t>Troisième niveau</a:t>
             </a:r>
           </a:p>
           <a:p>
             <a:pPr lvl="3"/>
             <a:r>
-              <a:rPr lang="fr-FR" smtClean="0"/>
+              <a:rPr lang="fr-FR"/>
               <a:t>Quatrième niveau</a:t>
             </a:r>
           </a:p>
           <a:p>
             <a:pPr lvl="4"/>
             <a:r>
-              <a:rPr lang="fr-FR" smtClean="0"/>
+              <a:rPr lang="fr-FR"/>
               <a:t>Cinquième niveau</a:t>
             </a:r>
-            <a:endParaRPr lang="fr-FR"/>
           </a:p>
         </p:txBody>
       </p:sp>
@@ -860,7 +858,7 @@
           <a:p>
             <a:fld id="{296C6E22-8358-41E7-A0F5-BDC3ADB46ADF}" type="datetimeFigureOut">
               <a:rPr lang="fr-FR" smtClean="0"/>
-              <a:t>24/01/2018</a:t>
+              <a:t>16/03/2018</a:t>
             </a:fld>
             <a:endParaRPr lang="fr-FR"/>
           </a:p>
@@ -959,10 +957,9 @@
           <a:lstStyle/>
           <a:p>
             <a:r>
-              <a:rPr lang="fr-FR" smtClean="0"/>
+              <a:rPr lang="fr-FR"/>
               <a:t>Modifiez le style du titre</a:t>
             </a:r>
-            <a:endParaRPr lang="fr-FR"/>
           </a:p>
         </p:txBody>
       </p:sp>
@@ -988,38 +985,37 @@
           <a:p>
             <a:pPr lvl="0"/>
             <a:r>
-              <a:rPr lang="fr-FR" smtClean="0"/>
+              <a:rPr lang="fr-FR"/>
               <a:t>Modifiez les styles du texte du masque</a:t>
             </a:r>
           </a:p>
           <a:p>
             <a:pPr lvl="1"/>
             <a:r>
-              <a:rPr lang="fr-FR" smtClean="0"/>
+              <a:rPr lang="fr-FR"/>
               <a:t>Deuxième niveau</a:t>
             </a:r>
           </a:p>
           <a:p>
             <a:pPr lvl="2"/>
             <a:r>
-              <a:rPr lang="fr-FR" smtClean="0"/>
+              <a:rPr lang="fr-FR"/>
               <a:t>Troisième niveau</a:t>
             </a:r>
           </a:p>
           <a:p>
             <a:pPr lvl="3"/>
             <a:r>
-              <a:rPr lang="fr-FR" smtClean="0"/>
+              <a:rPr lang="fr-FR"/>
               <a:t>Quatrième niveau</a:t>
             </a:r>
           </a:p>
           <a:p>
             <a:pPr lvl="4"/>
             <a:r>
-              <a:rPr lang="fr-FR" smtClean="0"/>
+              <a:rPr lang="fr-FR"/>
               <a:t>Cinquième niveau</a:t>
             </a:r>
-            <a:endParaRPr lang="fr-FR"/>
           </a:p>
         </p:txBody>
       </p:sp>
@@ -1040,7 +1036,7 @@
           <a:p>
             <a:fld id="{296C6E22-8358-41E7-A0F5-BDC3ADB46ADF}" type="datetimeFigureOut">
               <a:rPr lang="fr-FR" smtClean="0"/>
-              <a:t>24/01/2018</a:t>
+              <a:t>16/03/2018</a:t>
             </a:fld>
             <a:endParaRPr lang="fr-FR"/>
           </a:p>
@@ -1150,10 +1146,9 @@
           </a:lstStyle>
           <a:p>
             <a:r>
-              <a:rPr lang="en-US" smtClean="0"/>
+              <a:rPr lang="en-US"/>
               <a:t>Click to edit Master title style</a:t>
             </a:r>
-            <a:endParaRPr lang="en-US"/>
           </a:p>
         </p:txBody>
       </p:sp>
@@ -1167,16 +1162,9 @@
   <p:clrMapOvr>
     <a:masterClrMapping/>
   </p:clrMapOvr>
-  <p:timing>
-    <p:tnLst>
-      <p:par>
-        <p:cTn id="1" dur="indefinite" restart="never" nodeType="tmRoot"/>
-      </p:par>
-    </p:tnLst>
-  </p:timing>
   <p:extLst>
     <p:ext uri="{DCECCB84-F9BA-43D5-87BE-67443E8EF086}">
-      <p15:sldGuideLst xmlns:p15="http://schemas.microsoft.com/office/powerpoint/2012/main" xmlns="">
+      <p15:sldGuideLst xmlns:p15="http://schemas.microsoft.com/office/powerpoint/2012/main">
         <p15:guide id="1" orient="horz" pos="2160">
           <p15:clr>
             <a:srgbClr val="FBAE40"/>
@@ -1240,16 +1228,9 @@
   <p:clrMapOvr>
     <a:masterClrMapping/>
   </p:clrMapOvr>
-  <p:timing>
-    <p:tnLst>
-      <p:par>
-        <p:cTn id="1" dur="indefinite" restart="never" nodeType="tmRoot"/>
-      </p:par>
-    </p:tnLst>
-  </p:timing>
   <p:extLst mod="1">
     <p:ext uri="{DCECCB84-F9BA-43D5-87BE-67443E8EF086}">
-      <p15:sldGuideLst xmlns:p15="http://schemas.microsoft.com/office/powerpoint/2012/main" xmlns="">
+      <p15:sldGuideLst xmlns:p15="http://schemas.microsoft.com/office/powerpoint/2012/main">
         <p15:guide id="1" orient="horz" pos="2160">
           <p15:clr>
             <a:srgbClr val="FBAE40"/>
@@ -1345,10 +1326,9 @@
           </a:lstStyle>
           <a:p>
             <a:r>
-              <a:rPr lang="en-US" smtClean="0"/>
+              <a:rPr lang="en-US"/>
               <a:t>Insert Image</a:t>
             </a:r>
-            <a:endParaRPr lang="en-US"/>
           </a:p>
         </p:txBody>
       </p:sp>
@@ -1362,16 +1342,9 @@
   <p:clrMapOvr>
     <a:masterClrMapping/>
   </p:clrMapOvr>
-  <p:timing>
-    <p:tnLst>
-      <p:par>
-        <p:cTn id="1" dur="indefinite" restart="never" nodeType="tmRoot"/>
-      </p:par>
-    </p:tnLst>
-  </p:timing>
   <p:extLst mod="1">
     <p:ext uri="{DCECCB84-F9BA-43D5-87BE-67443E8EF086}">
-      <p15:sldGuideLst xmlns:p15="http://schemas.microsoft.com/office/powerpoint/2012/main" xmlns="">
+      <p15:sldGuideLst xmlns:p15="http://schemas.microsoft.com/office/powerpoint/2012/main">
         <p15:guide id="1" orient="horz" pos="2160">
           <p15:clr>
             <a:srgbClr val="FBAE40"/>
@@ -1441,10 +1414,9 @@
           <a:lstStyle/>
           <a:p>
             <a:r>
-              <a:rPr lang="fr-FR" smtClean="0"/>
+              <a:rPr lang="fr-FR"/>
               <a:t>Modifiez le style du titre</a:t>
             </a:r>
-            <a:endParaRPr lang="fr-FR"/>
           </a:p>
         </p:txBody>
       </p:sp>
@@ -1465,38 +1437,37 @@
           <a:p>
             <a:pPr lvl="0"/>
             <a:r>
-              <a:rPr lang="fr-FR" smtClean="0"/>
+              <a:rPr lang="fr-FR"/>
               <a:t>Modifiez les styles du texte du masque</a:t>
             </a:r>
           </a:p>
           <a:p>
             <a:pPr lvl="1"/>
             <a:r>
-              <a:rPr lang="fr-FR" smtClean="0"/>
+              <a:rPr lang="fr-FR"/>
               <a:t>Deuxième niveau</a:t>
             </a:r>
           </a:p>
           <a:p>
             <a:pPr lvl="2"/>
             <a:r>
-              <a:rPr lang="fr-FR" smtClean="0"/>
+              <a:rPr lang="fr-FR"/>
               <a:t>Troisième niveau</a:t>
             </a:r>
           </a:p>
           <a:p>
             <a:pPr lvl="3"/>
             <a:r>
-              <a:rPr lang="fr-FR" smtClean="0"/>
+              <a:rPr lang="fr-FR"/>
               <a:t>Quatrième niveau</a:t>
             </a:r>
           </a:p>
           <a:p>
             <a:pPr lvl="4"/>
             <a:r>
-              <a:rPr lang="fr-FR" smtClean="0"/>
+              <a:rPr lang="fr-FR"/>
               <a:t>Cinquième niveau</a:t>
             </a:r>
-            <a:endParaRPr lang="fr-FR"/>
           </a:p>
         </p:txBody>
       </p:sp>
@@ -1517,7 +1488,7 @@
           <a:p>
             <a:fld id="{296C6E22-8358-41E7-A0F5-BDC3ADB46ADF}" type="datetimeFigureOut">
               <a:rPr lang="fr-FR" smtClean="0"/>
-              <a:t>24/01/2018</a:t>
+              <a:t>16/03/2018</a:t>
             </a:fld>
             <a:endParaRPr lang="fr-FR"/>
           </a:p>
@@ -1620,10 +1591,9 @@
           </a:lstStyle>
           <a:p>
             <a:r>
-              <a:rPr lang="fr-FR" smtClean="0"/>
+              <a:rPr lang="fr-FR"/>
               <a:t>Modifiez le style du titre</a:t>
             </a:r>
-            <a:endParaRPr lang="fr-FR"/>
           </a:p>
         </p:txBody>
       </p:sp>
@@ -1740,7 +1710,7 @@
           <a:p>
             <a:pPr lvl="0"/>
             <a:r>
-              <a:rPr lang="fr-FR" smtClean="0"/>
+              <a:rPr lang="fr-FR"/>
               <a:t>Modifiez les styles du texte du masque</a:t>
             </a:r>
           </a:p>
@@ -1763,7 +1733,7 @@
           <a:p>
             <a:fld id="{296C6E22-8358-41E7-A0F5-BDC3ADB46ADF}" type="datetimeFigureOut">
               <a:rPr lang="fr-FR" smtClean="0"/>
-              <a:t>24/01/2018</a:t>
+              <a:t>16/03/2018</a:t>
             </a:fld>
             <a:endParaRPr lang="fr-FR"/>
           </a:p>
@@ -1857,10 +1827,9 @@
           <a:lstStyle/>
           <a:p>
             <a:r>
-              <a:rPr lang="fr-FR" smtClean="0"/>
+              <a:rPr lang="fr-FR"/>
               <a:t>Modifiez le style du titre</a:t>
             </a:r>
-            <a:endParaRPr lang="fr-FR"/>
           </a:p>
         </p:txBody>
       </p:sp>
@@ -1886,38 +1855,37 @@
           <a:p>
             <a:pPr lvl="0"/>
             <a:r>
-              <a:rPr lang="fr-FR" smtClean="0"/>
+              <a:rPr lang="fr-FR"/>
               <a:t>Modifiez les styles du texte du masque</a:t>
             </a:r>
           </a:p>
           <a:p>
             <a:pPr lvl="1"/>
             <a:r>
-              <a:rPr lang="fr-FR" smtClean="0"/>
+              <a:rPr lang="fr-FR"/>
               <a:t>Deuxième niveau</a:t>
             </a:r>
           </a:p>
           <a:p>
             <a:pPr lvl="2"/>
             <a:r>
-              <a:rPr lang="fr-FR" smtClean="0"/>
+              <a:rPr lang="fr-FR"/>
               <a:t>Troisième niveau</a:t>
             </a:r>
           </a:p>
           <a:p>
             <a:pPr lvl="3"/>
             <a:r>
-              <a:rPr lang="fr-FR" smtClean="0"/>
+              <a:rPr lang="fr-FR"/>
               <a:t>Quatrième niveau</a:t>
             </a:r>
           </a:p>
           <a:p>
             <a:pPr lvl="4"/>
             <a:r>
-              <a:rPr lang="fr-FR" smtClean="0"/>
+              <a:rPr lang="fr-FR"/>
               <a:t>Cinquième niveau</a:t>
             </a:r>
-            <a:endParaRPr lang="fr-FR"/>
           </a:p>
         </p:txBody>
       </p:sp>
@@ -1943,38 +1911,37 @@
           <a:p>
             <a:pPr lvl="0"/>
             <a:r>
-              <a:rPr lang="fr-FR" smtClean="0"/>
+              <a:rPr lang="fr-FR"/>
               <a:t>Modifiez les styles du texte du masque</a:t>
             </a:r>
           </a:p>
           <a:p>
             <a:pPr lvl="1"/>
             <a:r>
-              <a:rPr lang="fr-FR" smtClean="0"/>
+              <a:rPr lang="fr-FR"/>
               <a:t>Deuxième niveau</a:t>
             </a:r>
           </a:p>
           <a:p>
             <a:pPr lvl="2"/>
             <a:r>
-              <a:rPr lang="fr-FR" smtClean="0"/>
+              <a:rPr lang="fr-FR"/>
               <a:t>Troisième niveau</a:t>
             </a:r>
           </a:p>
           <a:p>
             <a:pPr lvl="3"/>
             <a:r>
-              <a:rPr lang="fr-FR" smtClean="0"/>
+              <a:rPr lang="fr-FR"/>
               <a:t>Quatrième niveau</a:t>
             </a:r>
           </a:p>
           <a:p>
             <a:pPr lvl="4"/>
             <a:r>
-              <a:rPr lang="fr-FR" smtClean="0"/>
+              <a:rPr lang="fr-FR"/>
               <a:t>Cinquième niveau</a:t>
             </a:r>
-            <a:endParaRPr lang="fr-FR"/>
           </a:p>
         </p:txBody>
       </p:sp>
@@ -1995,7 +1962,7 @@
           <a:p>
             <a:fld id="{296C6E22-8358-41E7-A0F5-BDC3ADB46ADF}" type="datetimeFigureOut">
               <a:rPr lang="fr-FR" smtClean="0"/>
-              <a:t>24/01/2018</a:t>
+              <a:t>16/03/2018</a:t>
             </a:fld>
             <a:endParaRPr lang="fr-FR"/>
           </a:p>
@@ -2094,10 +2061,9 @@
           <a:lstStyle/>
           <a:p>
             <a:r>
-              <a:rPr lang="fr-FR" smtClean="0"/>
+              <a:rPr lang="fr-FR"/>
               <a:t>Modifiez le style du titre</a:t>
             </a:r>
-            <a:endParaRPr lang="fr-FR"/>
           </a:p>
         </p:txBody>
       </p:sp>
@@ -2160,7 +2126,7 @@
           <a:p>
             <a:pPr lvl="0"/>
             <a:r>
-              <a:rPr lang="fr-FR" smtClean="0"/>
+              <a:rPr lang="fr-FR"/>
               <a:t>Modifiez les styles du texte du masque</a:t>
             </a:r>
           </a:p>
@@ -2188,38 +2154,37 @@
           <a:p>
             <a:pPr lvl="0"/>
             <a:r>
-              <a:rPr lang="fr-FR" smtClean="0"/>
+              <a:rPr lang="fr-FR"/>
               <a:t>Modifiez les styles du texte du masque</a:t>
             </a:r>
           </a:p>
           <a:p>
             <a:pPr lvl="1"/>
             <a:r>
-              <a:rPr lang="fr-FR" smtClean="0"/>
+              <a:rPr lang="fr-FR"/>
               <a:t>Deuxième niveau</a:t>
             </a:r>
           </a:p>
           <a:p>
             <a:pPr lvl="2"/>
             <a:r>
-              <a:rPr lang="fr-FR" smtClean="0"/>
+              <a:rPr lang="fr-FR"/>
               <a:t>Troisième niveau</a:t>
             </a:r>
           </a:p>
           <a:p>
             <a:pPr lvl="3"/>
             <a:r>
-              <a:rPr lang="fr-FR" smtClean="0"/>
+              <a:rPr lang="fr-FR"/>
               <a:t>Quatrième niveau</a:t>
             </a:r>
           </a:p>
           <a:p>
             <a:pPr lvl="4"/>
             <a:r>
-              <a:rPr lang="fr-FR" smtClean="0"/>
+              <a:rPr lang="fr-FR"/>
               <a:t>Cinquième niveau</a:t>
             </a:r>
-            <a:endParaRPr lang="fr-FR"/>
           </a:p>
         </p:txBody>
       </p:sp>
@@ -2282,7 +2247,7 @@
           <a:p>
             <a:pPr lvl="0"/>
             <a:r>
-              <a:rPr lang="fr-FR" smtClean="0"/>
+              <a:rPr lang="fr-FR"/>
               <a:t>Modifiez les styles du texte du masque</a:t>
             </a:r>
           </a:p>
@@ -2310,38 +2275,37 @@
           <a:p>
             <a:pPr lvl="0"/>
             <a:r>
-              <a:rPr lang="fr-FR" smtClean="0"/>
+              <a:rPr lang="fr-FR"/>
               <a:t>Modifiez les styles du texte du masque</a:t>
             </a:r>
           </a:p>
           <a:p>
             <a:pPr lvl="1"/>
             <a:r>
-              <a:rPr lang="fr-FR" smtClean="0"/>
+              <a:rPr lang="fr-FR"/>
               <a:t>Deuxième niveau</a:t>
             </a:r>
           </a:p>
           <a:p>
             <a:pPr lvl="2"/>
             <a:r>
-              <a:rPr lang="fr-FR" smtClean="0"/>
+              <a:rPr lang="fr-FR"/>
               <a:t>Troisième niveau</a:t>
             </a:r>
           </a:p>
           <a:p>
             <a:pPr lvl="3"/>
             <a:r>
-              <a:rPr lang="fr-FR" smtClean="0"/>
+              <a:rPr lang="fr-FR"/>
               <a:t>Quatrième niveau</a:t>
             </a:r>
           </a:p>
           <a:p>
             <a:pPr lvl="4"/>
             <a:r>
-              <a:rPr lang="fr-FR" smtClean="0"/>
+              <a:rPr lang="fr-FR"/>
               <a:t>Cinquième niveau</a:t>
             </a:r>
-            <a:endParaRPr lang="fr-FR"/>
           </a:p>
         </p:txBody>
       </p:sp>
@@ -2362,7 +2326,7 @@
           <a:p>
             <a:fld id="{296C6E22-8358-41E7-A0F5-BDC3ADB46ADF}" type="datetimeFigureOut">
               <a:rPr lang="fr-FR" smtClean="0"/>
-              <a:t>24/01/2018</a:t>
+              <a:t>16/03/2018</a:t>
             </a:fld>
             <a:endParaRPr lang="fr-FR"/>
           </a:p>
@@ -2456,10 +2420,9 @@
           <a:lstStyle/>
           <a:p>
             <a:r>
-              <a:rPr lang="fr-FR" smtClean="0"/>
+              <a:rPr lang="fr-FR"/>
               <a:t>Modifiez le style du titre</a:t>
             </a:r>
-            <a:endParaRPr lang="fr-FR"/>
           </a:p>
         </p:txBody>
       </p:sp>
@@ -2480,7 +2443,7 @@
           <a:p>
             <a:fld id="{296C6E22-8358-41E7-A0F5-BDC3ADB46ADF}" type="datetimeFigureOut">
               <a:rPr lang="fr-FR" smtClean="0"/>
-              <a:t>24/01/2018</a:t>
+              <a:t>16/03/2018</a:t>
             </a:fld>
             <a:endParaRPr lang="fr-FR"/>
           </a:p>
@@ -2575,7 +2538,7 @@
           <a:p>
             <a:fld id="{296C6E22-8358-41E7-A0F5-BDC3ADB46ADF}" type="datetimeFigureOut">
               <a:rPr lang="fr-FR" smtClean="0"/>
-              <a:t>24/01/2018</a:t>
+              <a:t>16/03/2018</a:t>
             </a:fld>
             <a:endParaRPr lang="fr-FR"/>
           </a:p>
@@ -2678,10 +2641,9 @@
           </a:lstStyle>
           <a:p>
             <a:r>
-              <a:rPr lang="fr-FR" smtClean="0"/>
+              <a:rPr lang="fr-FR"/>
               <a:t>Modifiez le style du titre</a:t>
             </a:r>
-            <a:endParaRPr lang="fr-FR"/>
           </a:p>
         </p:txBody>
       </p:sp>
@@ -2735,38 +2697,37 @@
           <a:p>
             <a:pPr lvl="0"/>
             <a:r>
-              <a:rPr lang="fr-FR" smtClean="0"/>
+              <a:rPr lang="fr-FR"/>
               <a:t>Modifiez les styles du texte du masque</a:t>
             </a:r>
           </a:p>
           <a:p>
             <a:pPr lvl="1"/>
             <a:r>
-              <a:rPr lang="fr-FR" smtClean="0"/>
+              <a:rPr lang="fr-FR"/>
               <a:t>Deuxième niveau</a:t>
             </a:r>
           </a:p>
           <a:p>
             <a:pPr lvl="2"/>
             <a:r>
-              <a:rPr lang="fr-FR" smtClean="0"/>
+              <a:rPr lang="fr-FR"/>
               <a:t>Troisième niveau</a:t>
             </a:r>
           </a:p>
           <a:p>
             <a:pPr lvl="3"/>
             <a:r>
-              <a:rPr lang="fr-FR" smtClean="0"/>
+              <a:rPr lang="fr-FR"/>
               <a:t>Quatrième niveau</a:t>
             </a:r>
           </a:p>
           <a:p>
             <a:pPr lvl="4"/>
             <a:r>
-              <a:rPr lang="fr-FR" smtClean="0"/>
+              <a:rPr lang="fr-FR"/>
               <a:t>Cinquième niveau</a:t>
             </a:r>
-            <a:endParaRPr lang="fr-FR"/>
           </a:p>
         </p:txBody>
       </p:sp>
@@ -2829,7 +2790,7 @@
           <a:p>
             <a:pPr lvl="0"/>
             <a:r>
-              <a:rPr lang="fr-FR" smtClean="0"/>
+              <a:rPr lang="fr-FR"/>
               <a:t>Modifiez les styles du texte du masque</a:t>
             </a:r>
           </a:p>
@@ -2852,7 +2813,7 @@
           <a:p>
             <a:fld id="{296C6E22-8358-41E7-A0F5-BDC3ADB46ADF}" type="datetimeFigureOut">
               <a:rPr lang="fr-FR" smtClean="0"/>
-              <a:t>24/01/2018</a:t>
+              <a:t>16/03/2018</a:t>
             </a:fld>
             <a:endParaRPr lang="fr-FR"/>
           </a:p>
@@ -2955,10 +2916,9 @@
           </a:lstStyle>
           <a:p>
             <a:r>
-              <a:rPr lang="fr-FR" smtClean="0"/>
+              <a:rPr lang="fr-FR"/>
               <a:t>Modifiez le style du titre</a:t>
             </a:r>
-            <a:endParaRPr lang="fr-FR"/>
           </a:p>
         </p:txBody>
       </p:sp>
@@ -3082,7 +3042,7 @@
           <a:p>
             <a:pPr lvl="0"/>
             <a:r>
-              <a:rPr lang="fr-FR" smtClean="0"/>
+              <a:rPr lang="fr-FR"/>
               <a:t>Modifiez les styles du texte du masque</a:t>
             </a:r>
           </a:p>
@@ -3105,7 +3065,7 @@
           <a:p>
             <a:fld id="{296C6E22-8358-41E7-A0F5-BDC3ADB46ADF}" type="datetimeFigureOut">
               <a:rPr lang="fr-FR" smtClean="0"/>
-              <a:t>24/01/2018</a:t>
+              <a:t>16/03/2018</a:t>
             </a:fld>
             <a:endParaRPr lang="fr-FR"/>
           </a:p>
@@ -3214,10 +3174,9 @@
           <a:lstStyle/>
           <a:p>
             <a:r>
-              <a:rPr lang="fr-FR" smtClean="0"/>
+              <a:rPr lang="fr-FR"/>
               <a:t>Modifiez le style du titre</a:t>
             </a:r>
-            <a:endParaRPr lang="fr-FR"/>
           </a:p>
         </p:txBody>
       </p:sp>
@@ -3248,38 +3207,37 @@
           <a:p>
             <a:pPr lvl="0"/>
             <a:r>
-              <a:rPr lang="fr-FR" smtClean="0"/>
+              <a:rPr lang="fr-FR"/>
               <a:t>Modifiez les styles du texte du masque</a:t>
             </a:r>
           </a:p>
           <a:p>
             <a:pPr lvl="1"/>
             <a:r>
-              <a:rPr lang="fr-FR" smtClean="0"/>
+              <a:rPr lang="fr-FR"/>
               <a:t>Deuxième niveau</a:t>
             </a:r>
           </a:p>
           <a:p>
             <a:pPr lvl="2"/>
             <a:r>
-              <a:rPr lang="fr-FR" smtClean="0"/>
+              <a:rPr lang="fr-FR"/>
               <a:t>Troisième niveau</a:t>
             </a:r>
           </a:p>
           <a:p>
             <a:pPr lvl="3"/>
             <a:r>
-              <a:rPr lang="fr-FR" smtClean="0"/>
+              <a:rPr lang="fr-FR"/>
               <a:t>Quatrième niveau</a:t>
             </a:r>
           </a:p>
           <a:p>
             <a:pPr lvl="4"/>
             <a:r>
-              <a:rPr lang="fr-FR" smtClean="0"/>
+              <a:rPr lang="fr-FR"/>
               <a:t>Cinquième niveau</a:t>
             </a:r>
-            <a:endParaRPr lang="fr-FR"/>
           </a:p>
         </p:txBody>
       </p:sp>
@@ -3318,7 +3276,7 @@
           <a:p>
             <a:fld id="{296C6E22-8358-41E7-A0F5-BDC3ADB46ADF}" type="datetimeFigureOut">
               <a:rPr lang="fr-FR" smtClean="0"/>
-              <a:t>24/01/2018</a:t>
+              <a:t>16/03/2018</a:t>
             </a:fld>
             <a:endParaRPr lang="fr-FR"/>
           </a:p>
@@ -3876,7 +3834,7 @@
               </a:lnSpc>
             </a:pPr>
             <a:r>
-              <a:rPr lang="en-US" dirty="0" smtClean="0">
+              <a:rPr lang="en-US" dirty="0">
                 <a:latin typeface="Titillium Light" charset="0"/>
                 <a:ea typeface="Titillium Light" charset="0"/>
                 <a:cs typeface="Titillium Light" charset="0"/>
@@ -3890,7 +3848,7 @@
                 <a:spcPct val="80000"/>
               </a:lnSpc>
             </a:pPr>
-            <a:endParaRPr lang="en-US" dirty="0" smtClean="0">
+            <a:endParaRPr lang="en-US" dirty="0">
               <a:latin typeface="Titillium Light" charset="0"/>
               <a:ea typeface="Titillium Light" charset="0"/>
               <a:cs typeface="Titillium Light" charset="0"/>
@@ -3903,7 +3861,7 @@
               </a:lnSpc>
             </a:pPr>
             <a:r>
-              <a:rPr lang="en-US" dirty="0" smtClean="0">
+              <a:rPr lang="en-US" dirty="0">
                 <a:latin typeface="Titillium Light" charset="0"/>
                 <a:ea typeface="Titillium Light" charset="0"/>
                 <a:cs typeface="Titillium Light" charset="0"/>
@@ -3918,7 +3876,7 @@
               </a:lnSpc>
             </a:pPr>
             <a:r>
-              <a:rPr lang="en-US" dirty="0" smtClean="0">
+              <a:rPr lang="en-US" dirty="0">
                 <a:latin typeface="Titillium Light" charset="0"/>
                 <a:ea typeface="Titillium Light" charset="0"/>
                 <a:cs typeface="Titillium Light" charset="0"/>
@@ -3933,7 +3891,7 @@
               </a:lnSpc>
             </a:pPr>
             <a:r>
-              <a:rPr lang="en-US" dirty="0" smtClean="0">
+              <a:rPr lang="en-US" dirty="0">
                 <a:latin typeface="Titillium Light" charset="0"/>
                 <a:ea typeface="Titillium Light" charset="0"/>
                 <a:cs typeface="Titillium Light" charset="0"/>
@@ -3948,7 +3906,7 @@
               </a:lnSpc>
             </a:pPr>
             <a:r>
-              <a:rPr lang="en-US" dirty="0" smtClean="0">
+              <a:rPr lang="en-US" dirty="0">
                 <a:latin typeface="Titillium Light" charset="0"/>
                 <a:ea typeface="Titillium Light" charset="0"/>
                 <a:cs typeface="Titillium Light" charset="0"/>
@@ -3963,7 +3921,7 @@
               </a:lnSpc>
             </a:pPr>
             <a:r>
-              <a:rPr lang="en-US" dirty="0" smtClean="0">
+              <a:rPr lang="en-US" dirty="0">
                 <a:latin typeface="Titillium Light" charset="0"/>
                 <a:ea typeface="Titillium Light" charset="0"/>
                 <a:cs typeface="Titillium Light" charset="0"/>
@@ -3983,13 +3941,6 @@
   <p:clrMapOvr>
     <a:masterClrMapping/>
   </p:clrMapOvr>
-  <p:timing>
-    <p:tnLst>
-      <p:par>
-        <p:cTn id="1" dur="indefinite" restart="never" nodeType="tmRoot"/>
-      </p:par>
-    </p:tnLst>
-  </p:timing>
 </p:sld>
 </file>
 
@@ -4068,7 +4019,1147 @@
               </a:lnSpc>
             </a:pPr>
             <a:r>
-              <a:rPr lang="en-US" sz="3600" dirty="0" smtClean="0">
+              <a:rPr lang="en-US" sz="3600" dirty="0">
+                <a:latin typeface="Titillium Light" charset="0"/>
+                <a:ea typeface="Titillium Light" charset="0"/>
+                <a:cs typeface="Titillium Light" charset="0"/>
+              </a:rPr>
+              <a:t>Architecture</a:t>
+            </a:r>
+          </a:p>
+        </p:txBody>
+      </p:sp>
+      <p:cxnSp>
+        <p:nvCxnSpPr>
+          <p:cNvPr id="28" name="Straight Connector 2"/>
+          <p:cNvCxnSpPr/>
+          <p:nvPr/>
+        </p:nvCxnSpPr>
+        <p:spPr>
+          <a:xfrm>
+            <a:off x="952087" y="1178363"/>
+            <a:ext cx="691243" cy="0"/>
+          </a:xfrm>
+          <a:prstGeom prst="line">
+            <a:avLst/>
+          </a:prstGeom>
+          <a:ln w="25400">
+            <a:solidFill>
+              <a:srgbClr val="00BFF0"/>
+            </a:solidFill>
+          </a:ln>
+        </p:spPr>
+        <p:style>
+          <a:lnRef idx="1">
+            <a:schemeClr val="accent1"/>
+          </a:lnRef>
+          <a:fillRef idx="0">
+            <a:schemeClr val="accent1"/>
+          </a:fillRef>
+          <a:effectRef idx="0">
+            <a:schemeClr val="accent1"/>
+          </a:effectRef>
+          <a:fontRef idx="minor">
+            <a:schemeClr val="tx1"/>
+          </a:fontRef>
+        </p:style>
+      </p:cxnSp>
+      <p:sp>
+        <p:nvSpPr>
+          <p:cNvPr id="3" name="ZoneTexte 2"/>
+          <p:cNvSpPr txBox="1"/>
+          <p:nvPr/>
+        </p:nvSpPr>
+        <p:spPr>
+          <a:xfrm>
+            <a:off x="952087" y="1584960"/>
+            <a:ext cx="10191401" cy="4524315"/>
+          </a:xfrm>
+          <a:prstGeom prst="rect">
+            <a:avLst/>
+          </a:prstGeom>
+          <a:noFill/>
+        </p:spPr>
+        <p:txBody>
+          <a:bodyPr wrap="square" rtlCol="0">
+            <a:spAutoFit/>
+          </a:bodyPr>
+          <a:lstStyle/>
+          <a:p>
+            <a:pPr marL="285750" indent="-285750">
+              <a:buFont typeface="Arial" panose="020B0604020202020204" pitchFamily="34" charset="0"/>
+              <a:buChar char="•"/>
+            </a:pPr>
+            <a:r>
+              <a:rPr lang="fr-FR" dirty="0"/>
+              <a:t>Modulaire</a:t>
+            </a:r>
+          </a:p>
+          <a:p>
+            <a:pPr marL="742950" lvl="1" indent="-285750">
+              <a:buFont typeface="Arial" panose="020B0604020202020204" pitchFamily="34" charset="0"/>
+              <a:buChar char="•"/>
+            </a:pPr>
+            <a:r>
+              <a:rPr lang="fr-FR" dirty="0"/>
+              <a:t>Plugins de parsing</a:t>
+            </a:r>
+          </a:p>
+          <a:p>
+            <a:pPr marL="1200150" lvl="2" indent="-285750">
+              <a:buFont typeface="Arial" panose="020B0604020202020204" pitchFamily="34" charset="0"/>
+              <a:buChar char="•"/>
+            </a:pPr>
+            <a:r>
+              <a:rPr lang="fr-FR" dirty="0"/>
+              <a:t>Plusieurs entrées différentes</a:t>
+            </a:r>
+          </a:p>
+          <a:p>
+            <a:pPr marL="1200150" lvl="2" indent="-285750">
+              <a:buFont typeface="Arial" panose="020B0604020202020204" pitchFamily="34" charset="0"/>
+              <a:buChar char="•"/>
+            </a:pPr>
+            <a:r>
+              <a:rPr lang="fr-FR" dirty="0"/>
+              <a:t>Multi-projets</a:t>
+            </a:r>
+          </a:p>
+          <a:p>
+            <a:pPr marL="1200150" lvl="2" indent="-285750">
+              <a:buFont typeface="Arial" panose="020B0604020202020204" pitchFamily="34" charset="0"/>
+              <a:buChar char="•"/>
+            </a:pPr>
+            <a:r>
+              <a:rPr lang="fr-FR" dirty="0"/>
+              <a:t>Configurable</a:t>
+            </a:r>
+          </a:p>
+          <a:p>
+            <a:pPr marL="1657350" lvl="3" indent="-285750">
+              <a:buFont typeface="Arial" panose="020B0604020202020204" pitchFamily="34" charset="0"/>
+              <a:buChar char="•"/>
+            </a:pPr>
+            <a:r>
+              <a:rPr lang="fr-FR" dirty="0"/>
+              <a:t>Check</a:t>
+            </a:r>
+          </a:p>
+          <a:p>
+            <a:pPr marL="1657350" lvl="3" indent="-285750">
+              <a:buFont typeface="Arial" panose="020B0604020202020204" pitchFamily="34" charset="0"/>
+              <a:buChar char="•"/>
+            </a:pPr>
+            <a:r>
+              <a:rPr lang="fr-FR" dirty="0"/>
+              <a:t>Paramétrable</a:t>
+            </a:r>
+          </a:p>
+          <a:p>
+            <a:pPr marL="742950" lvl="1" indent="-285750">
+              <a:buFont typeface="Arial" panose="020B0604020202020204" pitchFamily="34" charset="0"/>
+              <a:buChar char="•"/>
+            </a:pPr>
+            <a:r>
+              <a:rPr lang="fr-FR" dirty="0"/>
+              <a:t>Plugins de génération</a:t>
+            </a:r>
+          </a:p>
+          <a:p>
+            <a:pPr marL="1200150" lvl="2" indent="-285750">
+              <a:buFont typeface="Arial" panose="020B0604020202020204" pitchFamily="34" charset="0"/>
+              <a:buChar char="•"/>
+            </a:pPr>
+            <a:r>
+              <a:rPr lang="fr-FR" dirty="0"/>
+              <a:t>Multi-output en fonction des besoins</a:t>
+            </a:r>
+          </a:p>
+          <a:p>
+            <a:pPr marL="1200150" lvl="2" indent="-285750">
+              <a:buFont typeface="Arial" panose="020B0604020202020204" pitchFamily="34" charset="0"/>
+              <a:buChar char="•"/>
+            </a:pPr>
+            <a:endParaRPr lang="fr-FR" dirty="0"/>
+          </a:p>
+          <a:p>
+            <a:pPr marL="1200150" lvl="2" indent="-285750">
+              <a:buFont typeface="Arial" panose="020B0604020202020204" pitchFamily="34" charset="0"/>
+              <a:buChar char="•"/>
+            </a:pPr>
+            <a:endParaRPr lang="fr-FR" dirty="0"/>
+          </a:p>
+          <a:p>
+            <a:pPr marL="285750" indent="-285750">
+              <a:buFont typeface="Arial" panose="020B0604020202020204" pitchFamily="34" charset="0"/>
+              <a:buChar char="•"/>
+            </a:pPr>
+            <a:r>
+              <a:rPr lang="fr-FR" dirty="0"/>
+              <a:t>Une partie CORE</a:t>
+            </a:r>
+          </a:p>
+          <a:p>
+            <a:pPr marL="742950" lvl="1" indent="-285750">
+              <a:buFont typeface="Arial" panose="020B0604020202020204" pitchFamily="34" charset="0"/>
+              <a:buChar char="•"/>
+            </a:pPr>
+            <a:r>
+              <a:rPr lang="fr-FR" dirty="0"/>
+              <a:t>Contient le modèle</a:t>
+            </a:r>
+          </a:p>
+          <a:p>
+            <a:pPr marL="742950" lvl="1" indent="-285750">
+              <a:buFont typeface="Arial" panose="020B0604020202020204" pitchFamily="34" charset="0"/>
+              <a:buChar char="•"/>
+            </a:pPr>
+            <a:r>
+              <a:rPr lang="fr-FR" dirty="0"/>
+              <a:t>Contient le paramétrage générique</a:t>
+            </a:r>
+          </a:p>
+          <a:p>
+            <a:pPr marL="742950" lvl="1" indent="-285750">
+              <a:buFont typeface="Arial" panose="020B0604020202020204" pitchFamily="34" charset="0"/>
+              <a:buChar char="•"/>
+            </a:pPr>
+            <a:r>
+              <a:rPr lang="fr-FR" dirty="0"/>
+              <a:t>S’occupe des check génériques de validité des entrées</a:t>
+            </a:r>
+          </a:p>
+          <a:p>
+            <a:pPr marL="742950" lvl="1" indent="-285750">
+              <a:buFont typeface="Arial" panose="020B0604020202020204" pitchFamily="34" charset="0"/>
+              <a:buChar char="•"/>
+            </a:pPr>
+            <a:r>
+              <a:rPr lang="fr-FR" dirty="0"/>
+              <a:t>Interagit avec la base de données</a:t>
+            </a:r>
+          </a:p>
+        </p:txBody>
+      </p:sp>
+      <p:pic>
+        <p:nvPicPr>
+          <p:cNvPr id="1028" name="Image 1" descr="image001"/>
+          <p:cNvPicPr>
+            <a:picLocks noChangeAspect="1" noChangeArrowheads="1"/>
+          </p:cNvPicPr>
+          <p:nvPr/>
+        </p:nvPicPr>
+        <p:blipFill>
+          <a:blip r:embed="rId3">
+            <a:extLst>
+              <a:ext uri="{28A0092B-C50C-407E-A947-70E740481C1C}">
+                <a14:useLocalDpi xmlns:a14="http://schemas.microsoft.com/office/drawing/2010/main" val="0"/>
+              </a:ext>
+            </a:extLst>
+          </a:blip>
+          <a:srcRect/>
+          <a:stretch>
+            <a:fillRect/>
+          </a:stretch>
+        </p:blipFill>
+        <p:spPr bwMode="auto">
+          <a:xfrm>
+            <a:off x="6856667" y="1499204"/>
+            <a:ext cx="4781550" cy="4695825"/>
+          </a:xfrm>
+          <a:prstGeom prst="rect">
+            <a:avLst/>
+          </a:prstGeom>
+          <a:noFill/>
+          <a:ln>
+            <a:noFill/>
+          </a:ln>
+          <a:extLst>
+            <a:ext uri="{909E8E84-426E-40DD-AFC4-6F175D3DCCD1}">
+              <a14:hiddenFill xmlns:a14="http://schemas.microsoft.com/office/drawing/2010/main">
+                <a:solidFill>
+                  <a:srgbClr val="FFFFFF"/>
+                </a:solidFill>
+              </a14:hiddenFill>
+            </a:ext>
+            <a:ext uri="{91240B29-F687-4F45-9708-019B960494DF}">
+              <a14:hiddenLine xmlns:a14="http://schemas.microsoft.com/office/drawing/2010/main" w="9525">
+                <a:solidFill>
+                  <a:srgbClr val="000000"/>
+                </a:solidFill>
+                <a:miter lim="800000"/>
+                <a:headEnd/>
+                <a:tailEnd/>
+              </a14:hiddenLine>
+            </a:ext>
+          </a:extLst>
+        </p:spPr>
+      </p:pic>
+    </p:spTree>
+    <p:extLst>
+      <p:ext uri="{BB962C8B-B14F-4D97-AF65-F5344CB8AC3E}">
+        <p14:creationId xmlns:p14="http://schemas.microsoft.com/office/powerpoint/2010/main" val="3883365092"/>
+      </p:ext>
+    </p:extLst>
+  </p:cSld>
+  <p:clrMapOvr>
+    <a:masterClrMapping/>
+  </p:clrMapOvr>
+</p:sld>
+</file>
+
+<file path=ppt/slides/slide11.xml><?xml version="1.0" encoding="utf-8"?>
+<p:sld xmlns:a="http://schemas.openxmlformats.org/drawingml/2006/main" xmlns:r="http://schemas.openxmlformats.org/officeDocument/2006/relationships" xmlns:p="http://schemas.openxmlformats.org/presentationml/2006/main">
+  <p:cSld>
+    <p:spTree>
+      <p:nvGrpSpPr>
+        <p:cNvPr id="1" name=""/>
+        <p:cNvGrpSpPr/>
+        <p:nvPr/>
+      </p:nvGrpSpPr>
+      <p:grpSpPr>
+        <a:xfrm>
+          <a:off x="0" y="0"/>
+          <a:ext cx="0" cy="0"/>
+          <a:chOff x="0" y="0"/>
+          <a:chExt cx="0" cy="0"/>
+        </a:xfrm>
+      </p:grpSpPr>
+      <p:pic>
+        <p:nvPicPr>
+          <p:cNvPr id="24" name="Image 23"/>
+          <p:cNvPicPr>
+            <a:picLocks noChangeAspect="1"/>
+          </p:cNvPicPr>
+          <p:nvPr/>
+        </p:nvPicPr>
+        <p:blipFill>
+          <a:blip r:embed="rId2" cstate="screen">
+            <a:extLst>
+              <a:ext uri="{28A0092B-C50C-407E-A947-70E740481C1C}">
+                <a14:useLocalDpi xmlns:a14="http://schemas.microsoft.com/office/drawing/2010/main"/>
+              </a:ext>
+            </a:extLst>
+          </a:blip>
+          <a:stretch>
+            <a:fillRect/>
+          </a:stretch>
+        </p:blipFill>
+        <p:spPr>
+          <a:xfrm>
+            <a:off x="10929766" y="6322534"/>
+            <a:ext cx="980232" cy="278416"/>
+          </a:xfrm>
+          <a:prstGeom prst="rect">
+            <a:avLst/>
+          </a:prstGeom>
+        </p:spPr>
+      </p:pic>
+      <p:sp>
+        <p:nvSpPr>
+          <p:cNvPr id="27" name="TextBox 1"/>
+          <p:cNvSpPr txBox="1"/>
+          <p:nvPr/>
+        </p:nvSpPr>
+        <p:spPr>
+          <a:xfrm>
+            <a:off x="952088" y="615097"/>
+            <a:ext cx="6220397" cy="443198"/>
+          </a:xfrm>
+          <a:prstGeom prst="rect">
+            <a:avLst/>
+          </a:prstGeom>
+          <a:noFill/>
+        </p:spPr>
+        <p:txBody>
+          <a:bodyPr wrap="square" lIns="0" tIns="0" rIns="0" bIns="0" rtlCol="0">
+            <a:spAutoFit/>
+          </a:bodyPr>
+          <a:lstStyle/>
+          <a:p>
+            <a:pPr>
+              <a:lnSpc>
+                <a:spcPct val="80000"/>
+              </a:lnSpc>
+            </a:pPr>
+            <a:r>
+              <a:rPr lang="en-US" sz="3600" dirty="0">
+                <a:latin typeface="Titillium Light" charset="0"/>
+                <a:ea typeface="Titillium Light" charset="0"/>
+                <a:cs typeface="Titillium Light" charset="0"/>
+              </a:rPr>
+              <a:t>Architecture</a:t>
+            </a:r>
+          </a:p>
+        </p:txBody>
+      </p:sp>
+      <p:cxnSp>
+        <p:nvCxnSpPr>
+          <p:cNvPr id="28" name="Straight Connector 2"/>
+          <p:cNvCxnSpPr/>
+          <p:nvPr/>
+        </p:nvCxnSpPr>
+        <p:spPr>
+          <a:xfrm>
+            <a:off x="952087" y="1178363"/>
+            <a:ext cx="691243" cy="0"/>
+          </a:xfrm>
+          <a:prstGeom prst="line">
+            <a:avLst/>
+          </a:prstGeom>
+          <a:ln w="25400">
+            <a:solidFill>
+              <a:srgbClr val="00BFF0"/>
+            </a:solidFill>
+          </a:ln>
+        </p:spPr>
+        <p:style>
+          <a:lnRef idx="1">
+            <a:schemeClr val="accent1"/>
+          </a:lnRef>
+          <a:fillRef idx="0">
+            <a:schemeClr val="accent1"/>
+          </a:fillRef>
+          <a:effectRef idx="0">
+            <a:schemeClr val="accent1"/>
+          </a:effectRef>
+          <a:fontRef idx="minor">
+            <a:schemeClr val="tx1"/>
+          </a:fontRef>
+        </p:style>
+      </p:cxnSp>
+      <p:sp>
+        <p:nvSpPr>
+          <p:cNvPr id="3" name="ZoneTexte 2"/>
+          <p:cNvSpPr txBox="1"/>
+          <p:nvPr/>
+        </p:nvSpPr>
+        <p:spPr>
+          <a:xfrm>
+            <a:off x="2199893" y="1855091"/>
+            <a:ext cx="7280758" cy="2585323"/>
+          </a:xfrm>
+          <a:prstGeom prst="rect">
+            <a:avLst/>
+          </a:prstGeom>
+          <a:noFill/>
+        </p:spPr>
+        <p:txBody>
+          <a:bodyPr wrap="square" rtlCol="0">
+            <a:spAutoFit/>
+          </a:bodyPr>
+          <a:lstStyle/>
+          <a:p>
+            <a:pPr marL="285750" indent="-285750">
+              <a:buFont typeface="Arial" panose="020B0604020202020204" pitchFamily="34" charset="0"/>
+              <a:buChar char="•"/>
+            </a:pPr>
+            <a:r>
+              <a:rPr lang="fr-FR" dirty="0"/>
+              <a:t>Modèle</a:t>
+            </a:r>
+          </a:p>
+          <a:p>
+            <a:pPr marL="742950" lvl="1" indent="-285750">
+              <a:buFont typeface="Arial" panose="020B0604020202020204" pitchFamily="34" charset="0"/>
+              <a:buChar char="•"/>
+            </a:pPr>
+            <a:r>
+              <a:rPr lang="fr-FR" dirty="0"/>
+              <a:t>Données génériques</a:t>
+            </a:r>
+          </a:p>
+          <a:p>
+            <a:pPr marL="742950" lvl="1" indent="-285750">
+              <a:buFont typeface="Arial" panose="020B0604020202020204" pitchFamily="34" charset="0"/>
+              <a:buChar char="•"/>
+            </a:pPr>
+            <a:r>
+              <a:rPr lang="fr-FR" dirty="0"/>
+              <a:t>Utilisable sur tout types de projets (THALES, LATECOERE, etc…)</a:t>
+            </a:r>
+          </a:p>
+          <a:p>
+            <a:pPr marL="742950" lvl="1" indent="-285750">
+              <a:buFont typeface="Arial" panose="020B0604020202020204" pitchFamily="34" charset="0"/>
+              <a:buChar char="•"/>
+            </a:pPr>
+            <a:r>
+              <a:rPr lang="fr-FR" dirty="0"/>
+              <a:t>Table ‘imputation’ (colonnes):</a:t>
+            </a:r>
+          </a:p>
+          <a:p>
+            <a:pPr marL="742950" lvl="1" indent="-285750">
+              <a:buFont typeface="Arial" panose="020B0604020202020204" pitchFamily="34" charset="0"/>
+              <a:buChar char="•"/>
+            </a:pPr>
+            <a:endParaRPr lang="fr-FR" dirty="0"/>
+          </a:p>
+          <a:p>
+            <a:pPr lvl="1"/>
+            <a:endParaRPr lang="fr-FR" dirty="0"/>
+          </a:p>
+          <a:p>
+            <a:pPr lvl="1"/>
+            <a:endParaRPr lang="fr-FR" dirty="0"/>
+          </a:p>
+          <a:p>
+            <a:pPr marL="742950" lvl="1" indent="-285750">
+              <a:buFont typeface="Arial" panose="020B0604020202020204" pitchFamily="34" charset="0"/>
+              <a:buChar char="•"/>
+            </a:pPr>
+            <a:r>
+              <a:rPr lang="fr-FR" dirty="0"/>
+              <a:t>Table ‘tâches’ (colonnes):</a:t>
+            </a:r>
+          </a:p>
+          <a:p>
+            <a:pPr marL="742950" lvl="1" indent="-285750">
+              <a:buFont typeface="Arial" panose="020B0604020202020204" pitchFamily="34" charset="0"/>
+              <a:buChar char="•"/>
+            </a:pPr>
+            <a:endParaRPr lang="fr-FR" dirty="0"/>
+          </a:p>
+        </p:txBody>
+      </p:sp>
+      <p:graphicFrame>
+        <p:nvGraphicFramePr>
+          <p:cNvPr id="4" name="Tableau 3"/>
+          <p:cNvGraphicFramePr>
+            <a:graphicFrameLocks noGrp="1"/>
+          </p:cNvGraphicFramePr>
+          <p:nvPr>
+            <p:extLst>
+              <p:ext uri="{D42A27DB-BD31-4B8C-83A1-F6EECF244321}">
+                <p14:modId xmlns:p14="http://schemas.microsoft.com/office/powerpoint/2010/main" val="1211012359"/>
+              </p:ext>
+            </p:extLst>
+          </p:nvPr>
+        </p:nvGraphicFramePr>
+        <p:xfrm>
+          <a:off x="2743901" y="3095447"/>
+          <a:ext cx="6736749" cy="640080"/>
+        </p:xfrm>
+        <a:graphic>
+          <a:graphicData uri="http://schemas.openxmlformats.org/drawingml/2006/table">
+            <a:tbl>
+              <a:tblPr firstRow="1" bandRow="1">
+                <a:tableStyleId>{5C22544A-7EE6-4342-B048-85BDC9FD1C3A}</a:tableStyleId>
+              </a:tblPr>
+              <a:tblGrid>
+                <a:gridCol w="732475">
+                  <a:extLst>
+                    <a:ext uri="{9D8B030D-6E8A-4147-A177-3AD203B41FA5}">
+                      <a16:colId xmlns:a16="http://schemas.microsoft.com/office/drawing/2014/main" val="20000"/>
+                    </a:ext>
+                  </a:extLst>
+                </a:gridCol>
+                <a:gridCol w="869576">
+                  <a:extLst>
+                    <a:ext uri="{9D8B030D-6E8A-4147-A177-3AD203B41FA5}">
+                      <a16:colId xmlns:a16="http://schemas.microsoft.com/office/drawing/2014/main" val="20001"/>
+                    </a:ext>
+                  </a:extLst>
+                </a:gridCol>
+                <a:gridCol w="1012275">
+                  <a:extLst>
+                    <a:ext uri="{9D8B030D-6E8A-4147-A177-3AD203B41FA5}">
+                      <a16:colId xmlns:a16="http://schemas.microsoft.com/office/drawing/2014/main" val="20002"/>
+                    </a:ext>
+                  </a:extLst>
+                </a:gridCol>
+                <a:gridCol w="817422">
+                  <a:extLst>
+                    <a:ext uri="{9D8B030D-6E8A-4147-A177-3AD203B41FA5}">
+                      <a16:colId xmlns:a16="http://schemas.microsoft.com/office/drawing/2014/main" val="20003"/>
+                    </a:ext>
+                  </a:extLst>
+                </a:gridCol>
+                <a:gridCol w="721838">
+                  <a:extLst>
+                    <a:ext uri="{9D8B030D-6E8A-4147-A177-3AD203B41FA5}">
+                      <a16:colId xmlns:a16="http://schemas.microsoft.com/office/drawing/2014/main" val="20004"/>
+                    </a:ext>
+                  </a:extLst>
+                </a:gridCol>
+                <a:gridCol w="903031">
+                  <a:extLst>
+                    <a:ext uri="{9D8B030D-6E8A-4147-A177-3AD203B41FA5}">
+                      <a16:colId xmlns:a16="http://schemas.microsoft.com/office/drawing/2014/main" val="20005"/>
+                    </a:ext>
+                  </a:extLst>
+                </a:gridCol>
+                <a:gridCol w="871180">
+                  <a:extLst>
+                    <a:ext uri="{9D8B030D-6E8A-4147-A177-3AD203B41FA5}">
+                      <a16:colId xmlns:a16="http://schemas.microsoft.com/office/drawing/2014/main" val="20006"/>
+                    </a:ext>
+                  </a:extLst>
+                </a:gridCol>
+                <a:gridCol w="808952">
+                  <a:extLst>
+                    <a:ext uri="{9D8B030D-6E8A-4147-A177-3AD203B41FA5}">
+                      <a16:colId xmlns:a16="http://schemas.microsoft.com/office/drawing/2014/main" val="20007"/>
+                    </a:ext>
+                  </a:extLst>
+                </a:gridCol>
+              </a:tblGrid>
+              <a:tr h="392463">
+                <a:tc>
+                  <a:txBody>
+                    <a:bodyPr/>
+                    <a:lstStyle/>
+                    <a:p>
+                      <a:r>
+                        <a:rPr lang="fr-FR" dirty="0"/>
+                        <a:t>Date</a:t>
+                      </a:r>
+                    </a:p>
+                  </a:txBody>
+                  <a:tcPr/>
+                </a:tc>
+                <a:tc>
+                  <a:txBody>
+                    <a:bodyPr/>
+                    <a:lstStyle/>
+                    <a:p>
+                      <a:r>
+                        <a:rPr lang="fr-FR" dirty="0"/>
+                        <a:t>Projet</a:t>
+                      </a:r>
+                    </a:p>
+                  </a:txBody>
+                  <a:tcPr/>
+                </a:tc>
+                <a:tc>
+                  <a:txBody>
+                    <a:bodyPr/>
+                    <a:lstStyle/>
+                    <a:p>
+                      <a:r>
+                        <a:rPr lang="fr-FR" dirty="0"/>
+                        <a:t>Version</a:t>
+                      </a:r>
+                    </a:p>
+                  </a:txBody>
+                  <a:tcPr/>
+                </a:tc>
+                <a:tc>
+                  <a:txBody>
+                    <a:bodyPr/>
+                    <a:lstStyle/>
+                    <a:p>
+                      <a:r>
+                        <a:rPr lang="fr-FR" dirty="0"/>
+                        <a:t>Sous projet</a:t>
+                      </a:r>
+                    </a:p>
+                  </a:txBody>
+                  <a:tcPr/>
+                </a:tc>
+                <a:tc>
+                  <a:txBody>
+                    <a:bodyPr/>
+                    <a:lstStyle/>
+                    <a:p>
+                      <a:r>
+                        <a:rPr lang="fr-FR" dirty="0"/>
+                        <a:t>User</a:t>
+                      </a:r>
+                    </a:p>
+                  </a:txBody>
+                  <a:tcPr/>
+                </a:tc>
+                <a:tc>
+                  <a:txBody>
+                    <a:bodyPr/>
+                    <a:lstStyle/>
+                    <a:p>
+                      <a:r>
+                        <a:rPr lang="fr-FR" dirty="0"/>
+                        <a:t>Temps</a:t>
+                      </a:r>
+                    </a:p>
+                  </a:txBody>
+                  <a:tcPr/>
+                </a:tc>
+                <a:tc>
+                  <a:txBody>
+                    <a:bodyPr/>
+                    <a:lstStyle/>
+                    <a:p>
+                      <a:r>
+                        <a:rPr lang="fr-FR" dirty="0"/>
+                        <a:t>Détail</a:t>
+                      </a:r>
+                    </a:p>
+                  </a:txBody>
+                  <a:tcPr/>
+                </a:tc>
+                <a:tc>
+                  <a:txBody>
+                    <a:bodyPr/>
+                    <a:lstStyle/>
+                    <a:p>
+                      <a:r>
+                        <a:rPr lang="fr-FR" dirty="0"/>
+                        <a:t>Tache</a:t>
+                      </a:r>
+                    </a:p>
+                  </a:txBody>
+                  <a:tcPr/>
+                </a:tc>
+                <a:extLst>
+                  <a:ext uri="{0D108BD9-81ED-4DB2-BD59-A6C34878D82A}">
+                    <a16:rowId xmlns:a16="http://schemas.microsoft.com/office/drawing/2014/main" val="10000"/>
+                  </a:ext>
+                </a:extLst>
+              </a:tr>
+            </a:tbl>
+          </a:graphicData>
+        </a:graphic>
+      </p:graphicFrame>
+      <p:graphicFrame>
+        <p:nvGraphicFramePr>
+          <p:cNvPr id="8" name="Tableau 7"/>
+          <p:cNvGraphicFramePr>
+            <a:graphicFrameLocks noGrp="1"/>
+          </p:cNvGraphicFramePr>
+          <p:nvPr>
+            <p:extLst>
+              <p:ext uri="{D42A27DB-BD31-4B8C-83A1-F6EECF244321}">
+                <p14:modId xmlns:p14="http://schemas.microsoft.com/office/powerpoint/2010/main" val="1198984280"/>
+              </p:ext>
+            </p:extLst>
+          </p:nvPr>
+        </p:nvGraphicFramePr>
+        <p:xfrm>
+          <a:off x="2743902" y="4188757"/>
+          <a:ext cx="6736748" cy="640080"/>
+        </p:xfrm>
+        <a:graphic>
+          <a:graphicData uri="http://schemas.openxmlformats.org/drawingml/2006/table">
+            <a:tbl>
+              <a:tblPr firstRow="1" bandRow="1">
+                <a:tableStyleId>{5C22544A-7EE6-4342-B048-85BDC9FD1C3A}</a:tableStyleId>
+              </a:tblPr>
+              <a:tblGrid>
+                <a:gridCol w="762683">
+                  <a:extLst>
+                    <a:ext uri="{9D8B030D-6E8A-4147-A177-3AD203B41FA5}">
+                      <a16:colId xmlns:a16="http://schemas.microsoft.com/office/drawing/2014/main" val="20000"/>
+                    </a:ext>
+                  </a:extLst>
+                </a:gridCol>
+                <a:gridCol w="803935">
+                  <a:extLst>
+                    <a:ext uri="{9D8B030D-6E8A-4147-A177-3AD203B41FA5}">
+                      <a16:colId xmlns:a16="http://schemas.microsoft.com/office/drawing/2014/main" val="20001"/>
+                    </a:ext>
+                  </a:extLst>
+                </a:gridCol>
+                <a:gridCol w="776212">
+                  <a:extLst>
+                    <a:ext uri="{9D8B030D-6E8A-4147-A177-3AD203B41FA5}">
+                      <a16:colId xmlns:a16="http://schemas.microsoft.com/office/drawing/2014/main" val="20002"/>
+                    </a:ext>
+                  </a:extLst>
+                </a:gridCol>
+                <a:gridCol w="1095014">
+                  <a:extLst>
+                    <a:ext uri="{9D8B030D-6E8A-4147-A177-3AD203B41FA5}">
+                      <a16:colId xmlns:a16="http://schemas.microsoft.com/office/drawing/2014/main" val="20003"/>
+                    </a:ext>
+                  </a:extLst>
+                </a:gridCol>
+                <a:gridCol w="748491">
+                  <a:extLst>
+                    <a:ext uri="{9D8B030D-6E8A-4147-A177-3AD203B41FA5}">
+                      <a16:colId xmlns:a16="http://schemas.microsoft.com/office/drawing/2014/main" val="20004"/>
+                    </a:ext>
+                  </a:extLst>
+                </a:gridCol>
+                <a:gridCol w="1455399">
+                  <a:extLst>
+                    <a:ext uri="{9D8B030D-6E8A-4147-A177-3AD203B41FA5}">
+                      <a16:colId xmlns:a16="http://schemas.microsoft.com/office/drawing/2014/main" val="20005"/>
+                    </a:ext>
+                  </a:extLst>
+                </a:gridCol>
+                <a:gridCol w="1095014">
+                  <a:extLst>
+                    <a:ext uri="{9D8B030D-6E8A-4147-A177-3AD203B41FA5}">
+                      <a16:colId xmlns:a16="http://schemas.microsoft.com/office/drawing/2014/main" val="20006"/>
+                    </a:ext>
+                  </a:extLst>
+                </a:gridCol>
+              </a:tblGrid>
+              <a:tr h="619126">
+                <a:tc>
+                  <a:txBody>
+                    <a:bodyPr/>
+                    <a:lstStyle/>
+                    <a:p>
+                      <a:r>
+                        <a:rPr lang="fr-FR" dirty="0"/>
+                        <a:t>Type</a:t>
+                      </a:r>
+                    </a:p>
+                  </a:txBody>
+                  <a:tcPr/>
+                </a:tc>
+                <a:tc>
+                  <a:txBody>
+                    <a:bodyPr/>
+                    <a:lstStyle/>
+                    <a:p>
+                      <a:r>
+                        <a:rPr lang="fr-FR" dirty="0"/>
+                        <a:t>Nom</a:t>
+                      </a:r>
+                    </a:p>
+                  </a:txBody>
+                  <a:tcPr/>
+                </a:tc>
+                <a:tc>
+                  <a:txBody>
+                    <a:bodyPr/>
+                    <a:lstStyle/>
+                    <a:p>
+                      <a:r>
+                        <a:rPr lang="fr-FR" dirty="0"/>
+                        <a:t>Date</a:t>
+                      </a:r>
+                    </a:p>
+                  </a:txBody>
+                  <a:tcPr/>
+                </a:tc>
+                <a:tc>
+                  <a:txBody>
+                    <a:bodyPr/>
+                    <a:lstStyle/>
+                    <a:p>
+                      <a:r>
+                        <a:rPr lang="fr-FR" dirty="0"/>
+                        <a:t>Temps total</a:t>
+                      </a:r>
+                    </a:p>
+                  </a:txBody>
+                  <a:tcPr/>
+                </a:tc>
+                <a:tc>
+                  <a:txBody>
+                    <a:bodyPr/>
+                    <a:lstStyle/>
+                    <a:p>
+                      <a:r>
+                        <a:rPr lang="fr-FR" dirty="0"/>
+                        <a:t>Etat</a:t>
+                      </a:r>
+                    </a:p>
+                  </a:txBody>
+                  <a:tcPr/>
+                </a:tc>
+                <a:tc>
+                  <a:txBody>
+                    <a:bodyPr/>
+                    <a:lstStyle/>
+                    <a:p>
+                      <a:r>
+                        <a:rPr lang="fr-FR" dirty="0"/>
+                        <a:t>Historique</a:t>
+                      </a:r>
+                    </a:p>
+                  </a:txBody>
+                  <a:tcPr/>
+                </a:tc>
+                <a:tc>
+                  <a:txBody>
+                    <a:bodyPr/>
+                    <a:lstStyle/>
+                    <a:p>
+                      <a:r>
+                        <a:rPr lang="fr-FR" dirty="0"/>
+                        <a:t>Sous-taches</a:t>
+                      </a:r>
+                    </a:p>
+                  </a:txBody>
+                  <a:tcPr/>
+                </a:tc>
+                <a:extLst>
+                  <a:ext uri="{0D108BD9-81ED-4DB2-BD59-A6C34878D82A}">
+                    <a16:rowId xmlns:a16="http://schemas.microsoft.com/office/drawing/2014/main" val="10000"/>
+                  </a:ext>
+                </a:extLst>
+              </a:tr>
+            </a:tbl>
+          </a:graphicData>
+        </a:graphic>
+      </p:graphicFrame>
+    </p:spTree>
+    <p:extLst>
+      <p:ext uri="{BB962C8B-B14F-4D97-AF65-F5344CB8AC3E}">
+        <p14:creationId xmlns:p14="http://schemas.microsoft.com/office/powerpoint/2010/main" val="859044065"/>
+      </p:ext>
+    </p:extLst>
+  </p:cSld>
+  <p:clrMapOvr>
+    <a:masterClrMapping/>
+  </p:clrMapOvr>
+</p:sld>
+</file>
+
+<file path=ppt/slides/slide12.xml><?xml version="1.0" encoding="utf-8"?>
+<p:sld xmlns:a="http://schemas.openxmlformats.org/drawingml/2006/main" xmlns:r="http://schemas.openxmlformats.org/officeDocument/2006/relationships" xmlns:p="http://schemas.openxmlformats.org/presentationml/2006/main">
+  <p:cSld>
+    <p:spTree>
+      <p:nvGrpSpPr>
+        <p:cNvPr id="1" name=""/>
+        <p:cNvGrpSpPr/>
+        <p:nvPr/>
+      </p:nvGrpSpPr>
+      <p:grpSpPr>
+        <a:xfrm>
+          <a:off x="0" y="0"/>
+          <a:ext cx="0" cy="0"/>
+          <a:chOff x="0" y="0"/>
+          <a:chExt cx="0" cy="0"/>
+        </a:xfrm>
+      </p:grpSpPr>
+      <p:pic>
+        <p:nvPicPr>
+          <p:cNvPr id="24" name="Image 23"/>
+          <p:cNvPicPr>
+            <a:picLocks noChangeAspect="1"/>
+          </p:cNvPicPr>
+          <p:nvPr/>
+        </p:nvPicPr>
+        <p:blipFill>
+          <a:blip r:embed="rId2" cstate="screen">
+            <a:extLst>
+              <a:ext uri="{28A0092B-C50C-407E-A947-70E740481C1C}">
+                <a14:useLocalDpi xmlns:a14="http://schemas.microsoft.com/office/drawing/2010/main"/>
+              </a:ext>
+            </a:extLst>
+          </a:blip>
+          <a:stretch>
+            <a:fillRect/>
+          </a:stretch>
+        </p:blipFill>
+        <p:spPr>
+          <a:xfrm>
+            <a:off x="10929766" y="6322534"/>
+            <a:ext cx="980232" cy="278416"/>
+          </a:xfrm>
+          <a:prstGeom prst="rect">
+            <a:avLst/>
+          </a:prstGeom>
+        </p:spPr>
+      </p:pic>
+      <p:sp>
+        <p:nvSpPr>
+          <p:cNvPr id="27" name="TextBox 1"/>
+          <p:cNvSpPr txBox="1"/>
+          <p:nvPr/>
+        </p:nvSpPr>
+        <p:spPr>
+          <a:xfrm>
+            <a:off x="952088" y="615097"/>
+            <a:ext cx="6220397" cy="443198"/>
+          </a:xfrm>
+          <a:prstGeom prst="rect">
+            <a:avLst/>
+          </a:prstGeom>
+          <a:noFill/>
+        </p:spPr>
+        <p:txBody>
+          <a:bodyPr wrap="square" lIns="0" tIns="0" rIns="0" bIns="0" rtlCol="0">
+            <a:spAutoFit/>
+          </a:bodyPr>
+          <a:lstStyle/>
+          <a:p>
+            <a:pPr>
+              <a:lnSpc>
+                <a:spcPct val="80000"/>
+              </a:lnSpc>
+            </a:pPr>
+            <a:r>
+              <a:rPr lang="en-US" sz="3600" dirty="0">
+                <a:latin typeface="Titillium Light" charset="0"/>
+                <a:ea typeface="Titillium Light" charset="0"/>
+                <a:cs typeface="Titillium Light" charset="0"/>
+              </a:rPr>
+              <a:t>Architecture</a:t>
+            </a:r>
+          </a:p>
+        </p:txBody>
+      </p:sp>
+      <p:cxnSp>
+        <p:nvCxnSpPr>
+          <p:cNvPr id="28" name="Straight Connector 2"/>
+          <p:cNvCxnSpPr/>
+          <p:nvPr/>
+        </p:nvCxnSpPr>
+        <p:spPr>
+          <a:xfrm>
+            <a:off x="952087" y="1178363"/>
+            <a:ext cx="691243" cy="0"/>
+          </a:xfrm>
+          <a:prstGeom prst="line">
+            <a:avLst/>
+          </a:prstGeom>
+          <a:ln w="25400">
+            <a:solidFill>
+              <a:srgbClr val="00BFF0"/>
+            </a:solidFill>
+          </a:ln>
+        </p:spPr>
+        <p:style>
+          <a:lnRef idx="1">
+            <a:schemeClr val="accent1"/>
+          </a:lnRef>
+          <a:fillRef idx="0">
+            <a:schemeClr val="accent1"/>
+          </a:fillRef>
+          <a:effectRef idx="0">
+            <a:schemeClr val="accent1"/>
+          </a:effectRef>
+          <a:fontRef idx="minor">
+            <a:schemeClr val="tx1"/>
+          </a:fontRef>
+        </p:style>
+      </p:cxnSp>
+      <p:pic>
+        <p:nvPicPr>
+          <p:cNvPr id="2" name="Picture 2" descr="D:\Users\S0060157\Documents\Outlook\TemporyOutlookFiles\GISMO_classdiagram_v3.5 (2).PNG"/>
+          <p:cNvPicPr>
+            <a:picLocks noChangeAspect="1" noChangeArrowheads="1"/>
+          </p:cNvPicPr>
+          <p:nvPr/>
+        </p:nvPicPr>
+        <p:blipFill>
+          <a:blip r:embed="rId3">
+            <a:extLst>
+              <a:ext uri="{28A0092B-C50C-407E-A947-70E740481C1C}">
+                <a14:useLocalDpi xmlns:a14="http://schemas.microsoft.com/office/drawing/2010/main" val="0"/>
+              </a:ext>
+            </a:extLst>
+          </a:blip>
+          <a:srcRect/>
+          <a:stretch>
+            <a:fillRect/>
+          </a:stretch>
+        </p:blipFill>
+        <p:spPr bwMode="auto">
+          <a:xfrm>
+            <a:off x="2691201" y="1505823"/>
+            <a:ext cx="6190151" cy="4816711"/>
+          </a:xfrm>
+          <a:prstGeom prst="rect">
+            <a:avLst/>
+          </a:prstGeom>
+          <a:noFill/>
+          <a:extLst>
+            <a:ext uri="{909E8E84-426E-40DD-AFC4-6F175D3DCCD1}">
+              <a14:hiddenFill xmlns:a14="http://schemas.microsoft.com/office/drawing/2010/main">
+                <a:solidFill>
+                  <a:srgbClr val="FFFFFF"/>
+                </a:solidFill>
+              </a14:hiddenFill>
+            </a:ext>
+          </a:extLst>
+        </p:spPr>
+      </p:pic>
+    </p:spTree>
+    <p:extLst>
+      <p:ext uri="{BB962C8B-B14F-4D97-AF65-F5344CB8AC3E}">
+        <p14:creationId xmlns:p14="http://schemas.microsoft.com/office/powerpoint/2010/main" val="4285992442"/>
+      </p:ext>
+    </p:extLst>
+  </p:cSld>
+  <p:clrMapOvr>
+    <a:masterClrMapping/>
+  </p:clrMapOvr>
+</p:sld>
+</file>
+
+<file path=ppt/slides/slide13.xml><?xml version="1.0" encoding="utf-8"?>
+<p:sld xmlns:a="http://schemas.openxmlformats.org/drawingml/2006/main" xmlns:r="http://schemas.openxmlformats.org/officeDocument/2006/relationships" xmlns:p="http://schemas.openxmlformats.org/presentationml/2006/main">
+  <p:cSld>
+    <p:spTree>
+      <p:nvGrpSpPr>
+        <p:cNvPr id="1" name=""/>
+        <p:cNvGrpSpPr/>
+        <p:nvPr/>
+      </p:nvGrpSpPr>
+      <p:grpSpPr>
+        <a:xfrm>
+          <a:off x="0" y="0"/>
+          <a:ext cx="0" cy="0"/>
+          <a:chOff x="0" y="0"/>
+          <a:chExt cx="0" cy="0"/>
+        </a:xfrm>
+      </p:grpSpPr>
+      <p:pic>
+        <p:nvPicPr>
+          <p:cNvPr id="24" name="Image 23"/>
+          <p:cNvPicPr>
+            <a:picLocks noChangeAspect="1"/>
+          </p:cNvPicPr>
+          <p:nvPr/>
+        </p:nvPicPr>
+        <p:blipFill>
+          <a:blip r:embed="rId2" cstate="screen">
+            <a:extLst>
+              <a:ext uri="{28A0092B-C50C-407E-A947-70E740481C1C}">
+                <a14:useLocalDpi xmlns:a14="http://schemas.microsoft.com/office/drawing/2010/main"/>
+              </a:ext>
+            </a:extLst>
+          </a:blip>
+          <a:stretch>
+            <a:fillRect/>
+          </a:stretch>
+        </p:blipFill>
+        <p:spPr>
+          <a:xfrm>
+            <a:off x="10929766" y="6322534"/>
+            <a:ext cx="980232" cy="278416"/>
+          </a:xfrm>
+          <a:prstGeom prst="rect">
+            <a:avLst/>
+          </a:prstGeom>
+        </p:spPr>
+      </p:pic>
+      <p:sp>
+        <p:nvSpPr>
+          <p:cNvPr id="27" name="TextBox 1"/>
+          <p:cNvSpPr txBox="1"/>
+          <p:nvPr/>
+        </p:nvSpPr>
+        <p:spPr>
+          <a:xfrm>
+            <a:off x="952088" y="615097"/>
+            <a:ext cx="6220397" cy="443198"/>
+          </a:xfrm>
+          <a:prstGeom prst="rect">
+            <a:avLst/>
+          </a:prstGeom>
+          <a:noFill/>
+        </p:spPr>
+        <p:txBody>
+          <a:bodyPr wrap="square" lIns="0" tIns="0" rIns="0" bIns="0" rtlCol="0">
+            <a:spAutoFit/>
+          </a:bodyPr>
+          <a:lstStyle/>
+          <a:p>
+            <a:pPr>
+              <a:lnSpc>
+                <a:spcPct val="80000"/>
+              </a:lnSpc>
+            </a:pPr>
+            <a:r>
+              <a:rPr lang="en-US" sz="3600" dirty="0">
                 <a:latin typeface="Titillium Light" charset="0"/>
                 <a:ea typeface="Titillium Light" charset="0"/>
                 <a:cs typeface="Titillium Light" charset="0"/>
@@ -4138,10 +5229,34 @@
                 <a:tableStyleId>{5C22544A-7EE6-4342-B048-85BDC9FD1C3A}</a:tableStyleId>
               </a:tblPr>
               <a:tblGrid>
-                <a:gridCol w="2494420"/>
-                <a:gridCol w="2494420"/>
-                <a:gridCol w="2494420"/>
-                <a:gridCol w="2494420"/>
+                <a:gridCol w="2494420">
+                  <a:extLst>
+                    <a:ext uri="{9D8B030D-6E8A-4147-A177-3AD203B41FA5}">
+                      <a16:colId xmlns:a16="http://schemas.microsoft.com/office/drawing/2014/main" val="20000"/>
+                    </a:ext>
+                  </a:extLst>
+                </a:gridCol>
+                <a:gridCol w="2494420">
+                  <a:extLst>
+                    <a:ext uri="{9D8B030D-6E8A-4147-A177-3AD203B41FA5}">
+                      <a16:colId xmlns:a16="http://schemas.microsoft.com/office/drawing/2014/main" val="20001"/>
+                    </a:ext>
+                  </a:extLst>
+                </a:gridCol>
+                <a:gridCol w="2494420">
+                  <a:extLst>
+                    <a:ext uri="{9D8B030D-6E8A-4147-A177-3AD203B41FA5}">
+                      <a16:colId xmlns:a16="http://schemas.microsoft.com/office/drawing/2014/main" val="20002"/>
+                    </a:ext>
+                  </a:extLst>
+                </a:gridCol>
+                <a:gridCol w="2494420">
+                  <a:extLst>
+                    <a:ext uri="{9D8B030D-6E8A-4147-A177-3AD203B41FA5}">
+                      <a16:colId xmlns:a16="http://schemas.microsoft.com/office/drawing/2014/main" val="20003"/>
+                    </a:ext>
+                  </a:extLst>
+                </a:gridCol>
               </a:tblGrid>
               <a:tr h="144610">
                 <a:tc gridSpan="2">
@@ -4151,10 +5266,9 @@
                     <a:p>
                       <a:pPr algn="ctr"/>
                       <a:r>
-                        <a:rPr lang="fr-FR" dirty="0" smtClean="0"/>
+                        <a:rPr lang="fr-FR" dirty="0"/>
                         <a:t>WEB (Choisie)</a:t>
                       </a:r>
-                      <a:endParaRPr lang="fr-FR" dirty="0"/>
                     </a:p>
                   </a:txBody>
                   <a:tcPr>
@@ -4180,10 +5294,9 @@
                     <a:p>
                       <a:pPr algn="ctr"/>
                       <a:r>
-                        <a:rPr lang="fr-FR" dirty="0" smtClean="0"/>
+                        <a:rPr lang="fr-FR" dirty="0"/>
                         <a:t>Application lourde JAVA</a:t>
                       </a:r>
-                      <a:endParaRPr lang="fr-FR" dirty="0"/>
                     </a:p>
                   </a:txBody>
                   <a:tcPr>
@@ -4202,6 +5315,11 @@
                   </a:txBody>
                   <a:tcPr/>
                 </a:tc>
+                <a:extLst>
+                  <a:ext uri="{0D108BD9-81ED-4DB2-BD59-A6C34878D82A}">
+                    <a16:rowId xmlns:a16="http://schemas.microsoft.com/office/drawing/2014/main" val="10000"/>
+                  </a:ext>
+                </a:extLst>
               </a:tr>
               <a:tr h="370840">
                 <a:tc>
@@ -4211,10 +5329,9 @@
                     <a:p>
                       <a:pPr algn="ctr"/>
                       <a:r>
-                        <a:rPr lang="fr-FR" dirty="0" smtClean="0"/>
+                        <a:rPr lang="fr-FR" dirty="0"/>
                         <a:t>Avantages</a:t>
                       </a:r>
-                      <a:endParaRPr lang="fr-FR" dirty="0"/>
                     </a:p>
                   </a:txBody>
                   <a:tcPr>
@@ -4259,10 +5376,9 @@
                     <a:p>
                       <a:pPr algn="ctr"/>
                       <a:r>
-                        <a:rPr lang="fr-FR" dirty="0" smtClean="0"/>
+                        <a:rPr lang="fr-FR" dirty="0"/>
                         <a:t>Inconvénients</a:t>
                       </a:r>
-                      <a:endParaRPr lang="fr-FR" dirty="0"/>
                     </a:p>
                   </a:txBody>
                   <a:tcPr>
@@ -4329,7 +5445,7 @@
                         <a:defRPr/>
                       </a:pPr>
                       <a:r>
-                        <a:rPr lang="fr-FR" dirty="0" smtClean="0"/>
+                        <a:rPr lang="fr-FR" dirty="0"/>
                         <a:t>Avantages</a:t>
                       </a:r>
                     </a:p>
@@ -4398,7 +5514,7 @@
                         <a:defRPr/>
                       </a:pPr>
                       <a:r>
-                        <a:rPr lang="fr-FR" dirty="0" smtClean="0"/>
+                        <a:rPr lang="fr-FR" dirty="0"/>
                         <a:t>Inconvénients</a:t>
                       </a:r>
                     </a:p>
@@ -4438,6 +5554,11 @@
                     </a:lnBlToTr>
                   </a:tcPr>
                 </a:tc>
+                <a:extLst>
+                  <a:ext uri="{0D108BD9-81ED-4DB2-BD59-A6C34878D82A}">
+                    <a16:rowId xmlns:a16="http://schemas.microsoft.com/office/drawing/2014/main" val="10001"/>
+                  </a:ext>
+                </a:extLst>
               </a:tr>
               <a:tr h="370840">
                 <a:tc>
@@ -4446,11 +5567,11 @@
                     <a:lstStyle/>
                     <a:p>
                       <a:r>
-                        <a:rPr lang="fr-FR" sz="1600" dirty="0" smtClean="0"/>
+                        <a:rPr lang="fr-FR" sz="1600" dirty="0"/>
                         <a:t>Pas</a:t>
                       </a:r>
                       <a:r>
-                        <a:rPr lang="fr-FR" sz="1600" baseline="0" dirty="0" smtClean="0"/>
+                        <a:rPr lang="fr-FR" sz="1600" baseline="0" dirty="0"/>
                         <a:t> d’installation chez le client</a:t>
                       </a:r>
                       <a:endParaRPr lang="fr-FR" sz="1600" dirty="0"/>
@@ -4497,11 +5618,11 @@
                     <a:lstStyle/>
                     <a:p>
                       <a:r>
-                        <a:rPr lang="fr-FR" sz="1600" dirty="0" smtClean="0"/>
+                        <a:rPr lang="fr-FR" sz="1600" dirty="0"/>
                         <a:t>Besoin d’y</a:t>
                       </a:r>
                       <a:r>
-                        <a:rPr lang="fr-FR" sz="1600" baseline="0" dirty="0" smtClean="0"/>
+                        <a:rPr lang="fr-FR" sz="1600" baseline="0" dirty="0"/>
                         <a:t> avoir accès depuis le client</a:t>
                       </a:r>
                       <a:endParaRPr lang="fr-FR" sz="1600" dirty="0"/>
@@ -4554,10 +5675,9 @@
                     <a:lstStyle/>
                     <a:p>
                       <a:r>
-                        <a:rPr lang="fr-FR" sz="1600" dirty="0" smtClean="0"/>
+                        <a:rPr lang="fr-FR" sz="1600" dirty="0"/>
                         <a:t>Exécutable sur n’importe quel environnement</a:t>
                       </a:r>
-                      <a:endParaRPr lang="fr-FR" sz="1600" dirty="0"/>
                     </a:p>
                   </a:txBody>
                   <a:tcPr>
@@ -4607,10 +5727,9 @@
                     <a:lstStyle/>
                     <a:p>
                       <a:r>
-                        <a:rPr lang="fr-FR" sz="1600" dirty="0" smtClean="0"/>
+                        <a:rPr lang="fr-FR" sz="1600" dirty="0"/>
                         <a:t>Avoir une version JAVA compatible</a:t>
                       </a:r>
-                      <a:endParaRPr lang="fr-FR" sz="1600" dirty="0"/>
                     </a:p>
                   </a:txBody>
                   <a:tcPr>
@@ -4648,6 +5767,11 @@
                     </a:lnBlToTr>
                   </a:tcPr>
                 </a:tc>
+                <a:extLst>
+                  <a:ext uri="{0D108BD9-81ED-4DB2-BD59-A6C34878D82A}">
+                    <a16:rowId xmlns:a16="http://schemas.microsoft.com/office/drawing/2014/main" val="10002"/>
+                  </a:ext>
+                </a:extLst>
               </a:tr>
               <a:tr h="370840">
                 <a:tc>
@@ -4656,10 +5780,9 @@
                     <a:lstStyle/>
                     <a:p>
                       <a:r>
-                        <a:rPr lang="fr-FR" sz="1600" dirty="0" smtClean="0"/>
+                        <a:rPr lang="fr-FR" sz="1600" dirty="0"/>
                         <a:t>Nouvelles technologies</a:t>
                       </a:r>
-                      <a:endParaRPr lang="fr-FR" sz="1600" dirty="0"/>
                     </a:p>
                   </a:txBody>
                   <a:tcPr>
@@ -4697,10 +5820,9 @@
                     <a:lstStyle/>
                     <a:p>
                       <a:r>
-                        <a:rPr lang="fr-FR" sz="1600" dirty="0" smtClean="0"/>
+                        <a:rPr lang="fr-FR" sz="1600" dirty="0"/>
                         <a:t>Montée en compétence sur les technos</a:t>
                       </a:r>
-                      <a:endParaRPr lang="fr-FR" sz="1600" dirty="0"/>
                     </a:p>
                   </a:txBody>
                   <a:tcPr>
@@ -4744,11 +5866,11 @@
                     <a:lstStyle/>
                     <a:p>
                       <a:r>
-                        <a:rPr lang="fr-FR" sz="1600" dirty="0" smtClean="0"/>
+                        <a:rPr lang="fr-FR" sz="1600" dirty="0"/>
                         <a:t>Pas besoin</a:t>
                       </a:r>
                       <a:r>
-                        <a:rPr lang="fr-FR" sz="1600" baseline="0" dirty="0" smtClean="0"/>
+                        <a:rPr lang="fr-FR" sz="1600" baseline="0" dirty="0"/>
                         <a:t> de réseau internet</a:t>
                       </a:r>
                       <a:endParaRPr lang="fr-FR" sz="1600" dirty="0"/>
@@ -4795,11 +5917,11 @@
                     <a:lstStyle/>
                     <a:p>
                       <a:r>
-                        <a:rPr lang="fr-FR" sz="1600" dirty="0" smtClean="0"/>
+                        <a:rPr lang="fr-FR" sz="1600" dirty="0"/>
                         <a:t>Besoin d’une base de données sur le réseau</a:t>
                       </a:r>
                       <a:r>
-                        <a:rPr lang="fr-FR" sz="1600" baseline="0" dirty="0" smtClean="0"/>
+                        <a:rPr lang="fr-FR" sz="1600" baseline="0" dirty="0"/>
                         <a:t> client</a:t>
                       </a:r>
                       <a:endParaRPr lang="fr-FR" sz="1600" dirty="0"/>
@@ -4834,6 +5956,11 @@
                     </a:lnBlToTr>
                   </a:tcPr>
                 </a:tc>
+                <a:extLst>
+                  <a:ext uri="{0D108BD9-81ED-4DB2-BD59-A6C34878D82A}">
+                    <a16:rowId xmlns:a16="http://schemas.microsoft.com/office/drawing/2014/main" val="10003"/>
+                  </a:ext>
+                </a:extLst>
               </a:tr>
               <a:tr h="370840">
                 <a:tc>
@@ -4842,10 +5969,9 @@
                     <a:lstStyle/>
                     <a:p>
                       <a:r>
-                        <a:rPr lang="fr-FR" sz="1600" dirty="0" smtClean="0"/>
+                        <a:rPr lang="fr-FR" sz="1600" dirty="0"/>
                         <a:t>Mise à jour et déploiement côté Apside</a:t>
                       </a:r>
-                      <a:endParaRPr lang="fr-FR" sz="1600" dirty="0"/>
                     </a:p>
                   </a:txBody>
                   <a:tcPr>
@@ -4883,11 +6009,11 @@
                     <a:lstStyle/>
                     <a:p>
                       <a:r>
-                        <a:rPr lang="fr-FR" sz="1600" dirty="0" smtClean="0"/>
+                        <a:rPr lang="fr-FR" sz="1600" dirty="0"/>
                         <a:t>Besoin d’un serveur</a:t>
                       </a:r>
                       <a:r>
-                        <a:rPr lang="fr-FR" sz="1600" baseline="0" dirty="0" smtClean="0"/>
+                        <a:rPr lang="fr-FR" sz="1600" baseline="0" dirty="0"/>
                         <a:t> côté Apside</a:t>
                       </a:r>
                       <a:endParaRPr lang="fr-FR" sz="1600" dirty="0"/>
@@ -4934,11 +6060,11 @@
                     <a:lstStyle/>
                     <a:p>
                       <a:r>
-                        <a:rPr lang="fr-FR" sz="1600" dirty="0" smtClean="0"/>
+                        <a:rPr lang="fr-FR" sz="1600" dirty="0"/>
                         <a:t>Langage</a:t>
                       </a:r>
                       <a:r>
-                        <a:rPr lang="fr-FR" sz="1600" baseline="0" dirty="0" smtClean="0"/>
+                        <a:rPr lang="fr-FR" sz="1600" baseline="0" dirty="0"/>
                         <a:t> connu et maîtrisé</a:t>
                       </a:r>
                       <a:endParaRPr lang="fr-FR" sz="1600" dirty="0"/>
@@ -4985,11 +6111,11 @@
                     <a:lstStyle/>
                     <a:p>
                       <a:r>
-                        <a:rPr lang="fr-FR" sz="1600" dirty="0" smtClean="0"/>
+                        <a:rPr lang="fr-FR" sz="1600" dirty="0"/>
                         <a:t>Installation</a:t>
                       </a:r>
                       <a:r>
-                        <a:rPr lang="fr-FR" sz="1600" baseline="0" dirty="0" smtClean="0"/>
+                        <a:rPr lang="fr-FR" sz="1600" baseline="0" dirty="0"/>
                         <a:t> sur chaque poste ou via accès réseau</a:t>
                       </a:r>
                       <a:endParaRPr lang="fr-FR" sz="1600" dirty="0"/>
@@ -5024,6 +6150,11 @@
                     </a:lnBlToTr>
                   </a:tcPr>
                 </a:tc>
+                <a:extLst>
+                  <a:ext uri="{0D108BD9-81ED-4DB2-BD59-A6C34878D82A}">
+                    <a16:rowId xmlns:a16="http://schemas.microsoft.com/office/drawing/2014/main" val="10004"/>
+                  </a:ext>
+                </a:extLst>
               </a:tr>
             </a:tbl>
           </a:graphicData>
@@ -5052,10 +6183,9 @@
           <a:lstStyle/>
           <a:p>
             <a:r>
-              <a:rPr lang="fr-FR" dirty="0" smtClean="0"/>
+              <a:rPr lang="fr-FR" dirty="0"/>
               <a:t>Appli WEB ou client lourd? Avantages et inconvénients</a:t>
             </a:r>
-            <a:endParaRPr lang="fr-FR" dirty="0"/>
           </a:p>
         </p:txBody>
       </p:sp>
@@ -5069,17 +6199,10 @@
   <p:clrMapOvr>
     <a:masterClrMapping/>
   </p:clrMapOvr>
-  <p:timing>
-    <p:tnLst>
-      <p:par>
-        <p:cTn id="1" dur="indefinite" restart="never" nodeType="tmRoot"/>
-      </p:par>
-    </p:tnLst>
-  </p:timing>
 </p:sld>
 </file>
 
-<file path=ppt/slides/slide11.xml><?xml version="1.0" encoding="utf-8"?>
+<file path=ppt/slides/slide14.xml><?xml version="1.0" encoding="utf-8"?>
 <p:sld xmlns:a="http://schemas.openxmlformats.org/drawingml/2006/main" xmlns:r="http://schemas.openxmlformats.org/officeDocument/2006/relationships" xmlns:p="http://schemas.openxmlformats.org/presentationml/2006/main">
   <p:cSld>
     <p:spTree>
@@ -5119,7 +6242,7 @@
           <a:lstStyle/>
           <a:p>
             <a:r>
-              <a:rPr lang="en-US" sz="2800" dirty="0" smtClean="0">
+              <a:rPr lang="en-US" sz="2800" dirty="0">
                 <a:solidFill>
                   <a:srgbClr val="00BFF0"/>
                 </a:solidFill>
@@ -5129,14 +6252,6 @@
               </a:rPr>
               <a:t>Développement</a:t>
             </a:r>
-            <a:endParaRPr lang="en-US" sz="2800" dirty="0">
-              <a:solidFill>
-                <a:srgbClr val="00BFF0"/>
-              </a:solidFill>
-              <a:latin typeface="Titillium Light" charset="0"/>
-              <a:ea typeface="Titillium Light" charset="0"/>
-              <a:cs typeface="Titillium Light" charset="0"/>
-            </a:endParaRPr>
           </a:p>
         </p:txBody>
       </p:sp>
@@ -5168,7 +6283,7 @@
               </a:lnSpc>
             </a:pPr>
             <a:r>
-              <a:rPr lang="en-US" sz="1200" dirty="0" smtClean="0">
+              <a:rPr lang="en-US" sz="1200" dirty="0">
                 <a:solidFill>
                   <a:schemeClr val="bg1">
                     <a:lumMod val="50000"/>
@@ -5181,17 +6296,6 @@
               </a:rPr>
               <a:t>.</a:t>
             </a:r>
-            <a:endParaRPr lang="en-US" sz="1200" dirty="0">
-              <a:solidFill>
-                <a:schemeClr val="bg1">
-                  <a:lumMod val="50000"/>
-                  <a:alpha val="60000"/>
-                </a:schemeClr>
-              </a:solidFill>
-              <a:latin typeface="Titillium" charset="0"/>
-              <a:ea typeface="Titillium" charset="0"/>
-              <a:cs typeface="Titillium" charset="0"/>
-            </a:endParaRPr>
           </a:p>
         </p:txBody>
       </p:sp>
@@ -5278,17 +6382,10 @@
   <p:clrMapOvr>
     <a:masterClrMapping/>
   </p:clrMapOvr>
-  <p:timing>
-    <p:tnLst>
-      <p:par>
-        <p:cTn id="1" dur="indefinite" restart="never" nodeType="tmRoot"/>
-      </p:par>
-    </p:tnLst>
-  </p:timing>
 </p:sld>
 </file>
 
-<file path=ppt/slides/slide12.xml><?xml version="1.0" encoding="utf-8"?>
+<file path=ppt/slides/slide15.xml><?xml version="1.0" encoding="utf-8"?>
 <p:sld xmlns:a="http://schemas.openxmlformats.org/drawingml/2006/main" xmlns:r="http://schemas.openxmlformats.org/officeDocument/2006/relationships" xmlns:p="http://schemas.openxmlformats.org/presentationml/2006/main">
   <p:cSld>
     <p:spTree>
@@ -5363,7 +6460,7 @@
               </a:lnSpc>
             </a:pPr>
             <a:r>
-              <a:rPr lang="en-US" sz="3600" dirty="0" smtClean="0">
+              <a:rPr lang="en-US" sz="3600" dirty="0">
                 <a:latin typeface="Titillium Light" charset="0"/>
                 <a:ea typeface="Titillium Light" charset="0"/>
                 <a:cs typeface="Titillium Light" charset="0"/>
@@ -5435,7 +6532,7 @@
               <a:buChar char="•"/>
             </a:pPr>
             <a:r>
-              <a:rPr lang="fr-FR" dirty="0" smtClean="0"/>
+              <a:rPr lang="fr-FR" dirty="0"/>
               <a:t>Agile</a:t>
             </a:r>
           </a:p>
@@ -5445,7 +6542,7 @@
               <a:buChar char="•"/>
             </a:pPr>
             <a:r>
-              <a:rPr lang="fr-FR" dirty="0" smtClean="0"/>
+              <a:rPr lang="fr-FR" dirty="0"/>
               <a:t>Sprints courts</a:t>
             </a:r>
           </a:p>
@@ -5455,7 +6552,7 @@
               <a:buChar char="•"/>
             </a:pPr>
             <a:r>
-              <a:rPr lang="fr-FR" dirty="0" smtClean="0"/>
+              <a:rPr lang="fr-FR" dirty="0"/>
               <a:t>Tâches simples</a:t>
             </a:r>
           </a:p>
@@ -5465,7 +6562,7 @@
               <a:buChar char="•"/>
             </a:pPr>
             <a:r>
-              <a:rPr lang="fr-FR" dirty="0" smtClean="0"/>
+              <a:rPr lang="fr-FR" dirty="0"/>
               <a:t>Prise en main rapide et facile</a:t>
             </a:r>
           </a:p>
@@ -5475,7 +6572,7 @@
               <a:buChar char="•"/>
             </a:pPr>
             <a:r>
-              <a:rPr lang="fr-FR" dirty="0" smtClean="0"/>
+              <a:rPr lang="fr-FR" dirty="0"/>
               <a:t>Développement incrémental</a:t>
             </a:r>
           </a:p>
@@ -5485,7 +6582,7 @@
               <a:buChar char="•"/>
             </a:pPr>
             <a:r>
-              <a:rPr lang="fr-FR" dirty="0" smtClean="0"/>
+              <a:rPr lang="fr-FR" dirty="0"/>
               <a:t>Les inter-contrats peuvent rentrer sur le projet rapidement</a:t>
             </a:r>
           </a:p>
@@ -5495,7 +6592,7 @@
               <a:buChar char="•"/>
             </a:pPr>
             <a:r>
-              <a:rPr lang="fr-FR" dirty="0" smtClean="0"/>
+              <a:rPr lang="fr-FR" dirty="0"/>
               <a:t>Un product owner (Ludovic Barre)</a:t>
             </a:r>
           </a:p>
@@ -5505,7 +6602,7 @@
               <a:buChar char="•"/>
             </a:pPr>
             <a:r>
-              <a:rPr lang="fr-FR" dirty="0" smtClean="0"/>
+              <a:rPr lang="fr-FR" dirty="0"/>
               <a:t>Un chef de projet (Jérémy Simar)</a:t>
             </a:r>
           </a:p>
@@ -5522,7 +6619,7 @@
               <a:buChar char="•"/>
             </a:pPr>
             <a:r>
-              <a:rPr lang="fr-FR" dirty="0" smtClean="0"/>
+              <a:rPr lang="fr-FR" dirty="0"/>
               <a:t>Open source</a:t>
             </a:r>
           </a:p>
@@ -5532,7 +6629,7 @@
               <a:buChar char="•"/>
             </a:pPr>
             <a:r>
-              <a:rPr lang="fr-FR" dirty="0" smtClean="0"/>
+              <a:rPr lang="fr-FR" dirty="0"/>
               <a:t>Projet dans le bac à sable Apside</a:t>
             </a:r>
           </a:p>
@@ -5542,7 +6639,7 @@
               <a:buChar char="•"/>
             </a:pPr>
             <a:r>
-              <a:rPr lang="fr-FR" dirty="0" smtClean="0"/>
+              <a:rPr lang="fr-FR" dirty="0"/>
               <a:t>S’il y a utilisation de librairies externes, il faut qu’elles soient open-source</a:t>
             </a:r>
           </a:p>
@@ -5552,7 +6649,7 @@
               <a:buChar char="•"/>
             </a:pPr>
             <a:r>
-              <a:rPr lang="fr-FR" dirty="0" smtClean="0"/>
+              <a:rPr lang="fr-FR" dirty="0"/>
               <a:t>Faire attention au type de la licence</a:t>
             </a:r>
           </a:p>
@@ -5562,7 +6659,7 @@
               <a:buChar char="•"/>
             </a:pPr>
             <a:r>
-              <a:rPr lang="fr-FR" dirty="0" smtClean="0"/>
+              <a:rPr lang="fr-FR" dirty="0"/>
               <a:t>Apside voudrait garder le projet en interne.</a:t>
             </a:r>
           </a:p>
@@ -5572,7 +6669,7 @@
               <a:buChar char="•"/>
             </a:pPr>
             <a:r>
-              <a:rPr lang="fr-FR" dirty="0" smtClean="0"/>
+              <a:rPr lang="fr-FR" dirty="0"/>
               <a:t>Eviter les libraires sous licence GPL</a:t>
             </a:r>
           </a:p>
@@ -5582,7 +6679,7 @@
               <a:buChar char="•"/>
             </a:pPr>
             <a:r>
-              <a:rPr lang="fr-FR" dirty="0" smtClean="0"/>
+              <a:rPr lang="fr-FR" dirty="0"/>
               <a:t>Prendre des libraires sous licence de type ‘no-copyleft’</a:t>
             </a:r>
           </a:p>
@@ -5591,7 +6688,7 @@
               <a:buFont typeface="Arial" panose="020B0604020202020204" pitchFamily="34" charset="0"/>
               <a:buChar char="•"/>
             </a:pPr>
-            <a:endParaRPr lang="fr-FR" dirty="0" smtClean="0"/>
+            <a:endParaRPr lang="fr-FR" dirty="0"/>
           </a:p>
         </p:txBody>
       </p:sp>
@@ -5605,860 +6702,6 @@
   <p:clrMapOvr>
     <a:masterClrMapping/>
   </p:clrMapOvr>
-  <p:timing>
-    <p:tnLst>
-      <p:par>
-        <p:cTn id="1" dur="indefinite" restart="never" nodeType="tmRoot"/>
-      </p:par>
-    </p:tnLst>
-  </p:timing>
-</p:sld>
-</file>
-
-<file path=ppt/slides/slide13.xml><?xml version="1.0" encoding="utf-8"?>
-<p:sld xmlns:a="http://schemas.openxmlformats.org/drawingml/2006/main" xmlns:r="http://schemas.openxmlformats.org/officeDocument/2006/relationships" xmlns:p="http://schemas.openxmlformats.org/presentationml/2006/main">
-  <p:cSld>
-    <p:spTree>
-      <p:nvGrpSpPr>
-        <p:cNvPr id="1" name=""/>
-        <p:cNvGrpSpPr/>
-        <p:nvPr/>
-      </p:nvGrpSpPr>
-      <p:grpSpPr>
-        <a:xfrm>
-          <a:off x="0" y="0"/>
-          <a:ext cx="0" cy="0"/>
-          <a:chOff x="0" y="0"/>
-          <a:chExt cx="0" cy="0"/>
-        </a:xfrm>
-      </p:grpSpPr>
-      <p:pic>
-        <p:nvPicPr>
-          <p:cNvPr id="24" name="Image 23"/>
-          <p:cNvPicPr>
-            <a:picLocks noChangeAspect="1"/>
-          </p:cNvPicPr>
-          <p:nvPr/>
-        </p:nvPicPr>
-        <p:blipFill>
-          <a:blip r:embed="rId2" cstate="screen">
-            <a:extLst>
-              <a:ext uri="{28A0092B-C50C-407E-A947-70E740481C1C}">
-                <a14:useLocalDpi xmlns:a14="http://schemas.microsoft.com/office/drawing/2010/main"/>
-              </a:ext>
-            </a:extLst>
-          </a:blip>
-          <a:stretch>
-            <a:fillRect/>
-          </a:stretch>
-        </p:blipFill>
-        <p:spPr>
-          <a:xfrm>
-            <a:off x="10929766" y="6322534"/>
-            <a:ext cx="980232" cy="278416"/>
-          </a:xfrm>
-          <a:prstGeom prst="rect">
-            <a:avLst/>
-          </a:prstGeom>
-        </p:spPr>
-      </p:pic>
-      <p:sp>
-        <p:nvSpPr>
-          <p:cNvPr id="27" name="TextBox 1"/>
-          <p:cNvSpPr txBox="1"/>
-          <p:nvPr/>
-        </p:nvSpPr>
-        <p:spPr>
-          <a:xfrm>
-            <a:off x="952088" y="615097"/>
-            <a:ext cx="6220397" cy="443198"/>
-          </a:xfrm>
-          <a:prstGeom prst="rect">
-            <a:avLst/>
-          </a:prstGeom>
-          <a:noFill/>
-        </p:spPr>
-        <p:txBody>
-          <a:bodyPr wrap="square" lIns="0" tIns="0" rIns="0" bIns="0" rtlCol="0">
-            <a:spAutoFit/>
-          </a:bodyPr>
-          <a:lstStyle/>
-          <a:p>
-            <a:pPr>
-              <a:lnSpc>
-                <a:spcPct val="80000"/>
-              </a:lnSpc>
-            </a:pPr>
-            <a:r>
-              <a:rPr lang="en-US" sz="3600" dirty="0" smtClean="0">
-                <a:latin typeface="Titillium Light" charset="0"/>
-                <a:ea typeface="Titillium Light" charset="0"/>
-                <a:cs typeface="Titillium Light" charset="0"/>
-              </a:rPr>
-              <a:t>Développement</a:t>
-            </a:r>
-          </a:p>
-        </p:txBody>
-      </p:sp>
-      <p:cxnSp>
-        <p:nvCxnSpPr>
-          <p:cNvPr id="28" name="Straight Connector 2"/>
-          <p:cNvCxnSpPr/>
-          <p:nvPr/>
-        </p:nvCxnSpPr>
-        <p:spPr>
-          <a:xfrm>
-            <a:off x="952087" y="1178363"/>
-            <a:ext cx="691243" cy="0"/>
-          </a:xfrm>
-          <a:prstGeom prst="line">
-            <a:avLst/>
-          </a:prstGeom>
-          <a:ln w="25400">
-            <a:solidFill>
-              <a:srgbClr val="00BFF0"/>
-            </a:solidFill>
-          </a:ln>
-        </p:spPr>
-        <p:style>
-          <a:lnRef idx="1">
-            <a:schemeClr val="accent1"/>
-          </a:lnRef>
-          <a:fillRef idx="0">
-            <a:schemeClr val="accent1"/>
-          </a:fillRef>
-          <a:effectRef idx="0">
-            <a:schemeClr val="accent1"/>
-          </a:effectRef>
-          <a:fontRef idx="minor">
-            <a:schemeClr val="tx1"/>
-          </a:fontRef>
-        </p:style>
-      </p:cxnSp>
-      <p:sp>
-        <p:nvSpPr>
-          <p:cNvPr id="3" name="ZoneTexte 2"/>
-          <p:cNvSpPr txBox="1"/>
-          <p:nvPr/>
-        </p:nvSpPr>
-        <p:spPr>
-          <a:xfrm>
-            <a:off x="952087" y="1958447"/>
-            <a:ext cx="10191401" cy="3416320"/>
-          </a:xfrm>
-          <a:prstGeom prst="rect">
-            <a:avLst/>
-          </a:prstGeom>
-          <a:noFill/>
-        </p:spPr>
-        <p:txBody>
-          <a:bodyPr wrap="square" rtlCol="0">
-            <a:spAutoFit/>
-          </a:bodyPr>
-          <a:lstStyle/>
-          <a:p>
-            <a:pPr marL="285750" indent="-285750">
-              <a:buFont typeface="Arial" panose="020B0604020202020204" pitchFamily="34" charset="0"/>
-              <a:buChar char="•"/>
-            </a:pPr>
-            <a:r>
-              <a:rPr lang="fr-FR" dirty="0" smtClean="0"/>
-              <a:t>CORE</a:t>
-            </a:r>
-          </a:p>
-          <a:p>
-            <a:pPr marL="742950" lvl="1" indent="-285750">
-              <a:buFont typeface="Arial" panose="020B0604020202020204" pitchFamily="34" charset="0"/>
-              <a:buChar char="•"/>
-            </a:pPr>
-            <a:r>
-              <a:rPr lang="fr-FR" dirty="0" smtClean="0"/>
-              <a:t>A spécifier/concevoir/développer en premier</a:t>
-            </a:r>
-          </a:p>
-          <a:p>
-            <a:pPr marL="1200150" lvl="2" indent="-285750">
-              <a:buFont typeface="Arial" panose="020B0604020202020204" pitchFamily="34" charset="0"/>
-              <a:buChar char="•"/>
-            </a:pPr>
-            <a:r>
-              <a:rPr lang="fr-FR" dirty="0" smtClean="0"/>
-              <a:t>Indispensable pour les plugins</a:t>
-            </a:r>
-          </a:p>
-          <a:p>
-            <a:pPr marL="1200150" lvl="2" indent="-285750">
-              <a:buFont typeface="Arial" panose="020B0604020202020204" pitchFamily="34" charset="0"/>
-              <a:buChar char="•"/>
-            </a:pPr>
-            <a:endParaRPr lang="fr-FR" dirty="0"/>
-          </a:p>
-          <a:p>
-            <a:pPr marL="285750" indent="-285750">
-              <a:buFont typeface="Arial" panose="020B0604020202020204" pitchFamily="34" charset="0"/>
-              <a:buChar char="•"/>
-            </a:pPr>
-            <a:r>
-              <a:rPr lang="fr-FR" dirty="0"/>
-              <a:t>Plugins</a:t>
-            </a:r>
-          </a:p>
-          <a:p>
-            <a:pPr marL="742950" lvl="1" indent="-285750">
-              <a:buFont typeface="Arial" panose="020B0604020202020204" pitchFamily="34" charset="0"/>
-              <a:buChar char="•"/>
-            </a:pPr>
-            <a:r>
-              <a:rPr lang="fr-FR" dirty="0"/>
-              <a:t>Modulaire</a:t>
-            </a:r>
-          </a:p>
-          <a:p>
-            <a:pPr marL="742950" lvl="1" indent="-285750">
-              <a:buFont typeface="Arial" panose="020B0604020202020204" pitchFamily="34" charset="0"/>
-              <a:buChar char="•"/>
-            </a:pPr>
-            <a:r>
-              <a:rPr lang="fr-FR" dirty="0"/>
-              <a:t>Charge de travail entre 5 et 10 jours</a:t>
-            </a:r>
-          </a:p>
-          <a:p>
-            <a:pPr marL="742950" lvl="1" indent="-285750">
-              <a:buFont typeface="Arial" panose="020B0604020202020204" pitchFamily="34" charset="0"/>
-              <a:buChar char="•"/>
-            </a:pPr>
-            <a:r>
-              <a:rPr lang="fr-FR" dirty="0"/>
-              <a:t>Développable en parallèle par plusieurs personnes</a:t>
-            </a:r>
-          </a:p>
-          <a:p>
-            <a:pPr marL="742950" lvl="1" indent="-285750">
-              <a:buFont typeface="Arial" panose="020B0604020202020204" pitchFamily="34" charset="0"/>
-              <a:buChar char="•"/>
-            </a:pPr>
-            <a:r>
-              <a:rPr lang="fr-FR" dirty="0"/>
-              <a:t>Non dépendant des autres plugins</a:t>
-            </a:r>
-          </a:p>
-          <a:p>
-            <a:pPr marL="1200150" lvl="2" indent="-285750">
-              <a:buFont typeface="Arial" panose="020B0604020202020204" pitchFamily="34" charset="0"/>
-              <a:buChar char="•"/>
-            </a:pPr>
-            <a:r>
-              <a:rPr lang="fr-FR" dirty="0"/>
-              <a:t>Mais dépendant du CORE</a:t>
-            </a:r>
-          </a:p>
-          <a:p>
-            <a:pPr marL="285750" indent="-285750">
-              <a:buFont typeface="Arial" panose="020B0604020202020204" pitchFamily="34" charset="0"/>
-              <a:buChar char="•"/>
-            </a:pPr>
-            <a:endParaRPr lang="fr-FR" dirty="0" smtClean="0"/>
-          </a:p>
-          <a:p>
-            <a:pPr marL="285750" indent="-285750">
-              <a:buFont typeface="Arial" panose="020B0604020202020204" pitchFamily="34" charset="0"/>
-              <a:buChar char="•"/>
-            </a:pPr>
-            <a:endParaRPr lang="fr-FR" dirty="0"/>
-          </a:p>
-        </p:txBody>
-      </p:sp>
-    </p:spTree>
-    <p:extLst>
-      <p:ext uri="{BB962C8B-B14F-4D97-AF65-F5344CB8AC3E}">
-        <p14:creationId xmlns:p14="http://schemas.microsoft.com/office/powerpoint/2010/main" val="784008978"/>
-      </p:ext>
-    </p:extLst>
-  </p:cSld>
-  <p:clrMapOvr>
-    <a:masterClrMapping/>
-  </p:clrMapOvr>
-  <p:timing>
-    <p:tnLst>
-      <p:par>
-        <p:cTn id="1" dur="indefinite" restart="never" nodeType="tmRoot"/>
-      </p:par>
-    </p:tnLst>
-  </p:timing>
-</p:sld>
-</file>
-
-<file path=ppt/slides/slide14.xml><?xml version="1.0" encoding="utf-8"?>
-<p:sld xmlns:a="http://schemas.openxmlformats.org/drawingml/2006/main" xmlns:r="http://schemas.openxmlformats.org/officeDocument/2006/relationships" xmlns:p="http://schemas.openxmlformats.org/presentationml/2006/main">
-  <p:cSld>
-    <p:spTree>
-      <p:nvGrpSpPr>
-        <p:cNvPr id="1" name=""/>
-        <p:cNvGrpSpPr/>
-        <p:nvPr/>
-      </p:nvGrpSpPr>
-      <p:grpSpPr>
-        <a:xfrm>
-          <a:off x="0" y="0"/>
-          <a:ext cx="0" cy="0"/>
-          <a:chOff x="0" y="0"/>
-          <a:chExt cx="0" cy="0"/>
-        </a:xfrm>
-      </p:grpSpPr>
-      <p:pic>
-        <p:nvPicPr>
-          <p:cNvPr id="24" name="Image 23"/>
-          <p:cNvPicPr>
-            <a:picLocks noChangeAspect="1"/>
-          </p:cNvPicPr>
-          <p:nvPr/>
-        </p:nvPicPr>
-        <p:blipFill>
-          <a:blip r:embed="rId2" cstate="screen">
-            <a:extLst>
-              <a:ext uri="{28A0092B-C50C-407E-A947-70E740481C1C}">
-                <a14:useLocalDpi xmlns:a14="http://schemas.microsoft.com/office/drawing/2010/main"/>
-              </a:ext>
-            </a:extLst>
-          </a:blip>
-          <a:stretch>
-            <a:fillRect/>
-          </a:stretch>
-        </p:blipFill>
-        <p:spPr>
-          <a:xfrm>
-            <a:off x="10929766" y="6322534"/>
-            <a:ext cx="980232" cy="278416"/>
-          </a:xfrm>
-          <a:prstGeom prst="rect">
-            <a:avLst/>
-          </a:prstGeom>
-        </p:spPr>
-      </p:pic>
-      <p:sp>
-        <p:nvSpPr>
-          <p:cNvPr id="27" name="TextBox 1"/>
-          <p:cNvSpPr txBox="1"/>
-          <p:nvPr/>
-        </p:nvSpPr>
-        <p:spPr>
-          <a:xfrm>
-            <a:off x="952088" y="615097"/>
-            <a:ext cx="6220397" cy="443198"/>
-          </a:xfrm>
-          <a:prstGeom prst="rect">
-            <a:avLst/>
-          </a:prstGeom>
-          <a:noFill/>
-        </p:spPr>
-        <p:txBody>
-          <a:bodyPr wrap="square" lIns="0" tIns="0" rIns="0" bIns="0" rtlCol="0">
-            <a:spAutoFit/>
-          </a:bodyPr>
-          <a:lstStyle/>
-          <a:p>
-            <a:pPr>
-              <a:lnSpc>
-                <a:spcPct val="80000"/>
-              </a:lnSpc>
-            </a:pPr>
-            <a:r>
-              <a:rPr lang="en-US" sz="3600" dirty="0" smtClean="0">
-                <a:latin typeface="Titillium Light" charset="0"/>
-                <a:ea typeface="Titillium Light" charset="0"/>
-                <a:cs typeface="Titillium Light" charset="0"/>
-              </a:rPr>
-              <a:t>Développement</a:t>
-            </a:r>
-          </a:p>
-        </p:txBody>
-      </p:sp>
-      <p:cxnSp>
-        <p:nvCxnSpPr>
-          <p:cNvPr id="28" name="Straight Connector 2"/>
-          <p:cNvCxnSpPr/>
-          <p:nvPr/>
-        </p:nvCxnSpPr>
-        <p:spPr>
-          <a:xfrm>
-            <a:off x="952087" y="1178363"/>
-            <a:ext cx="691243" cy="0"/>
-          </a:xfrm>
-          <a:prstGeom prst="line">
-            <a:avLst/>
-          </a:prstGeom>
-          <a:ln w="25400">
-            <a:solidFill>
-              <a:srgbClr val="00BFF0"/>
-            </a:solidFill>
-          </a:ln>
-        </p:spPr>
-        <p:style>
-          <a:lnRef idx="1">
-            <a:schemeClr val="accent1"/>
-          </a:lnRef>
-          <a:fillRef idx="0">
-            <a:schemeClr val="accent1"/>
-          </a:fillRef>
-          <a:effectRef idx="0">
-            <a:schemeClr val="accent1"/>
-          </a:effectRef>
-          <a:fontRef idx="minor">
-            <a:schemeClr val="tx1"/>
-          </a:fontRef>
-        </p:style>
-      </p:cxnSp>
-      <p:sp>
-        <p:nvSpPr>
-          <p:cNvPr id="3" name="ZoneTexte 2"/>
-          <p:cNvSpPr txBox="1"/>
-          <p:nvPr/>
-        </p:nvSpPr>
-        <p:spPr>
-          <a:xfrm>
-            <a:off x="952087" y="1263968"/>
-            <a:ext cx="10191401" cy="5909310"/>
-          </a:xfrm>
-          <a:prstGeom prst="rect">
-            <a:avLst/>
-          </a:prstGeom>
-          <a:noFill/>
-        </p:spPr>
-        <p:txBody>
-          <a:bodyPr wrap="square" rtlCol="0">
-            <a:spAutoFit/>
-          </a:bodyPr>
-          <a:lstStyle/>
-          <a:p>
-            <a:pPr marL="285750" indent="-285750">
-              <a:buFont typeface="Arial" panose="020B0604020202020204" pitchFamily="34" charset="0"/>
-              <a:buChar char="•"/>
-            </a:pPr>
-            <a:r>
-              <a:rPr lang="fr-FR" dirty="0" smtClean="0"/>
-              <a:t>Technologies</a:t>
-            </a:r>
-          </a:p>
-          <a:p>
-            <a:pPr marL="742950" lvl="1" indent="-285750">
-              <a:buFont typeface="Arial" panose="020B0604020202020204" pitchFamily="34" charset="0"/>
-              <a:buChar char="•"/>
-            </a:pPr>
-            <a:r>
-              <a:rPr lang="fr-FR" dirty="0" smtClean="0"/>
-              <a:t>Frontend en Angular 5</a:t>
-            </a:r>
-          </a:p>
-          <a:p>
-            <a:pPr marL="1200150" lvl="2" indent="-285750">
-              <a:buFont typeface="Arial" panose="020B0604020202020204" pitchFamily="34" charset="0"/>
-              <a:buChar char="•"/>
-            </a:pPr>
-            <a:r>
-              <a:rPr lang="fr-FR" dirty="0" smtClean="0"/>
-              <a:t>Techno récente et prisée</a:t>
-            </a:r>
-          </a:p>
-          <a:p>
-            <a:pPr marL="742950" lvl="1" indent="-285750">
-              <a:buFont typeface="Arial" panose="020B0604020202020204" pitchFamily="34" charset="0"/>
-              <a:buChar char="•"/>
-            </a:pPr>
-            <a:r>
-              <a:rPr lang="fr-FR" dirty="0" smtClean="0"/>
-              <a:t>Backend en Spring Boot</a:t>
-            </a:r>
-          </a:p>
-          <a:p>
-            <a:pPr marL="1200150" lvl="2" indent="-285750">
-              <a:buFont typeface="Arial" panose="020B0604020202020204" pitchFamily="34" charset="0"/>
-              <a:buChar char="•"/>
-            </a:pPr>
-            <a:r>
-              <a:rPr lang="fr-FR" dirty="0" smtClean="0"/>
-              <a:t>Techno récente et simple</a:t>
-            </a:r>
-          </a:p>
-          <a:p>
-            <a:pPr marL="742950" lvl="1" indent="-285750">
-              <a:buFont typeface="Arial" panose="020B0604020202020204" pitchFamily="34" charset="0"/>
-              <a:buChar char="•"/>
-            </a:pPr>
-            <a:r>
-              <a:rPr lang="fr-FR" dirty="0" smtClean="0"/>
-              <a:t>BDD en PostgreSQL</a:t>
-            </a:r>
-          </a:p>
-          <a:p>
-            <a:pPr marL="1200150" lvl="2" indent="-285750">
-              <a:buFont typeface="Arial" panose="020B0604020202020204" pitchFamily="34" charset="0"/>
-              <a:buChar char="•"/>
-            </a:pPr>
-            <a:r>
-              <a:rPr lang="fr-FR" dirty="0" smtClean="0"/>
-              <a:t>Un modèle typé, pour assurer une cohérence</a:t>
-            </a:r>
-          </a:p>
-          <a:p>
-            <a:pPr marL="1200150" lvl="2" indent="-285750">
-              <a:buFont typeface="Arial" panose="020B0604020202020204" pitchFamily="34" charset="0"/>
-              <a:buChar char="•"/>
-            </a:pPr>
-            <a:endParaRPr lang="fr-FR" dirty="0"/>
-          </a:p>
-          <a:p>
-            <a:pPr marL="285750" indent="-285750">
-              <a:buFont typeface="Arial" panose="020B0604020202020204" pitchFamily="34" charset="0"/>
-              <a:buChar char="•"/>
-            </a:pPr>
-            <a:r>
-              <a:rPr lang="fr-FR" dirty="0" smtClean="0"/>
-              <a:t>Environnement</a:t>
-            </a:r>
-          </a:p>
-          <a:p>
-            <a:pPr marL="742950" lvl="1" indent="-285750">
-              <a:buFont typeface="Arial" panose="020B0604020202020204" pitchFamily="34" charset="0"/>
-              <a:buChar char="•"/>
-            </a:pPr>
-            <a:r>
-              <a:rPr lang="fr-FR" dirty="0" smtClean="0"/>
-              <a:t>Outils de déploiement sur le bac à sable d’Apside (Apsi Digit)</a:t>
-            </a:r>
-          </a:p>
-          <a:p>
-            <a:pPr marL="1200150" lvl="2" indent="-285750">
-              <a:buFont typeface="Arial" panose="020B0604020202020204" pitchFamily="34" charset="0"/>
-              <a:buChar char="•"/>
-            </a:pPr>
-            <a:r>
-              <a:rPr lang="fr-FR" dirty="0" smtClean="0"/>
-              <a:t>Jenkins</a:t>
-            </a:r>
-          </a:p>
-          <a:p>
-            <a:pPr marL="1200150" lvl="2" indent="-285750">
-              <a:buFont typeface="Arial" panose="020B0604020202020204" pitchFamily="34" charset="0"/>
-              <a:buChar char="•"/>
-            </a:pPr>
-            <a:r>
-              <a:rPr lang="fr-FR" dirty="0" smtClean="0"/>
-              <a:t>Git</a:t>
-            </a:r>
-          </a:p>
-          <a:p>
-            <a:pPr marL="1200150" lvl="2" indent="-285750">
-              <a:buFont typeface="Arial" panose="020B0604020202020204" pitchFamily="34" charset="0"/>
-              <a:buChar char="•"/>
-            </a:pPr>
-            <a:r>
-              <a:rPr lang="fr-FR" dirty="0" smtClean="0"/>
-              <a:t>Docker</a:t>
-            </a:r>
-          </a:p>
-          <a:p>
-            <a:pPr marL="742950" lvl="1" indent="-285750">
-              <a:buFont typeface="Arial" panose="020B0604020202020204" pitchFamily="34" charset="0"/>
-              <a:buChar char="•"/>
-            </a:pPr>
-            <a:r>
-              <a:rPr lang="fr-FR" dirty="0" smtClean="0"/>
-              <a:t>Recette et production</a:t>
-            </a:r>
-          </a:p>
-          <a:p>
-            <a:pPr marL="1200150" lvl="2" indent="-285750">
-              <a:buFont typeface="Arial" panose="020B0604020202020204" pitchFamily="34" charset="0"/>
-              <a:buChar char="•"/>
-            </a:pPr>
-            <a:r>
-              <a:rPr lang="fr-FR" dirty="0" smtClean="0"/>
-              <a:t>Pour les tests et la mise en production</a:t>
-            </a:r>
-          </a:p>
-          <a:p>
-            <a:pPr marL="1200150" lvl="2" indent="-285750">
-              <a:buFont typeface="Arial" panose="020B0604020202020204" pitchFamily="34" charset="0"/>
-              <a:buChar char="•"/>
-            </a:pPr>
-            <a:r>
-              <a:rPr lang="fr-FR" dirty="0" smtClean="0"/>
-              <a:t>Utilisation d’un reverse-proxy Apache</a:t>
-            </a:r>
-          </a:p>
-          <a:p>
-            <a:pPr marL="285750" indent="-285750">
-              <a:buFont typeface="Arial" panose="020B0604020202020204" pitchFamily="34" charset="0"/>
-              <a:buChar char="•"/>
-            </a:pPr>
-            <a:endParaRPr lang="fr-FR" dirty="0"/>
-          </a:p>
-          <a:p>
-            <a:pPr marL="285750" indent="-285750">
-              <a:buFont typeface="Arial" panose="020B0604020202020204" pitchFamily="34" charset="0"/>
-              <a:buChar char="•"/>
-            </a:pPr>
-            <a:r>
-              <a:rPr lang="fr-FR" dirty="0" smtClean="0"/>
-              <a:t>Sécurité</a:t>
-            </a:r>
-          </a:p>
-          <a:p>
-            <a:pPr marL="742950" lvl="1" indent="-285750">
-              <a:buFont typeface="Arial" panose="020B0604020202020204" pitchFamily="34" charset="0"/>
-              <a:buChar char="•"/>
-            </a:pPr>
-            <a:r>
-              <a:rPr lang="fr-FR" dirty="0" smtClean="0"/>
-              <a:t>Login effectué via KeyCloak (système de login unique pour toutes les applis Apside)</a:t>
-            </a:r>
-          </a:p>
-          <a:p>
-            <a:pPr marL="742950" lvl="1" indent="-285750">
-              <a:buFont typeface="Arial" panose="020B0604020202020204" pitchFamily="34" charset="0"/>
-              <a:buChar char="•"/>
-            </a:pPr>
-            <a:r>
-              <a:rPr lang="fr-FR" dirty="0" smtClean="0"/>
-              <a:t>Lecture des guides de bonne pratiques</a:t>
-            </a:r>
-          </a:p>
-          <a:p>
-            <a:pPr marL="285750" indent="-285750">
-              <a:buFont typeface="Arial" panose="020B0604020202020204" pitchFamily="34" charset="0"/>
-              <a:buChar char="•"/>
-            </a:pPr>
-            <a:endParaRPr lang="fr-FR" dirty="0"/>
-          </a:p>
-        </p:txBody>
-      </p:sp>
-    </p:spTree>
-    <p:extLst>
-      <p:ext uri="{BB962C8B-B14F-4D97-AF65-F5344CB8AC3E}">
-        <p14:creationId xmlns:p14="http://schemas.microsoft.com/office/powerpoint/2010/main" val="1374592577"/>
-      </p:ext>
-    </p:extLst>
-  </p:cSld>
-  <p:clrMapOvr>
-    <a:masterClrMapping/>
-  </p:clrMapOvr>
-  <p:timing>
-    <p:tnLst>
-      <p:par>
-        <p:cTn id="1" dur="indefinite" restart="never" nodeType="tmRoot"/>
-      </p:par>
-    </p:tnLst>
-  </p:timing>
-</p:sld>
-</file>
-
-<file path=ppt/slides/slide15.xml><?xml version="1.0" encoding="utf-8"?>
-<p:sld xmlns:a="http://schemas.openxmlformats.org/drawingml/2006/main" xmlns:r="http://schemas.openxmlformats.org/officeDocument/2006/relationships" xmlns:p="http://schemas.openxmlformats.org/presentationml/2006/main">
-  <p:cSld>
-    <p:spTree>
-      <p:nvGrpSpPr>
-        <p:cNvPr id="1" name=""/>
-        <p:cNvGrpSpPr/>
-        <p:nvPr/>
-      </p:nvGrpSpPr>
-      <p:grpSpPr>
-        <a:xfrm>
-          <a:off x="0" y="0"/>
-          <a:ext cx="0" cy="0"/>
-          <a:chOff x="0" y="0"/>
-          <a:chExt cx="0" cy="0"/>
-        </a:xfrm>
-      </p:grpSpPr>
-      <p:sp>
-        <p:nvSpPr>
-          <p:cNvPr id="20" name="TextBox 19"/>
-          <p:cNvSpPr txBox="1"/>
-          <p:nvPr/>
-        </p:nvSpPr>
-        <p:spPr>
-          <a:xfrm>
-            <a:off x="4058649" y="3489880"/>
-            <a:ext cx="4297279" cy="430887"/>
-          </a:xfrm>
-          <a:prstGeom prst="rect">
-            <a:avLst/>
-          </a:prstGeom>
-          <a:noFill/>
-        </p:spPr>
-        <p:txBody>
-          <a:bodyPr wrap="square" lIns="0" tIns="0" rIns="0" bIns="0" rtlCol="0">
-            <a:spAutoFit/>
-          </a:bodyPr>
-          <a:lstStyle/>
-          <a:p>
-            <a:r>
-              <a:rPr lang="en-US" sz="2800" dirty="0" smtClean="0">
-                <a:solidFill>
-                  <a:srgbClr val="00BFF0"/>
-                </a:solidFill>
-                <a:latin typeface="Titillium Light" charset="0"/>
-                <a:ea typeface="Titillium Light" charset="0"/>
-                <a:cs typeface="Titillium Light" charset="0"/>
-              </a:rPr>
-              <a:t>Exigences</a:t>
-            </a:r>
-            <a:endParaRPr lang="en-US" sz="2800" dirty="0">
-              <a:solidFill>
-                <a:srgbClr val="00BFF0"/>
-              </a:solidFill>
-              <a:latin typeface="Titillium Light" charset="0"/>
-              <a:ea typeface="Titillium Light" charset="0"/>
-              <a:cs typeface="Titillium Light" charset="0"/>
-            </a:endParaRPr>
-          </a:p>
-        </p:txBody>
-      </p:sp>
-      <p:sp>
-        <p:nvSpPr>
-          <p:cNvPr id="21" name="TextBox 20"/>
-          <p:cNvSpPr txBox="1"/>
-          <p:nvPr/>
-        </p:nvSpPr>
-        <p:spPr>
-          <a:xfrm>
-            <a:off x="4058648" y="4207364"/>
-            <a:ext cx="5212351" cy="242823"/>
-          </a:xfrm>
-          <a:prstGeom prst="rect">
-            <a:avLst/>
-          </a:prstGeom>
-          <a:noFill/>
-        </p:spPr>
-        <p:txBody>
-          <a:bodyPr wrap="square" lIns="0" tIns="0" rIns="91440" bIns="0" rtlCol="0">
-            <a:spAutoFit/>
-          </a:bodyPr>
-          <a:lstStyle/>
-          <a:p>
-            <a:pPr>
-              <a:lnSpc>
-                <a:spcPct val="150000"/>
-              </a:lnSpc>
-            </a:pPr>
-            <a:r>
-              <a:rPr lang="en-US" sz="1200" dirty="0" smtClean="0">
-                <a:solidFill>
-                  <a:schemeClr val="bg1">
-                    <a:lumMod val="50000"/>
-                    <a:alpha val="60000"/>
-                  </a:schemeClr>
-                </a:solidFill>
-                <a:latin typeface="Titillium" charset="0"/>
-                <a:ea typeface="Titillium" charset="0"/>
-                <a:cs typeface="Titillium" charset="0"/>
-              </a:rPr>
-              <a:t>.</a:t>
-            </a:r>
-            <a:endParaRPr lang="en-US" sz="1200" dirty="0">
-              <a:solidFill>
-                <a:schemeClr val="bg1">
-                  <a:lumMod val="50000"/>
-                  <a:alpha val="60000"/>
-                </a:schemeClr>
-              </a:solidFill>
-              <a:latin typeface="Titillium" charset="0"/>
-              <a:ea typeface="Titillium" charset="0"/>
-              <a:cs typeface="Titillium" charset="0"/>
-            </a:endParaRPr>
-          </a:p>
-        </p:txBody>
-      </p:sp>
-      <p:cxnSp>
-        <p:nvCxnSpPr>
-          <p:cNvPr id="28" name="Straight Connector 27"/>
-          <p:cNvCxnSpPr/>
-          <p:nvPr/>
-        </p:nvCxnSpPr>
-        <p:spPr>
-          <a:xfrm>
-            <a:off x="4058649" y="4058282"/>
-            <a:ext cx="6342651" cy="0"/>
-          </a:xfrm>
-          <a:prstGeom prst="line">
-            <a:avLst/>
-          </a:prstGeom>
-          <a:ln w="25400">
-            <a:gradFill>
-              <a:gsLst>
-                <a:gs pos="0">
-                  <a:srgbClr val="1E4663"/>
-                </a:gs>
-                <a:gs pos="100000">
-                  <a:srgbClr val="00BFF0"/>
-                </a:gs>
-              </a:gsLst>
-              <a:lin ang="2700000" scaled="0"/>
-            </a:gradFill>
-          </a:ln>
-        </p:spPr>
-        <p:style>
-          <a:lnRef idx="1">
-            <a:schemeClr val="accent1"/>
-          </a:lnRef>
-          <a:fillRef idx="0">
-            <a:schemeClr val="accent1"/>
-          </a:fillRef>
-          <a:effectRef idx="0">
-            <a:schemeClr val="accent1"/>
-          </a:effectRef>
-          <a:fontRef idx="minor">
-            <a:schemeClr val="tx1"/>
-          </a:fontRef>
-        </p:style>
-      </p:cxnSp>
-      <p:pic>
-        <p:nvPicPr>
-          <p:cNvPr id="12" name="Image 11"/>
-          <p:cNvPicPr>
-            <a:picLocks noChangeAspect="1"/>
-          </p:cNvPicPr>
-          <p:nvPr/>
-        </p:nvPicPr>
-        <p:blipFill>
-          <a:blip r:embed="rId2" cstate="screen">
-            <a:extLst>
-              <a:ext uri="{28A0092B-C50C-407E-A947-70E740481C1C}">
-                <a14:useLocalDpi xmlns:a14="http://schemas.microsoft.com/office/drawing/2010/main"/>
-              </a:ext>
-            </a:extLst>
-          </a:blip>
-          <a:stretch>
-            <a:fillRect/>
-          </a:stretch>
-        </p:blipFill>
-        <p:spPr>
-          <a:xfrm>
-            <a:off x="10929766" y="6322534"/>
-            <a:ext cx="980232" cy="278416"/>
-          </a:xfrm>
-          <a:prstGeom prst="rect">
-            <a:avLst/>
-          </a:prstGeom>
-        </p:spPr>
-      </p:pic>
-    </p:spTree>
-    <p:extLst>
-      <p:ext uri="{BB962C8B-B14F-4D97-AF65-F5344CB8AC3E}">
-        <p14:creationId xmlns:p14="http://schemas.microsoft.com/office/powerpoint/2010/main" val="4139690402"/>
-      </p:ext>
-    </p:extLst>
-  </p:cSld>
-  <p:clrMapOvr>
-    <a:masterClrMapping/>
-  </p:clrMapOvr>
-  <p:timing>
-    <p:tnLst>
-      <p:par>
-        <p:cTn id="1" dur="indefinite" restart="never" nodeType="tmRoot"/>
-      </p:par>
-    </p:tnLst>
-  </p:timing>
 </p:sld>
 </file>
 
@@ -6537,12 +6780,12 @@
               </a:lnSpc>
             </a:pPr>
             <a:r>
-              <a:rPr lang="en-US" sz="3600" dirty="0" smtClean="0">
+              <a:rPr lang="en-US" sz="3600" dirty="0">
                 <a:latin typeface="Titillium Light" charset="0"/>
                 <a:ea typeface="Titillium Light" charset="0"/>
                 <a:cs typeface="Titillium Light" charset="0"/>
               </a:rPr>
-              <a:t>Exigences</a:t>
+              <a:t>Développement</a:t>
             </a:r>
           </a:p>
         </p:txBody>
@@ -6590,8 +6833,8 @@
         </p:nvSpPr>
         <p:spPr>
           <a:xfrm>
-            <a:off x="952087" y="1912151"/>
-            <a:ext cx="10191401" cy="3139321"/>
+            <a:off x="952087" y="1958447"/>
+            <a:ext cx="10191401" cy="3416320"/>
           </a:xfrm>
           <a:prstGeom prst="rect">
             <a:avLst/>
@@ -6609,10 +6852,9 @@
               <a:buChar char="•"/>
             </a:pPr>
             <a:r>
-              <a:rPr lang="fr-FR" dirty="0" smtClean="0"/>
-              <a:t>Cohérence des données</a:t>
-            </a:r>
-            <a:endParaRPr lang="fr-FR" dirty="0"/>
+              <a:rPr lang="fr-FR" dirty="0"/>
+              <a:t>CORE</a:t>
+            </a:r>
           </a:p>
           <a:p>
             <a:pPr marL="742950" lvl="1" indent="-285750">
@@ -6620,16 +6862,35 @@
               <a:buChar char="•"/>
             </a:pPr>
             <a:r>
-              <a:rPr lang="fr-FR" dirty="0" smtClean="0"/>
-              <a:t>A </a:t>
-            </a:r>
-            <a:r>
               <a:rPr lang="fr-FR" dirty="0"/>
-              <a:t>l'import : pas plus de 8h imputé par utilisateurs par jour  =&gt; </a:t>
-            </a:r>
-            <a:r>
-              <a:rPr lang="fr-FR" dirty="0" smtClean="0"/>
-              <a:t>Erreur</a:t>
+              <a:t>A spécifier/concevoir/développer en premier</a:t>
+            </a:r>
+          </a:p>
+          <a:p>
+            <a:pPr marL="1200150" lvl="2" indent="-285750">
+              <a:buFont typeface="Arial" panose="020B0604020202020204" pitchFamily="34" charset="0"/>
+              <a:buChar char="•"/>
+            </a:pPr>
+            <a:r>
+              <a:rPr lang="fr-FR" dirty="0"/>
+              <a:t>Indispensable pour les plugins</a:t>
+            </a:r>
+          </a:p>
+          <a:p>
+            <a:pPr marL="1200150" lvl="2" indent="-285750">
+              <a:buFont typeface="Arial" panose="020B0604020202020204" pitchFamily="34" charset="0"/>
+              <a:buChar char="•"/>
+            </a:pPr>
+            <a:endParaRPr lang="fr-FR" dirty="0"/>
+          </a:p>
+          <a:p>
+            <a:pPr marL="285750" indent="-285750">
+              <a:buFont typeface="Arial" panose="020B0604020202020204" pitchFamily="34" charset="0"/>
+              <a:buChar char="•"/>
+            </a:pPr>
+            <a:r>
+              <a:rPr lang="fr-FR" dirty="0"/>
+              <a:t>Plugins</a:t>
             </a:r>
           </a:p>
           <a:p>
@@ -6638,16 +6899,8 @@
               <a:buChar char="•"/>
             </a:pPr>
             <a:r>
-              <a:rPr lang="fr-FR" dirty="0" smtClean="0"/>
-              <a:t>A </a:t>
-            </a:r>
-            <a:r>
               <a:rPr lang="fr-FR" dirty="0"/>
-              <a:t>l'import : remonter les journées imputées sur le weekend ou les jour féries =&gt; warning, informations pour facturation </a:t>
-            </a:r>
-            <a:r>
-              <a:rPr lang="fr-FR" dirty="0" smtClean="0"/>
-              <a:t>spécifique</a:t>
+              <a:t>Modulaire</a:t>
             </a:r>
           </a:p>
           <a:p>
@@ -6656,22 +6909,9 @@
               <a:buChar char="•"/>
             </a:pPr>
             <a:r>
-              <a:rPr lang="fr-FR" dirty="0" smtClean="0"/>
-              <a:t>Sur </a:t>
-            </a:r>
-            <a:r>
               <a:rPr lang="fr-FR" dirty="0"/>
-              <a:t>demande fin de mois : pour un user les journées sont saisies en entier (pas d'heure non </a:t>
-            </a:r>
-            <a:r>
-              <a:rPr lang="fr-FR" dirty="0" err="1"/>
-              <a:t>compatibilisé</a:t>
-            </a:r>
-            <a:r>
-              <a:rPr lang="fr-FR" dirty="0"/>
-              <a:t> sur une base de 8h par jour - à voir si une config par CDS ou projet est nécessaire) =&gt; warning </a:t>
-            </a:r>
-            <a:endParaRPr lang="fr-FR" dirty="0" smtClean="0"/>
+              <a:t>Charge de travail entre 5 et 10 jours</a:t>
+            </a:r>
           </a:p>
           <a:p>
             <a:pPr marL="742950" lvl="1" indent="-285750">
@@ -6679,24 +6919,8 @@
               <a:buChar char="•"/>
             </a:pPr>
             <a:r>
-              <a:rPr lang="fr-FR" dirty="0" smtClean="0"/>
-              <a:t>Sur </a:t>
-            </a:r>
-            <a:r>
               <a:rPr lang="fr-FR" dirty="0"/>
-              <a:t>demande fin de mois  : en fin de mois tous les jours des </a:t>
-            </a:r>
-            <a:r>
-              <a:rPr lang="fr-FR" dirty="0" err="1"/>
-              <a:t>users</a:t>
-            </a:r>
-            <a:r>
-              <a:rPr lang="fr-FR" dirty="0"/>
-              <a:t> doivent être rempli pas de trous dans le mois  =&gt; </a:t>
-            </a:r>
-            <a:r>
-              <a:rPr lang="fr-FR" dirty="0" smtClean="0"/>
-              <a:t>warning</a:t>
+              <a:t>Développable en parallèle par plusieurs personnes</a:t>
             </a:r>
           </a:p>
           <a:p>
@@ -6705,35 +6929,32 @@
               <a:buChar char="•"/>
             </a:pPr>
             <a:r>
-              <a:rPr lang="fr-FR" dirty="0" smtClean="0"/>
-              <a:t>Sur </a:t>
-            </a:r>
-            <a:r>
               <a:rPr lang="fr-FR" dirty="0"/>
-              <a:t>demande fin de mois : toutes les taches imputées ont un type =&gt; </a:t>
-            </a:r>
-            <a:r>
-              <a:rPr lang="fr-FR" dirty="0" smtClean="0"/>
-              <a:t>warning</a:t>
-            </a:r>
-          </a:p>
-          <a:p>
-            <a:pPr marL="742950" lvl="1" indent="-285750">
+              <a:t>Non dépendant des autres plugins</a:t>
+            </a:r>
+          </a:p>
+          <a:p>
+            <a:pPr marL="1200150" lvl="2" indent="-285750">
               <a:buFont typeface="Arial" panose="020B0604020202020204" pitchFamily="34" charset="0"/>
               <a:buChar char="•"/>
             </a:pPr>
             <a:r>
-              <a:rPr lang="fr-FR" dirty="0" smtClean="0"/>
-              <a:t>Sur </a:t>
-            </a:r>
-            <a:r>
               <a:rPr lang="fr-FR" dirty="0"/>
-              <a:t>demande spécifique : remonté les taches terminées ou livrées sans imputation =&gt; </a:t>
-            </a:r>
-            <a:r>
-              <a:rPr lang="fr-FR" dirty="0" smtClean="0"/>
-              <a:t>warning</a:t>
-            </a:r>
+              <a:t>Mais dépendant du CORE</a:t>
+            </a:r>
+          </a:p>
+          <a:p>
+            <a:pPr marL="285750" indent="-285750">
+              <a:buFont typeface="Arial" panose="020B0604020202020204" pitchFamily="34" charset="0"/>
+              <a:buChar char="•"/>
+            </a:pPr>
+            <a:endParaRPr lang="fr-FR" dirty="0"/>
+          </a:p>
+          <a:p>
+            <a:pPr marL="285750" indent="-285750">
+              <a:buFont typeface="Arial" panose="020B0604020202020204" pitchFamily="34" charset="0"/>
+              <a:buChar char="•"/>
+            </a:pPr>
             <a:endParaRPr lang="fr-FR" dirty="0"/>
           </a:p>
         </p:txBody>
@@ -6741,20 +6962,13 @@
     </p:spTree>
     <p:extLst>
       <p:ext uri="{BB962C8B-B14F-4D97-AF65-F5344CB8AC3E}">
-        <p14:creationId xmlns:p14="http://schemas.microsoft.com/office/powerpoint/2010/main" val="4105130005"/>
+        <p14:creationId xmlns:p14="http://schemas.microsoft.com/office/powerpoint/2010/main" val="784008978"/>
       </p:ext>
     </p:extLst>
   </p:cSld>
   <p:clrMapOvr>
     <a:masterClrMapping/>
   </p:clrMapOvr>
-  <p:timing>
-    <p:tnLst>
-      <p:par>
-        <p:cTn id="1" dur="indefinite" restart="never" nodeType="tmRoot"/>
-      </p:par>
-    </p:tnLst>
-  </p:timing>
 </p:sld>
 </file>
 
@@ -6833,12 +7047,12 @@
               </a:lnSpc>
             </a:pPr>
             <a:r>
-              <a:rPr lang="en-US" sz="3600" dirty="0" smtClean="0">
+              <a:rPr lang="en-US" sz="3600" dirty="0">
                 <a:latin typeface="Titillium Light" charset="0"/>
                 <a:ea typeface="Titillium Light" charset="0"/>
                 <a:cs typeface="Titillium Light" charset="0"/>
               </a:rPr>
-              <a:t>Exigences</a:t>
+              <a:t>Développement</a:t>
             </a:r>
           </a:p>
         </p:txBody>
@@ -6886,8 +7100,8 @@
         </p:nvSpPr>
         <p:spPr>
           <a:xfrm>
-            <a:off x="952087" y="1599627"/>
-            <a:ext cx="10191401" cy="4247317"/>
+            <a:off x="952087" y="1263968"/>
+            <a:ext cx="10191401" cy="5909310"/>
           </a:xfrm>
           <a:prstGeom prst="rect">
             <a:avLst/>
@@ -6905,8 +7119,8 @@
               <a:buChar char="•"/>
             </a:pPr>
             <a:r>
-              <a:rPr lang="fr-FR" dirty="0" smtClean="0"/>
-              <a:t>En sortie</a:t>
+              <a:rPr lang="fr-FR" dirty="0"/>
+              <a:t>Technologies</a:t>
             </a:r>
           </a:p>
           <a:p>
@@ -6915,16 +7129,18 @@
               <a:buChar char="•"/>
             </a:pPr>
             <a:r>
-              <a:rPr lang="fr-FR" dirty="0" smtClean="0"/>
-              <a:t>Nb </a:t>
-            </a:r>
-            <a:r>
               <a:rPr lang="fr-FR" dirty="0"/>
-              <a:t>jours passé par mois par type de taches par </a:t>
-            </a:r>
-            <a:r>
-              <a:rPr lang="fr-FR" dirty="0" smtClean="0"/>
-              <a:t>projet</a:t>
+              <a:t>Frontend en Angular 5</a:t>
+            </a:r>
+          </a:p>
+          <a:p>
+            <a:pPr marL="1200150" lvl="2" indent="-285750">
+              <a:buFont typeface="Arial" panose="020B0604020202020204" pitchFamily="34" charset="0"/>
+              <a:buChar char="•"/>
+            </a:pPr>
+            <a:r>
+              <a:rPr lang="fr-FR" dirty="0"/>
+              <a:t>Techno récente et prisée</a:t>
             </a:r>
           </a:p>
           <a:p>
@@ -6933,16 +7149,18 @@
               <a:buChar char="•"/>
             </a:pPr>
             <a:r>
-              <a:rPr lang="fr-FR" dirty="0" smtClean="0"/>
-              <a:t>Nb </a:t>
-            </a:r>
-            <a:r>
               <a:rPr lang="fr-FR" dirty="0"/>
-              <a:t>jours passé par mois par groupe (AT, UO, Forfait</a:t>
-            </a:r>
-            <a:r>
-              <a:rPr lang="fr-FR" dirty="0" smtClean="0"/>
-              <a:t>)</a:t>
+              <a:t>Backend en Spring Boot</a:t>
+            </a:r>
+          </a:p>
+          <a:p>
+            <a:pPr marL="1200150" lvl="2" indent="-285750">
+              <a:buFont typeface="Arial" panose="020B0604020202020204" pitchFamily="34" charset="0"/>
+              <a:buChar char="•"/>
+            </a:pPr>
+            <a:r>
+              <a:rPr lang="fr-FR" dirty="0"/>
+              <a:t>Techno récente et simple</a:t>
             </a:r>
           </a:p>
           <a:p>
@@ -6951,14 +7169,36 @@
               <a:buChar char="•"/>
             </a:pPr>
             <a:r>
-              <a:rPr lang="fr-FR" dirty="0" smtClean="0"/>
-              <a:t> Listes </a:t>
-            </a:r>
-            <a:r>
               <a:rPr lang="fr-FR" dirty="0"/>
-              <a:t>des taches terminées/livrées dans le mois par type de taches UO </a:t>
-            </a:r>
-            <a:endParaRPr lang="fr-FR" dirty="0" smtClean="0"/>
+              <a:t>BDD en PostgreSQL</a:t>
+            </a:r>
+          </a:p>
+          <a:p>
+            <a:pPr marL="1200150" lvl="2" indent="-285750">
+              <a:buFont typeface="Arial" panose="020B0604020202020204" pitchFamily="34" charset="0"/>
+              <a:buChar char="•"/>
+            </a:pPr>
+            <a:r>
+              <a:rPr lang="fr-FR" dirty="0"/>
+              <a:t>Un modèle typé, pour assurer une cohérence</a:t>
+            </a:r>
+          </a:p>
+          <a:p>
+            <a:pPr marL="1200150" lvl="2" indent="-285750">
+              <a:buFont typeface="Arial" panose="020B0604020202020204" pitchFamily="34" charset="0"/>
+              <a:buChar char="•"/>
+            </a:pPr>
+            <a:endParaRPr lang="fr-FR" dirty="0"/>
+          </a:p>
+          <a:p>
+            <a:pPr marL="285750" indent="-285750">
+              <a:buFont typeface="Arial" panose="020B0604020202020204" pitchFamily="34" charset="0"/>
+              <a:buChar char="•"/>
+            </a:pPr>
+            <a:r>
+              <a:rPr lang="fr-FR" dirty="0"/>
+              <a:t>Environnement</a:t>
+            </a:r>
           </a:p>
           <a:p>
             <a:pPr marL="742950" lvl="1" indent="-285750">
@@ -6966,14 +7206,39 @@
               <a:buChar char="•"/>
             </a:pPr>
             <a:r>
-              <a:rPr lang="fr-FR" dirty="0" smtClean="0"/>
-              <a:t>Listes </a:t>
-            </a:r>
-            <a:r>
               <a:rPr lang="fr-FR" dirty="0"/>
-              <a:t>des forfaits terminées/livrées dans le mois </a:t>
-            </a:r>
-            <a:endParaRPr lang="fr-FR" dirty="0" smtClean="0"/>
+              <a:t>Outils de déploiement sur le bac à sable d’Apside (Apsi Digit)</a:t>
+            </a:r>
+          </a:p>
+          <a:p>
+            <a:pPr marL="1200150" lvl="2" indent="-285750">
+              <a:buFont typeface="Arial" panose="020B0604020202020204" pitchFamily="34" charset="0"/>
+              <a:buChar char="•"/>
+            </a:pPr>
+            <a:r>
+              <a:rPr lang="fr-FR" dirty="0"/>
+              <a:t>Jenkins</a:t>
+            </a:r>
+          </a:p>
+          <a:p>
+            <a:pPr marL="1200150" lvl="2" indent="-285750">
+              <a:buFont typeface="Arial" panose="020B0604020202020204" pitchFamily="34" charset="0"/>
+              <a:buChar char="•"/>
+            </a:pPr>
+            <a:r>
+              <a:rPr lang="fr-FR" dirty="0"/>
+              <a:t>Git</a:t>
+            </a:r>
+          </a:p>
+          <a:p>
+            <a:pPr marL="1200150" lvl="2" indent="-285750">
+              <a:buFont typeface="Arial" panose="020B0604020202020204" pitchFamily="34" charset="0"/>
+              <a:buChar char="•"/>
+            </a:pPr>
+            <a:r>
+              <a:rPr lang="fr-FR" dirty="0"/>
+              <a:t>Docker</a:t>
+            </a:r>
           </a:p>
           <a:p>
             <a:pPr marL="742950" lvl="1" indent="-285750">
@@ -6981,16 +7246,45 @@
               <a:buChar char="•"/>
             </a:pPr>
             <a:r>
-              <a:rPr lang="fr-FR" dirty="0" smtClean="0"/>
-              <a:t>Nb </a:t>
-            </a:r>
-            <a:r>
               <a:rPr lang="fr-FR" dirty="0"/>
-              <a:t>de taches terminées/livrées par type d'activité par projet dans un mois </a:t>
-            </a:r>
-            <a:r>
-              <a:rPr lang="fr-FR" dirty="0" smtClean="0"/>
-              <a:t>donné</a:t>
+              <a:t>Recette et production</a:t>
+            </a:r>
+          </a:p>
+          <a:p>
+            <a:pPr marL="1200150" lvl="2" indent="-285750">
+              <a:buFont typeface="Arial" panose="020B0604020202020204" pitchFamily="34" charset="0"/>
+              <a:buChar char="•"/>
+            </a:pPr>
+            <a:r>
+              <a:rPr lang="fr-FR" dirty="0"/>
+              <a:t>Pour les tests et la mise en production</a:t>
+            </a:r>
+          </a:p>
+          <a:p>
+            <a:pPr marL="1200150" lvl="2" indent="-285750">
+              <a:buFont typeface="Arial" panose="020B0604020202020204" pitchFamily="34" charset="0"/>
+              <a:buChar char="•"/>
+            </a:pPr>
+            <a:r>
+              <a:rPr lang="fr-FR" dirty="0"/>
+              <a:t>Utilisation d’un reverse-proxy Apache</a:t>
+            </a:r>
+          </a:p>
+          <a:p>
+            <a:pPr marL="285750" indent="-285750">
+              <a:buFont typeface="Arial" panose="020B0604020202020204" pitchFamily="34" charset="0"/>
+              <a:buChar char="•"/>
+            </a:pPr>
+            <a:endParaRPr lang="fr-FR" dirty="0"/>
+          </a:p>
+          <a:p>
+            <a:pPr marL="285750" indent="-285750">
+              <a:buFont typeface="Arial" panose="020B0604020202020204" pitchFamily="34" charset="0"/>
+              <a:buChar char="•"/>
+            </a:pPr>
+            <a:r>
+              <a:rPr lang="fr-FR" dirty="0"/>
+              <a:t>Sécurité</a:t>
             </a:r>
           </a:p>
           <a:p>
@@ -6999,16 +7293,8 @@
               <a:buChar char="•"/>
             </a:pPr>
             <a:r>
-              <a:rPr lang="fr-FR" dirty="0" smtClean="0"/>
-              <a:t>Moyenne </a:t>
-            </a:r>
-            <a:r>
               <a:rPr lang="fr-FR" dirty="0"/>
-              <a:t>nb jours/nb taches terminées/livrées dans le mois par type </a:t>
-            </a:r>
-            <a:r>
-              <a:rPr lang="fr-FR" dirty="0" smtClean="0"/>
-              <a:t>d'UO</a:t>
+              <a:t>Login effectué via KeyCloak (système de login unique pour toutes les applis Apside)</a:t>
             </a:r>
           </a:p>
           <a:p>
@@ -7017,120 +7303,8 @@
               <a:buChar char="•"/>
             </a:pPr>
             <a:r>
-              <a:rPr lang="fr-FR" dirty="0" smtClean="0"/>
-              <a:t>Moyenne </a:t>
-            </a:r>
-            <a:r>
               <a:rPr lang="fr-FR" dirty="0"/>
-              <a:t>nb jours/nb taches terminées/livrées cumulé par mois par type </a:t>
-            </a:r>
-            <a:r>
-              <a:rPr lang="fr-FR" dirty="0" smtClean="0"/>
-              <a:t>d'UO</a:t>
-            </a:r>
-          </a:p>
-          <a:p>
-            <a:pPr marL="742950" lvl="1" indent="-285750">
-              <a:buFont typeface="Arial" panose="020B0604020202020204" pitchFamily="34" charset="0"/>
-              <a:buChar char="•"/>
-            </a:pPr>
-            <a:r>
-              <a:rPr lang="fr-FR" dirty="0" smtClean="0"/>
-              <a:t>Moyenne  </a:t>
-            </a:r>
-            <a:r>
-              <a:rPr lang="fr-FR" dirty="0"/>
-              <a:t>nb jours/nb taches terminées/livrées par ans par type </a:t>
-            </a:r>
-            <a:r>
-              <a:rPr lang="fr-FR" dirty="0" smtClean="0"/>
-              <a:t>d'UO</a:t>
-            </a:r>
-          </a:p>
-          <a:p>
-            <a:pPr marL="742950" lvl="1" indent="-285750">
-              <a:buFont typeface="Arial" panose="020B0604020202020204" pitchFamily="34" charset="0"/>
-              <a:buChar char="•"/>
-            </a:pPr>
-            <a:r>
-              <a:rPr lang="fr-FR" dirty="0" smtClean="0"/>
-              <a:t>% </a:t>
-            </a:r>
-            <a:r>
-              <a:rPr lang="fr-FR" dirty="0"/>
-              <a:t>jours consommé sur le mois par groupe AT / UO / </a:t>
-            </a:r>
-            <a:r>
-              <a:rPr lang="fr-FR" dirty="0" smtClean="0"/>
-              <a:t>forfait</a:t>
-            </a:r>
-          </a:p>
-          <a:p>
-            <a:pPr marL="742950" lvl="1" indent="-285750">
-              <a:buFont typeface="Arial" panose="020B0604020202020204" pitchFamily="34" charset="0"/>
-              <a:buChar char="•"/>
-            </a:pPr>
-            <a:r>
-              <a:rPr lang="fr-FR" dirty="0" smtClean="0"/>
-              <a:t>Nb </a:t>
-            </a:r>
-            <a:r>
-              <a:rPr lang="fr-FR" dirty="0"/>
-              <a:t>jour par personne par répartition </a:t>
-            </a:r>
-            <a:r>
-              <a:rPr lang="fr-FR" dirty="0" smtClean="0"/>
-              <a:t>SYGES</a:t>
-            </a:r>
-          </a:p>
-          <a:p>
-            <a:pPr marL="742950" lvl="1" indent="-285750">
-              <a:buFont typeface="Arial" panose="020B0604020202020204" pitchFamily="34" charset="0"/>
-              <a:buChar char="•"/>
-            </a:pPr>
-            <a:r>
-              <a:rPr lang="fr-FR" dirty="0" smtClean="0"/>
-              <a:t>Nb </a:t>
-            </a:r>
-            <a:r>
-              <a:rPr lang="fr-FR" dirty="0"/>
-              <a:t>jours d'AT par projet par version par </a:t>
-            </a:r>
-            <a:r>
-              <a:rPr lang="fr-FR" dirty="0" smtClean="0"/>
-              <a:t>mois</a:t>
-            </a:r>
-          </a:p>
-          <a:p>
-            <a:pPr marL="742950" lvl="1" indent="-285750">
-              <a:buFont typeface="Arial" panose="020B0604020202020204" pitchFamily="34" charset="0"/>
-              <a:buChar char="•"/>
-            </a:pPr>
-            <a:r>
-              <a:rPr lang="fr-FR" dirty="0" smtClean="0"/>
-              <a:t>Nb </a:t>
-            </a:r>
-            <a:r>
-              <a:rPr lang="fr-FR" dirty="0"/>
-              <a:t>tache UO terminées/livrées par projet par version par </a:t>
-            </a:r>
-            <a:r>
-              <a:rPr lang="fr-FR" dirty="0" smtClean="0"/>
-              <a:t>mois</a:t>
-            </a:r>
-          </a:p>
-          <a:p>
-            <a:pPr marL="742950" lvl="1" indent="-285750">
-              <a:buFont typeface="Arial" panose="020B0604020202020204" pitchFamily="34" charset="0"/>
-              <a:buChar char="•"/>
-            </a:pPr>
-            <a:r>
-              <a:rPr lang="fr-FR" dirty="0" smtClean="0"/>
-              <a:t>Liste </a:t>
-            </a:r>
-            <a:r>
-              <a:rPr lang="fr-FR" dirty="0"/>
-              <a:t>des taches UO terminées/livrées par projet par version par mois</a:t>
+              <a:t>Lecture des guides de bonne pratiques</a:t>
             </a:r>
           </a:p>
           <a:p>
@@ -7145,24 +7319,200 @@
     </p:spTree>
     <p:extLst>
       <p:ext uri="{BB962C8B-B14F-4D97-AF65-F5344CB8AC3E}">
-        <p14:creationId xmlns:p14="http://schemas.microsoft.com/office/powerpoint/2010/main" val="3839998048"/>
+        <p14:creationId xmlns:p14="http://schemas.microsoft.com/office/powerpoint/2010/main" val="1374592577"/>
       </p:ext>
     </p:extLst>
   </p:cSld>
   <p:clrMapOvr>
     <a:masterClrMapping/>
   </p:clrMapOvr>
-  <p:timing>
-    <p:tnLst>
-      <p:par>
-        <p:cTn id="1" dur="indefinite" restart="never" nodeType="tmRoot"/>
-      </p:par>
-    </p:tnLst>
-  </p:timing>
 </p:sld>
 </file>
 
 <file path=ppt/slides/slide18.xml><?xml version="1.0" encoding="utf-8"?>
+<p:sld xmlns:a="http://schemas.openxmlformats.org/drawingml/2006/main" xmlns:r="http://schemas.openxmlformats.org/officeDocument/2006/relationships" xmlns:p="http://schemas.openxmlformats.org/presentationml/2006/main">
+  <p:cSld>
+    <p:spTree>
+      <p:nvGrpSpPr>
+        <p:cNvPr id="1" name=""/>
+        <p:cNvGrpSpPr/>
+        <p:nvPr/>
+      </p:nvGrpSpPr>
+      <p:grpSpPr>
+        <a:xfrm>
+          <a:off x="0" y="0"/>
+          <a:ext cx="0" cy="0"/>
+          <a:chOff x="0" y="0"/>
+          <a:chExt cx="0" cy="0"/>
+        </a:xfrm>
+      </p:grpSpPr>
+      <p:sp>
+        <p:nvSpPr>
+          <p:cNvPr id="20" name="TextBox 19"/>
+          <p:cNvSpPr txBox="1"/>
+          <p:nvPr/>
+        </p:nvSpPr>
+        <p:spPr>
+          <a:xfrm>
+            <a:off x="4058649" y="3489880"/>
+            <a:ext cx="4297279" cy="430887"/>
+          </a:xfrm>
+          <a:prstGeom prst="rect">
+            <a:avLst/>
+          </a:prstGeom>
+          <a:noFill/>
+        </p:spPr>
+        <p:txBody>
+          <a:bodyPr wrap="square" lIns="0" tIns="0" rIns="0" bIns="0" rtlCol="0">
+            <a:spAutoFit/>
+          </a:bodyPr>
+          <a:lstStyle/>
+          <a:p>
+            <a:r>
+              <a:rPr lang="en-US" sz="2800" dirty="0">
+                <a:solidFill>
+                  <a:srgbClr val="00BFF0"/>
+                </a:solidFill>
+                <a:latin typeface="Titillium Light" charset="0"/>
+                <a:ea typeface="Titillium Light" charset="0"/>
+                <a:cs typeface="Titillium Light" charset="0"/>
+              </a:rPr>
+              <a:t>Exigences</a:t>
+            </a:r>
+          </a:p>
+        </p:txBody>
+      </p:sp>
+      <p:sp>
+        <p:nvSpPr>
+          <p:cNvPr id="21" name="TextBox 20"/>
+          <p:cNvSpPr txBox="1"/>
+          <p:nvPr/>
+        </p:nvSpPr>
+        <p:spPr>
+          <a:xfrm>
+            <a:off x="4058648" y="4207364"/>
+            <a:ext cx="5212351" cy="242823"/>
+          </a:xfrm>
+          <a:prstGeom prst="rect">
+            <a:avLst/>
+          </a:prstGeom>
+          <a:noFill/>
+        </p:spPr>
+        <p:txBody>
+          <a:bodyPr wrap="square" lIns="0" tIns="0" rIns="91440" bIns="0" rtlCol="0">
+            <a:spAutoFit/>
+          </a:bodyPr>
+          <a:lstStyle/>
+          <a:p>
+            <a:pPr>
+              <a:lnSpc>
+                <a:spcPct val="150000"/>
+              </a:lnSpc>
+            </a:pPr>
+            <a:r>
+              <a:rPr lang="en-US" sz="1200" dirty="0">
+                <a:solidFill>
+                  <a:schemeClr val="bg1">
+                    <a:lumMod val="50000"/>
+                    <a:alpha val="60000"/>
+                  </a:schemeClr>
+                </a:solidFill>
+                <a:latin typeface="Titillium" charset="0"/>
+                <a:ea typeface="Titillium" charset="0"/>
+                <a:cs typeface="Titillium" charset="0"/>
+              </a:rPr>
+              <a:t>.</a:t>
+            </a:r>
+          </a:p>
+        </p:txBody>
+      </p:sp>
+      <p:cxnSp>
+        <p:nvCxnSpPr>
+          <p:cNvPr id="28" name="Straight Connector 27"/>
+          <p:cNvCxnSpPr/>
+          <p:nvPr/>
+        </p:nvCxnSpPr>
+        <p:spPr>
+          <a:xfrm>
+            <a:off x="4058649" y="4058282"/>
+            <a:ext cx="6342651" cy="0"/>
+          </a:xfrm>
+          <a:prstGeom prst="line">
+            <a:avLst/>
+          </a:prstGeom>
+          <a:ln w="25400">
+            <a:gradFill>
+              <a:gsLst>
+                <a:gs pos="0">
+                  <a:srgbClr val="1E4663"/>
+                </a:gs>
+                <a:gs pos="100000">
+                  <a:srgbClr val="00BFF0"/>
+                </a:gs>
+              </a:gsLst>
+              <a:lin ang="2700000" scaled="0"/>
+            </a:gradFill>
+          </a:ln>
+        </p:spPr>
+        <p:style>
+          <a:lnRef idx="1">
+            <a:schemeClr val="accent1"/>
+          </a:lnRef>
+          <a:fillRef idx="0">
+            <a:schemeClr val="accent1"/>
+          </a:fillRef>
+          <a:effectRef idx="0">
+            <a:schemeClr val="accent1"/>
+          </a:effectRef>
+          <a:fontRef idx="minor">
+            <a:schemeClr val="tx1"/>
+          </a:fontRef>
+        </p:style>
+      </p:cxnSp>
+      <p:pic>
+        <p:nvPicPr>
+          <p:cNvPr id="12" name="Image 11"/>
+          <p:cNvPicPr>
+            <a:picLocks noChangeAspect="1"/>
+          </p:cNvPicPr>
+          <p:nvPr/>
+        </p:nvPicPr>
+        <p:blipFill>
+          <a:blip r:embed="rId2" cstate="screen">
+            <a:extLst>
+              <a:ext uri="{28A0092B-C50C-407E-A947-70E740481C1C}">
+                <a14:useLocalDpi xmlns:a14="http://schemas.microsoft.com/office/drawing/2010/main"/>
+              </a:ext>
+            </a:extLst>
+          </a:blip>
+          <a:stretch>
+            <a:fillRect/>
+          </a:stretch>
+        </p:blipFill>
+        <p:spPr>
+          <a:xfrm>
+            <a:off x="10929766" y="6322534"/>
+            <a:ext cx="980232" cy="278416"/>
+          </a:xfrm>
+          <a:prstGeom prst="rect">
+            <a:avLst/>
+          </a:prstGeom>
+        </p:spPr>
+      </p:pic>
+    </p:spTree>
+    <p:extLst>
+      <p:ext uri="{BB962C8B-B14F-4D97-AF65-F5344CB8AC3E}">
+        <p14:creationId xmlns:p14="http://schemas.microsoft.com/office/powerpoint/2010/main" val="4139690402"/>
+      </p:ext>
+    </p:extLst>
+  </p:cSld>
+  <p:clrMapOvr>
+    <a:masterClrMapping/>
+  </p:clrMapOvr>
+</p:sld>
+</file>
+
+<file path=ppt/slides/slide19.xml><?xml version="1.0" encoding="utf-8"?>
 <p:sld xmlns:a="http://schemas.openxmlformats.org/drawingml/2006/main" xmlns:r="http://schemas.openxmlformats.org/officeDocument/2006/relationships" xmlns:p="http://schemas.openxmlformats.org/presentationml/2006/main">
   <p:cSld>
     <p:spTree>
@@ -7237,7 +7587,7 @@
               </a:lnSpc>
             </a:pPr>
             <a:r>
-              <a:rPr lang="en-US" sz="3600" dirty="0" smtClean="0">
+              <a:rPr lang="en-US" sz="3600" dirty="0">
                 <a:latin typeface="Titillium Light" charset="0"/>
                 <a:ea typeface="Titillium Light" charset="0"/>
                 <a:cs typeface="Titillium Light" charset="0"/>
@@ -7290,8 +7640,8 @@
         </p:nvSpPr>
         <p:spPr>
           <a:xfrm>
-            <a:off x="952087" y="1831122"/>
-            <a:ext cx="10191401" cy="3693319"/>
+            <a:off x="952087" y="1912151"/>
+            <a:ext cx="10191401" cy="3139321"/>
           </a:xfrm>
           <a:prstGeom prst="rect">
             <a:avLst/>
@@ -7309,8 +7659,8 @@
               <a:buChar char="•"/>
             </a:pPr>
             <a:r>
-              <a:rPr lang="fr-FR" dirty="0" smtClean="0"/>
-              <a:t>Interface de configuration</a:t>
+              <a:rPr lang="fr-FR" dirty="0"/>
+              <a:t>Cohérence des données</a:t>
             </a:r>
           </a:p>
           <a:p>
@@ -7319,68 +7669,9 @@
               <a:buChar char="•"/>
             </a:pPr>
             <a:r>
-              <a:rPr lang="fr-FR" dirty="0" smtClean="0"/>
-              <a:t>Facilité </a:t>
-            </a:r>
-            <a:r>
               <a:rPr lang="fr-FR" dirty="0"/>
-              <a:t>la création de projet : dans une feuille pouvoir créer le projet, ses sous projets, la configuration spécifique du projet et les types de taches </a:t>
-            </a:r>
-          </a:p>
-          <a:p>
-            <a:pPr marL="1200150" lvl="2" indent="-285750">
-              <a:buFont typeface="Arial" panose="020B0604020202020204" pitchFamily="34" charset="0"/>
-              <a:buChar char="•"/>
-            </a:pPr>
-            <a:r>
-              <a:rPr lang="fr-FR" dirty="0" smtClean="0"/>
-              <a:t>par </a:t>
-            </a:r>
-            <a:r>
-              <a:rPr lang="fr-FR" dirty="0"/>
-              <a:t>défaut prévoir un sous projet générique pour éviter de forcer la création de sous projet </a:t>
-            </a:r>
-            <a:endParaRPr lang="fr-FR" dirty="0" smtClean="0"/>
-          </a:p>
-          <a:p>
-            <a:pPr marL="1200150" lvl="2" indent="-285750">
-              <a:buFont typeface="Arial" panose="020B0604020202020204" pitchFamily="34" charset="0"/>
-              <a:buChar char="•"/>
-            </a:pPr>
-            <a:r>
-              <a:rPr lang="fr-FR" dirty="0" smtClean="0"/>
-              <a:t>par </a:t>
-            </a:r>
-            <a:r>
-              <a:rPr lang="fr-FR" dirty="0"/>
-              <a:t>défaut prévoir des types de taches génériques  : REU, GDP, </a:t>
-            </a:r>
-            <a:r>
-              <a:rPr lang="fr-FR" dirty="0" smtClean="0"/>
-              <a:t>SUPP-OTH</a:t>
-            </a:r>
-          </a:p>
-          <a:p>
-            <a:pPr marL="1200150" lvl="2" indent="-285750">
-              <a:buFont typeface="Arial" panose="020B0604020202020204" pitchFamily="34" charset="0"/>
-              <a:buChar char="•"/>
-            </a:pPr>
-            <a:endParaRPr lang="fr-FR" dirty="0" smtClean="0"/>
-          </a:p>
-          <a:p>
-            <a:pPr marL="285750" indent="-285750">
-              <a:buFont typeface="Arial" panose="020B0604020202020204" pitchFamily="34" charset="0"/>
-              <a:buChar char="•"/>
-            </a:pPr>
-            <a:r>
-              <a:rPr lang="fr-FR" dirty="0" smtClean="0"/>
-              <a:t>Facilité </a:t>
-            </a:r>
-            <a:r>
-              <a:rPr lang="fr-FR" dirty="0"/>
-              <a:t>le rajout d'un utilisateur a un groupe de projet : </a:t>
-            </a:r>
-            <a:endParaRPr lang="fr-FR" dirty="0" smtClean="0"/>
+              <a:t>A l'import : pas plus de 8h imputé par utilisateurs par jour  =&gt; Erreur</a:t>
+            </a:r>
           </a:p>
           <a:p>
             <a:pPr marL="742950" lvl="1" indent="-285750">
@@ -7388,42 +7679,8 @@
               <a:buChar char="•"/>
             </a:pPr>
             <a:r>
-              <a:rPr lang="fr-FR" dirty="0" smtClean="0"/>
-              <a:t>dans </a:t>
-            </a:r>
-            <a:r>
               <a:rPr lang="fr-FR" dirty="0"/>
-              <a:t>la feuille de création d'utilisateur  </a:t>
-            </a:r>
-            <a:r>
-              <a:rPr lang="fr-FR" dirty="0" smtClean="0"/>
-              <a:t>permettre </a:t>
-            </a:r>
-            <a:r>
-              <a:rPr lang="fr-FR" dirty="0"/>
-              <a:t>de rajouter le groupe de projet et les projets qui lui sont </a:t>
-            </a:r>
-            <a:r>
-              <a:rPr lang="fr-FR" dirty="0" smtClean="0"/>
-              <a:t>associé</a:t>
-            </a:r>
-          </a:p>
-          <a:p>
-            <a:pPr marL="1200150" lvl="2" indent="-285750">
-              <a:buFont typeface="Arial" panose="020B0604020202020204" pitchFamily="34" charset="0"/>
-              <a:buChar char="•"/>
-            </a:pPr>
-            <a:r>
-              <a:rPr lang="fr-FR" dirty="0" smtClean="0"/>
-              <a:t>plusieurs </a:t>
-            </a:r>
-            <a:r>
-              <a:rPr lang="fr-FR" dirty="0"/>
-              <a:t>CDS possible, plusieurs projet dans un CDS </a:t>
-            </a:r>
-            <a:r>
-              <a:rPr lang="fr-FR" dirty="0" smtClean="0"/>
-              <a:t>aussi</a:t>
+              <a:t>A l'import : remonter les journées imputées sur le weekend ou les jour féries =&gt; warning, informations pour facturation spécifique</a:t>
             </a:r>
           </a:p>
           <a:p>
@@ -7432,79 +7689,68 @@
               <a:buChar char="•"/>
             </a:pPr>
             <a:r>
-              <a:rPr lang="fr-FR" dirty="0" smtClean="0"/>
-              <a:t>pouvoir </a:t>
-            </a:r>
-            <a:r>
               <a:rPr lang="fr-FR" dirty="0"/>
-              <a:t>configurer si l'utilisateur est le CDP ou le responsable du groupe de </a:t>
-            </a:r>
-            <a:r>
-              <a:rPr lang="fr-FR" dirty="0" smtClean="0"/>
-              <a:t>projet</a:t>
-            </a:r>
-          </a:p>
-          <a:p>
-            <a:pPr marL="1200150" lvl="2" indent="-285750">
+              <a:t>Sur demande fin de mois : pour un user les journées sont saisies en entier (pas d'heure non </a:t>
+            </a:r>
+            <a:r>
+              <a:rPr lang="fr-FR" dirty="0" err="1"/>
+              <a:t>compatibilisé</a:t>
+            </a:r>
+            <a:r>
+              <a:rPr lang="fr-FR" dirty="0"/>
+              <a:t> sur une base de 8h par jour - à voir si une config par CDS ou projet est nécessaire) =&gt; warning </a:t>
+            </a:r>
+          </a:p>
+          <a:p>
+            <a:pPr marL="742950" lvl="1" indent="-285750">
               <a:buFont typeface="Arial" panose="020B0604020202020204" pitchFamily="34" charset="0"/>
               <a:buChar char="•"/>
             </a:pPr>
             <a:r>
-              <a:rPr lang="fr-FR" dirty="0" smtClean="0"/>
-              <a:t>Un </a:t>
-            </a:r>
-            <a:r>
               <a:rPr lang="fr-FR" dirty="0"/>
-              <a:t>utilisateur peut être CDP </a:t>
-            </a:r>
-            <a:r>
-              <a:rPr lang="fr-FR" dirty="0" smtClean="0"/>
-              <a:t>sur </a:t>
+              <a:t>Sur demande fin de mois  : en fin de mois tous les jours des </a:t>
+            </a:r>
+            <a:r>
+              <a:rPr lang="fr-FR" dirty="0" err="1"/>
+              <a:t>users</a:t>
             </a:r>
             <a:r>
               <a:rPr lang="fr-FR" dirty="0"/>
-              <a:t>un projet et </a:t>
-            </a:r>
-            <a:r>
-              <a:rPr lang="fr-FR" dirty="0" smtClean="0"/>
-              <a:t>ingénieur </a:t>
-            </a:r>
-            <a:r>
-              <a:rPr lang="fr-FR" dirty="0"/>
-              <a:t>sur un autre </a:t>
-            </a:r>
-            <a:r>
-              <a:rPr lang="fr-FR" dirty="0" smtClean="0"/>
-              <a:t>projet</a:t>
-            </a:r>
-            <a:endParaRPr lang="fr-FR" dirty="0"/>
-          </a:p>
-          <a:p>
-            <a:pPr marL="285750" indent="-285750">
+              <a:t> doivent être rempli pas de trous dans le mois  =&gt; warning</a:t>
+            </a:r>
+          </a:p>
+          <a:p>
+            <a:pPr marL="742950" lvl="1" indent="-285750">
               <a:buFont typeface="Arial" panose="020B0604020202020204" pitchFamily="34" charset="0"/>
               <a:buChar char="•"/>
             </a:pPr>
-            <a:endParaRPr lang="fr-FR" dirty="0"/>
+            <a:r>
+              <a:rPr lang="fr-FR" dirty="0"/>
+              <a:t>Sur demande fin de mois : toutes les taches imputées ont un type =&gt; warning</a:t>
+            </a:r>
+          </a:p>
+          <a:p>
+            <a:pPr marL="742950" lvl="1" indent="-285750">
+              <a:buFont typeface="Arial" panose="020B0604020202020204" pitchFamily="34" charset="0"/>
+              <a:buChar char="•"/>
+            </a:pPr>
+            <a:r>
+              <a:rPr lang="fr-FR" dirty="0"/>
+              <a:t>Sur demande spécifique : remonté les taches terminées ou livrées sans imputation =&gt; warning</a:t>
+            </a:r>
           </a:p>
         </p:txBody>
       </p:sp>
     </p:spTree>
     <p:extLst>
       <p:ext uri="{BB962C8B-B14F-4D97-AF65-F5344CB8AC3E}">
-        <p14:creationId xmlns:p14="http://schemas.microsoft.com/office/powerpoint/2010/main" val="1461454596"/>
+        <p14:creationId xmlns:p14="http://schemas.microsoft.com/office/powerpoint/2010/main" val="4105130005"/>
       </p:ext>
     </p:extLst>
   </p:cSld>
   <p:clrMapOvr>
     <a:masterClrMapping/>
   </p:clrMapOvr>
-  <p:timing>
-    <p:tnLst>
-      <p:par>
-        <p:cTn id="1" dur="indefinite" restart="never" nodeType="tmRoot"/>
-      </p:par>
-    </p:tnLst>
-  </p:timing>
 </p:sld>
 </file>
 
@@ -7595,18 +7841,13 @@
                 </a:lnSpc>
               </a:pPr>
               <a:r>
-                <a:rPr lang="en-US" sz="1200" b="1" spc="200" dirty="0" smtClean="0">
+                <a:rPr lang="en-US" sz="1200" b="1" spc="200" dirty="0">
                   <a:latin typeface="Titillium" charset="0"/>
                   <a:ea typeface="Titillium" charset="0"/>
                   <a:cs typeface="Titillium" charset="0"/>
                 </a:rPr>
                 <a:t>Presentation</a:t>
               </a:r>
-              <a:endParaRPr lang="en-US" sz="1200" b="1" spc="200" dirty="0">
-                <a:latin typeface="Titillium" charset="0"/>
-                <a:ea typeface="Titillium" charset="0"/>
-                <a:cs typeface="Titillium" charset="0"/>
-              </a:endParaRPr>
             </a:p>
           </p:txBody>
         </p:sp>
@@ -7678,7 +7919,7 @@
                 </a:lnSpc>
               </a:pPr>
               <a:r>
-                <a:rPr lang="en-US" sz="3600" dirty="0" smtClean="0">
+                <a:rPr lang="en-US" sz="3600" dirty="0">
                   <a:latin typeface="Titillium Light" charset="0"/>
                   <a:ea typeface="Titillium Light" charset="0"/>
                   <a:cs typeface="Titillium Light" charset="0"/>
@@ -7766,18 +8007,13 @@
                 </a:lnSpc>
               </a:pPr>
               <a:r>
-                <a:rPr lang="en-US" sz="1200" b="1" spc="200" dirty="0" smtClean="0">
+                <a:rPr lang="en-US" sz="1200" b="1" spc="200" dirty="0">
                   <a:latin typeface="Titillium" charset="0"/>
                   <a:ea typeface="Titillium" charset="0"/>
                   <a:cs typeface="Titillium" charset="0"/>
                 </a:rPr>
                 <a:t>Fonctionnalités</a:t>
               </a:r>
-              <a:endParaRPr lang="en-US" sz="1200" b="1" spc="200" dirty="0">
-                <a:latin typeface="Titillium" charset="0"/>
-                <a:ea typeface="Titillium" charset="0"/>
-                <a:cs typeface="Titillium" charset="0"/>
-              </a:endParaRPr>
             </a:p>
           </p:txBody>
         </p:sp>
@@ -7809,18 +8045,13 @@
                 </a:lnSpc>
               </a:pPr>
               <a:r>
-                <a:rPr lang="en-US" sz="3600" dirty="0" smtClean="0">
+                <a:rPr lang="en-US" sz="3600" dirty="0">
                   <a:latin typeface="Titillium Light" charset="0"/>
                   <a:ea typeface="Titillium Light" charset="0"/>
                   <a:cs typeface="Titillium Light" charset="0"/>
                 </a:rPr>
                 <a:t>02</a:t>
               </a:r>
-              <a:endParaRPr lang="en-US" sz="3600" dirty="0">
-                <a:latin typeface="Titillium Light" charset="0"/>
-                <a:ea typeface="Titillium Light" charset="0"/>
-                <a:cs typeface="Titillium Light" charset="0"/>
-              </a:endParaRPr>
             </a:p>
           </p:txBody>
         </p:sp>
@@ -7902,7 +8133,7 @@
                 </a:lnSpc>
               </a:pPr>
               <a:r>
-                <a:rPr lang="en-US" sz="1200" b="1" spc="200" dirty="0" smtClean="0">
+                <a:rPr lang="en-US" sz="1200" b="1" spc="200" dirty="0">
                   <a:latin typeface="Titillium" charset="0"/>
                   <a:ea typeface="Titillium" charset="0"/>
                   <a:cs typeface="Titillium" charset="0"/>
@@ -7940,18 +8171,13 @@
                 </a:lnSpc>
               </a:pPr>
               <a:r>
-                <a:rPr lang="en-US" sz="3600" dirty="0" smtClean="0">
+                <a:rPr lang="en-US" sz="3600" dirty="0">
                   <a:latin typeface="Titillium Light" charset="0"/>
                   <a:ea typeface="Titillium Light" charset="0"/>
                   <a:cs typeface="Titillium Light" charset="0"/>
                 </a:rPr>
                 <a:t>03</a:t>
               </a:r>
-              <a:endParaRPr lang="en-US" sz="3600" dirty="0">
-                <a:latin typeface="Titillium Light" charset="0"/>
-                <a:ea typeface="Titillium Light" charset="0"/>
-                <a:cs typeface="Titillium Light" charset="0"/>
-              </a:endParaRPr>
             </a:p>
           </p:txBody>
         </p:sp>
@@ -8033,7 +8259,7 @@
                 </a:lnSpc>
               </a:pPr>
               <a:r>
-                <a:rPr lang="en-US" sz="1200" b="1" spc="200" dirty="0" smtClean="0">
+                <a:rPr lang="en-US" sz="1200" b="1" spc="200" dirty="0">
                   <a:latin typeface="Titillium" charset="0"/>
                   <a:ea typeface="Titillium" charset="0"/>
                   <a:cs typeface="Titillium" charset="0"/>
@@ -8071,18 +8297,13 @@
                 </a:lnSpc>
               </a:pPr>
               <a:r>
-                <a:rPr lang="en-US" sz="3600" dirty="0" smtClean="0">
+                <a:rPr lang="en-US" sz="3600" dirty="0">
                   <a:latin typeface="Titillium Light" charset="0"/>
                   <a:ea typeface="Titillium Light" charset="0"/>
                   <a:cs typeface="Titillium Light" charset="0"/>
                 </a:rPr>
                 <a:t>04</a:t>
               </a:r>
-              <a:endParaRPr lang="en-US" sz="3600" dirty="0">
-                <a:latin typeface="Titillium Light" charset="0"/>
-                <a:ea typeface="Titillium Light" charset="0"/>
-                <a:cs typeface="Titillium Light" charset="0"/>
-              </a:endParaRPr>
             </a:p>
           </p:txBody>
         </p:sp>
@@ -8194,7 +8415,7 @@
                 </a:lnSpc>
               </a:pPr>
               <a:r>
-                <a:rPr lang="en-US" sz="1200" b="1" spc="200" dirty="0" smtClean="0">
+                <a:rPr lang="en-US" sz="1200" b="1" spc="200" dirty="0">
                   <a:latin typeface="Titillium" charset="0"/>
                   <a:ea typeface="Titillium" charset="0"/>
                   <a:cs typeface="Titillium" charset="0"/>
@@ -8232,18 +8453,13 @@
                 </a:lnSpc>
               </a:pPr>
               <a:r>
-                <a:rPr lang="en-US" sz="3600" dirty="0" smtClean="0">
+                <a:rPr lang="en-US" sz="3600" dirty="0">
                   <a:latin typeface="Titillium Light" charset="0"/>
                   <a:ea typeface="Titillium Light" charset="0"/>
                   <a:cs typeface="Titillium Light" charset="0"/>
                 </a:rPr>
                 <a:t>05</a:t>
               </a:r>
-              <a:endParaRPr lang="en-US" sz="3600" dirty="0">
-                <a:latin typeface="Titillium Light" charset="0"/>
-                <a:ea typeface="Titillium Light" charset="0"/>
-                <a:cs typeface="Titillium Light" charset="0"/>
-              </a:endParaRPr>
             </a:p>
           </p:txBody>
         </p:sp>
@@ -8293,13 +8509,569 @@
   <p:clrMapOvr>
     <a:masterClrMapping/>
   </p:clrMapOvr>
-  <p:timing>
-    <p:tnLst>
-      <p:par>
-        <p:cTn id="1" dur="indefinite" restart="never" nodeType="tmRoot"/>
-      </p:par>
-    </p:tnLst>
-  </p:timing>
+</p:sld>
+</file>
+
+<file path=ppt/slides/slide20.xml><?xml version="1.0" encoding="utf-8"?>
+<p:sld xmlns:a="http://schemas.openxmlformats.org/drawingml/2006/main" xmlns:r="http://schemas.openxmlformats.org/officeDocument/2006/relationships" xmlns:p="http://schemas.openxmlformats.org/presentationml/2006/main">
+  <p:cSld>
+    <p:spTree>
+      <p:nvGrpSpPr>
+        <p:cNvPr id="1" name=""/>
+        <p:cNvGrpSpPr/>
+        <p:nvPr/>
+      </p:nvGrpSpPr>
+      <p:grpSpPr>
+        <a:xfrm>
+          <a:off x="0" y="0"/>
+          <a:ext cx="0" cy="0"/>
+          <a:chOff x="0" y="0"/>
+          <a:chExt cx="0" cy="0"/>
+        </a:xfrm>
+      </p:grpSpPr>
+      <p:pic>
+        <p:nvPicPr>
+          <p:cNvPr id="24" name="Image 23"/>
+          <p:cNvPicPr>
+            <a:picLocks noChangeAspect="1"/>
+          </p:cNvPicPr>
+          <p:nvPr/>
+        </p:nvPicPr>
+        <p:blipFill>
+          <a:blip r:embed="rId2" cstate="screen">
+            <a:extLst>
+              <a:ext uri="{28A0092B-C50C-407E-A947-70E740481C1C}">
+                <a14:useLocalDpi xmlns:a14="http://schemas.microsoft.com/office/drawing/2010/main"/>
+              </a:ext>
+            </a:extLst>
+          </a:blip>
+          <a:stretch>
+            <a:fillRect/>
+          </a:stretch>
+        </p:blipFill>
+        <p:spPr>
+          <a:xfrm>
+            <a:off x="10929766" y="6322534"/>
+            <a:ext cx="980232" cy="278416"/>
+          </a:xfrm>
+          <a:prstGeom prst="rect">
+            <a:avLst/>
+          </a:prstGeom>
+        </p:spPr>
+      </p:pic>
+      <p:sp>
+        <p:nvSpPr>
+          <p:cNvPr id="27" name="TextBox 1"/>
+          <p:cNvSpPr txBox="1"/>
+          <p:nvPr/>
+        </p:nvSpPr>
+        <p:spPr>
+          <a:xfrm>
+            <a:off x="952088" y="615097"/>
+            <a:ext cx="6220397" cy="443198"/>
+          </a:xfrm>
+          <a:prstGeom prst="rect">
+            <a:avLst/>
+          </a:prstGeom>
+          <a:noFill/>
+        </p:spPr>
+        <p:txBody>
+          <a:bodyPr wrap="square" lIns="0" tIns="0" rIns="0" bIns="0" rtlCol="0">
+            <a:spAutoFit/>
+          </a:bodyPr>
+          <a:lstStyle/>
+          <a:p>
+            <a:pPr>
+              <a:lnSpc>
+                <a:spcPct val="80000"/>
+              </a:lnSpc>
+            </a:pPr>
+            <a:r>
+              <a:rPr lang="en-US" sz="3600" dirty="0">
+                <a:latin typeface="Titillium Light" charset="0"/>
+                <a:ea typeface="Titillium Light" charset="0"/>
+                <a:cs typeface="Titillium Light" charset="0"/>
+              </a:rPr>
+              <a:t>Exigences</a:t>
+            </a:r>
+          </a:p>
+        </p:txBody>
+      </p:sp>
+      <p:cxnSp>
+        <p:nvCxnSpPr>
+          <p:cNvPr id="28" name="Straight Connector 2"/>
+          <p:cNvCxnSpPr/>
+          <p:nvPr/>
+        </p:nvCxnSpPr>
+        <p:spPr>
+          <a:xfrm>
+            <a:off x="952087" y="1178363"/>
+            <a:ext cx="691243" cy="0"/>
+          </a:xfrm>
+          <a:prstGeom prst="line">
+            <a:avLst/>
+          </a:prstGeom>
+          <a:ln w="25400">
+            <a:solidFill>
+              <a:srgbClr val="00BFF0"/>
+            </a:solidFill>
+          </a:ln>
+        </p:spPr>
+        <p:style>
+          <a:lnRef idx="1">
+            <a:schemeClr val="accent1"/>
+          </a:lnRef>
+          <a:fillRef idx="0">
+            <a:schemeClr val="accent1"/>
+          </a:fillRef>
+          <a:effectRef idx="0">
+            <a:schemeClr val="accent1"/>
+          </a:effectRef>
+          <a:fontRef idx="minor">
+            <a:schemeClr val="tx1"/>
+          </a:fontRef>
+        </p:style>
+      </p:cxnSp>
+      <p:sp>
+        <p:nvSpPr>
+          <p:cNvPr id="3" name="ZoneTexte 2"/>
+          <p:cNvSpPr txBox="1"/>
+          <p:nvPr/>
+        </p:nvSpPr>
+        <p:spPr>
+          <a:xfrm>
+            <a:off x="952087" y="1599627"/>
+            <a:ext cx="10191401" cy="4247317"/>
+          </a:xfrm>
+          <a:prstGeom prst="rect">
+            <a:avLst/>
+          </a:prstGeom>
+          <a:noFill/>
+        </p:spPr>
+        <p:txBody>
+          <a:bodyPr wrap="square" rtlCol="0">
+            <a:spAutoFit/>
+          </a:bodyPr>
+          <a:lstStyle/>
+          <a:p>
+            <a:pPr marL="285750" indent="-285750">
+              <a:buFont typeface="Arial" panose="020B0604020202020204" pitchFamily="34" charset="0"/>
+              <a:buChar char="•"/>
+            </a:pPr>
+            <a:r>
+              <a:rPr lang="fr-FR" dirty="0"/>
+              <a:t>En sortie</a:t>
+            </a:r>
+          </a:p>
+          <a:p>
+            <a:pPr marL="742950" lvl="1" indent="-285750">
+              <a:buFont typeface="Arial" panose="020B0604020202020204" pitchFamily="34" charset="0"/>
+              <a:buChar char="•"/>
+            </a:pPr>
+            <a:r>
+              <a:rPr lang="fr-FR" dirty="0"/>
+              <a:t>Nb jours passé par mois par type de taches par projet</a:t>
+            </a:r>
+          </a:p>
+          <a:p>
+            <a:pPr marL="742950" lvl="1" indent="-285750">
+              <a:buFont typeface="Arial" panose="020B0604020202020204" pitchFamily="34" charset="0"/>
+              <a:buChar char="•"/>
+            </a:pPr>
+            <a:r>
+              <a:rPr lang="fr-FR" dirty="0"/>
+              <a:t>Nb jours passé par mois par groupe (AT, UO, Forfait)</a:t>
+            </a:r>
+          </a:p>
+          <a:p>
+            <a:pPr marL="742950" lvl="1" indent="-285750">
+              <a:buFont typeface="Arial" panose="020B0604020202020204" pitchFamily="34" charset="0"/>
+              <a:buChar char="•"/>
+            </a:pPr>
+            <a:r>
+              <a:rPr lang="fr-FR" dirty="0"/>
+              <a:t> Listes des taches terminées/livrées dans le mois par type de taches UO </a:t>
+            </a:r>
+          </a:p>
+          <a:p>
+            <a:pPr marL="742950" lvl="1" indent="-285750">
+              <a:buFont typeface="Arial" panose="020B0604020202020204" pitchFamily="34" charset="0"/>
+              <a:buChar char="•"/>
+            </a:pPr>
+            <a:r>
+              <a:rPr lang="fr-FR" dirty="0"/>
+              <a:t>Listes des forfaits terminées/livrées dans le mois </a:t>
+            </a:r>
+          </a:p>
+          <a:p>
+            <a:pPr marL="742950" lvl="1" indent="-285750">
+              <a:buFont typeface="Arial" panose="020B0604020202020204" pitchFamily="34" charset="0"/>
+              <a:buChar char="•"/>
+            </a:pPr>
+            <a:r>
+              <a:rPr lang="fr-FR" dirty="0"/>
+              <a:t>Nb de taches terminées/livrées par type d'activité par projet dans un mois donné</a:t>
+            </a:r>
+          </a:p>
+          <a:p>
+            <a:pPr marL="742950" lvl="1" indent="-285750">
+              <a:buFont typeface="Arial" panose="020B0604020202020204" pitchFamily="34" charset="0"/>
+              <a:buChar char="•"/>
+            </a:pPr>
+            <a:r>
+              <a:rPr lang="fr-FR" dirty="0"/>
+              <a:t>Moyenne nb jours/nb taches terminées/livrées dans le mois par type d'UO</a:t>
+            </a:r>
+          </a:p>
+          <a:p>
+            <a:pPr marL="742950" lvl="1" indent="-285750">
+              <a:buFont typeface="Arial" panose="020B0604020202020204" pitchFamily="34" charset="0"/>
+              <a:buChar char="•"/>
+            </a:pPr>
+            <a:r>
+              <a:rPr lang="fr-FR" dirty="0"/>
+              <a:t>Moyenne nb jours/nb taches terminées/livrées cumulé par mois par type d'UO</a:t>
+            </a:r>
+          </a:p>
+          <a:p>
+            <a:pPr marL="742950" lvl="1" indent="-285750">
+              <a:buFont typeface="Arial" panose="020B0604020202020204" pitchFamily="34" charset="0"/>
+              <a:buChar char="•"/>
+            </a:pPr>
+            <a:r>
+              <a:rPr lang="fr-FR" dirty="0"/>
+              <a:t>Moyenne  nb jours/nb taches terminées/livrées par ans par type d'UO</a:t>
+            </a:r>
+          </a:p>
+          <a:p>
+            <a:pPr marL="742950" lvl="1" indent="-285750">
+              <a:buFont typeface="Arial" panose="020B0604020202020204" pitchFamily="34" charset="0"/>
+              <a:buChar char="•"/>
+            </a:pPr>
+            <a:r>
+              <a:rPr lang="fr-FR" dirty="0"/>
+              <a:t>% jours consommé sur le mois par groupe AT / UO / forfait</a:t>
+            </a:r>
+          </a:p>
+          <a:p>
+            <a:pPr marL="742950" lvl="1" indent="-285750">
+              <a:buFont typeface="Arial" panose="020B0604020202020204" pitchFamily="34" charset="0"/>
+              <a:buChar char="•"/>
+            </a:pPr>
+            <a:r>
+              <a:rPr lang="fr-FR" dirty="0"/>
+              <a:t>Nb jour par personne par répartition SYGES</a:t>
+            </a:r>
+          </a:p>
+          <a:p>
+            <a:pPr marL="742950" lvl="1" indent="-285750">
+              <a:buFont typeface="Arial" panose="020B0604020202020204" pitchFamily="34" charset="0"/>
+              <a:buChar char="•"/>
+            </a:pPr>
+            <a:r>
+              <a:rPr lang="fr-FR" dirty="0"/>
+              <a:t>Nb jours d'AT par projet par version par mois</a:t>
+            </a:r>
+          </a:p>
+          <a:p>
+            <a:pPr marL="742950" lvl="1" indent="-285750">
+              <a:buFont typeface="Arial" panose="020B0604020202020204" pitchFamily="34" charset="0"/>
+              <a:buChar char="•"/>
+            </a:pPr>
+            <a:r>
+              <a:rPr lang="fr-FR" dirty="0"/>
+              <a:t>Nb tache UO terminées/livrées par projet par version par mois</a:t>
+            </a:r>
+          </a:p>
+          <a:p>
+            <a:pPr marL="742950" lvl="1" indent="-285750">
+              <a:buFont typeface="Arial" panose="020B0604020202020204" pitchFamily="34" charset="0"/>
+              <a:buChar char="•"/>
+            </a:pPr>
+            <a:r>
+              <a:rPr lang="fr-FR" dirty="0"/>
+              <a:t>Liste des taches UO terminées/livrées par projet par version par mois</a:t>
+            </a:r>
+          </a:p>
+          <a:p>
+            <a:pPr marL="285750" indent="-285750">
+              <a:buFont typeface="Arial" panose="020B0604020202020204" pitchFamily="34" charset="0"/>
+              <a:buChar char="•"/>
+            </a:pPr>
+            <a:endParaRPr lang="fr-FR" dirty="0"/>
+          </a:p>
+        </p:txBody>
+      </p:sp>
+    </p:spTree>
+    <p:extLst>
+      <p:ext uri="{BB962C8B-B14F-4D97-AF65-F5344CB8AC3E}">
+        <p14:creationId xmlns:p14="http://schemas.microsoft.com/office/powerpoint/2010/main" val="3839998048"/>
+      </p:ext>
+    </p:extLst>
+  </p:cSld>
+  <p:clrMapOvr>
+    <a:masterClrMapping/>
+  </p:clrMapOvr>
+</p:sld>
+</file>
+
+<file path=ppt/slides/slide21.xml><?xml version="1.0" encoding="utf-8"?>
+<p:sld xmlns:a="http://schemas.openxmlformats.org/drawingml/2006/main" xmlns:r="http://schemas.openxmlformats.org/officeDocument/2006/relationships" xmlns:p="http://schemas.openxmlformats.org/presentationml/2006/main">
+  <p:cSld>
+    <p:spTree>
+      <p:nvGrpSpPr>
+        <p:cNvPr id="1" name=""/>
+        <p:cNvGrpSpPr/>
+        <p:nvPr/>
+      </p:nvGrpSpPr>
+      <p:grpSpPr>
+        <a:xfrm>
+          <a:off x="0" y="0"/>
+          <a:ext cx="0" cy="0"/>
+          <a:chOff x="0" y="0"/>
+          <a:chExt cx="0" cy="0"/>
+        </a:xfrm>
+      </p:grpSpPr>
+      <p:pic>
+        <p:nvPicPr>
+          <p:cNvPr id="24" name="Image 23"/>
+          <p:cNvPicPr>
+            <a:picLocks noChangeAspect="1"/>
+          </p:cNvPicPr>
+          <p:nvPr/>
+        </p:nvPicPr>
+        <p:blipFill>
+          <a:blip r:embed="rId2" cstate="screen">
+            <a:extLst>
+              <a:ext uri="{28A0092B-C50C-407E-A947-70E740481C1C}">
+                <a14:useLocalDpi xmlns:a14="http://schemas.microsoft.com/office/drawing/2010/main"/>
+              </a:ext>
+            </a:extLst>
+          </a:blip>
+          <a:stretch>
+            <a:fillRect/>
+          </a:stretch>
+        </p:blipFill>
+        <p:spPr>
+          <a:xfrm>
+            <a:off x="10929766" y="6322534"/>
+            <a:ext cx="980232" cy="278416"/>
+          </a:xfrm>
+          <a:prstGeom prst="rect">
+            <a:avLst/>
+          </a:prstGeom>
+        </p:spPr>
+      </p:pic>
+      <p:sp>
+        <p:nvSpPr>
+          <p:cNvPr id="27" name="TextBox 1"/>
+          <p:cNvSpPr txBox="1"/>
+          <p:nvPr/>
+        </p:nvSpPr>
+        <p:spPr>
+          <a:xfrm>
+            <a:off x="952088" y="615097"/>
+            <a:ext cx="6220397" cy="443198"/>
+          </a:xfrm>
+          <a:prstGeom prst="rect">
+            <a:avLst/>
+          </a:prstGeom>
+          <a:noFill/>
+        </p:spPr>
+        <p:txBody>
+          <a:bodyPr wrap="square" lIns="0" tIns="0" rIns="0" bIns="0" rtlCol="0">
+            <a:spAutoFit/>
+          </a:bodyPr>
+          <a:lstStyle/>
+          <a:p>
+            <a:pPr>
+              <a:lnSpc>
+                <a:spcPct val="80000"/>
+              </a:lnSpc>
+            </a:pPr>
+            <a:r>
+              <a:rPr lang="en-US" sz="3600" dirty="0">
+                <a:latin typeface="Titillium Light" charset="0"/>
+                <a:ea typeface="Titillium Light" charset="0"/>
+                <a:cs typeface="Titillium Light" charset="0"/>
+              </a:rPr>
+              <a:t>Exigences</a:t>
+            </a:r>
+          </a:p>
+        </p:txBody>
+      </p:sp>
+      <p:cxnSp>
+        <p:nvCxnSpPr>
+          <p:cNvPr id="28" name="Straight Connector 2"/>
+          <p:cNvCxnSpPr/>
+          <p:nvPr/>
+        </p:nvCxnSpPr>
+        <p:spPr>
+          <a:xfrm>
+            <a:off x="952087" y="1178363"/>
+            <a:ext cx="691243" cy="0"/>
+          </a:xfrm>
+          <a:prstGeom prst="line">
+            <a:avLst/>
+          </a:prstGeom>
+          <a:ln w="25400">
+            <a:solidFill>
+              <a:srgbClr val="00BFF0"/>
+            </a:solidFill>
+          </a:ln>
+        </p:spPr>
+        <p:style>
+          <a:lnRef idx="1">
+            <a:schemeClr val="accent1"/>
+          </a:lnRef>
+          <a:fillRef idx="0">
+            <a:schemeClr val="accent1"/>
+          </a:fillRef>
+          <a:effectRef idx="0">
+            <a:schemeClr val="accent1"/>
+          </a:effectRef>
+          <a:fontRef idx="minor">
+            <a:schemeClr val="tx1"/>
+          </a:fontRef>
+        </p:style>
+      </p:cxnSp>
+      <p:sp>
+        <p:nvSpPr>
+          <p:cNvPr id="3" name="ZoneTexte 2"/>
+          <p:cNvSpPr txBox="1"/>
+          <p:nvPr/>
+        </p:nvSpPr>
+        <p:spPr>
+          <a:xfrm>
+            <a:off x="952087" y="1831122"/>
+            <a:ext cx="10191401" cy="3693319"/>
+          </a:xfrm>
+          <a:prstGeom prst="rect">
+            <a:avLst/>
+          </a:prstGeom>
+          <a:noFill/>
+        </p:spPr>
+        <p:txBody>
+          <a:bodyPr wrap="square" rtlCol="0">
+            <a:spAutoFit/>
+          </a:bodyPr>
+          <a:lstStyle/>
+          <a:p>
+            <a:pPr marL="285750" indent="-285750">
+              <a:buFont typeface="Arial" panose="020B0604020202020204" pitchFamily="34" charset="0"/>
+              <a:buChar char="•"/>
+            </a:pPr>
+            <a:r>
+              <a:rPr lang="fr-FR" dirty="0"/>
+              <a:t>Interface de configuration</a:t>
+            </a:r>
+          </a:p>
+          <a:p>
+            <a:pPr marL="742950" lvl="1" indent="-285750">
+              <a:buFont typeface="Arial" panose="020B0604020202020204" pitchFamily="34" charset="0"/>
+              <a:buChar char="•"/>
+            </a:pPr>
+            <a:r>
+              <a:rPr lang="fr-FR" dirty="0"/>
+              <a:t>Facilité la création de projet : dans une feuille pouvoir créer le projet, ses sous projets, la configuration spécifique du projet et les types de taches </a:t>
+            </a:r>
+          </a:p>
+          <a:p>
+            <a:pPr marL="1200150" lvl="2" indent="-285750">
+              <a:buFont typeface="Arial" panose="020B0604020202020204" pitchFamily="34" charset="0"/>
+              <a:buChar char="•"/>
+            </a:pPr>
+            <a:r>
+              <a:rPr lang="fr-FR" dirty="0"/>
+              <a:t>par défaut prévoir un sous projet générique pour éviter de forcer la création de sous projet </a:t>
+            </a:r>
+          </a:p>
+          <a:p>
+            <a:pPr marL="1200150" lvl="2" indent="-285750">
+              <a:buFont typeface="Arial" panose="020B0604020202020204" pitchFamily="34" charset="0"/>
+              <a:buChar char="•"/>
+            </a:pPr>
+            <a:r>
+              <a:rPr lang="fr-FR" dirty="0"/>
+              <a:t>par défaut prévoir des types de taches génériques  : REU, GDP, SUPP-OTH</a:t>
+            </a:r>
+          </a:p>
+          <a:p>
+            <a:pPr marL="1200150" lvl="2" indent="-285750">
+              <a:buFont typeface="Arial" panose="020B0604020202020204" pitchFamily="34" charset="0"/>
+              <a:buChar char="•"/>
+            </a:pPr>
+            <a:endParaRPr lang="fr-FR" dirty="0"/>
+          </a:p>
+          <a:p>
+            <a:pPr marL="285750" indent="-285750">
+              <a:buFont typeface="Arial" panose="020B0604020202020204" pitchFamily="34" charset="0"/>
+              <a:buChar char="•"/>
+            </a:pPr>
+            <a:r>
+              <a:rPr lang="fr-FR" dirty="0"/>
+              <a:t>Facilité le rajout d'un utilisateur a un groupe de projet : </a:t>
+            </a:r>
+          </a:p>
+          <a:p>
+            <a:pPr marL="742950" lvl="1" indent="-285750">
+              <a:buFont typeface="Arial" panose="020B0604020202020204" pitchFamily="34" charset="0"/>
+              <a:buChar char="•"/>
+            </a:pPr>
+            <a:r>
+              <a:rPr lang="fr-FR" dirty="0"/>
+              <a:t>dans la feuille de création d'utilisateur  permettre de rajouter le groupe de projet et les projets qui lui sont associé</a:t>
+            </a:r>
+          </a:p>
+          <a:p>
+            <a:pPr marL="1200150" lvl="2" indent="-285750">
+              <a:buFont typeface="Arial" panose="020B0604020202020204" pitchFamily="34" charset="0"/>
+              <a:buChar char="•"/>
+            </a:pPr>
+            <a:r>
+              <a:rPr lang="fr-FR" dirty="0"/>
+              <a:t>plusieurs CDS possible, plusieurs projet dans un CDS aussi</a:t>
+            </a:r>
+          </a:p>
+          <a:p>
+            <a:pPr marL="742950" lvl="1" indent="-285750">
+              <a:buFont typeface="Arial" panose="020B0604020202020204" pitchFamily="34" charset="0"/>
+              <a:buChar char="•"/>
+            </a:pPr>
+            <a:r>
+              <a:rPr lang="fr-FR" dirty="0"/>
+              <a:t>pouvoir configurer si l'utilisateur est le CDP ou le responsable du groupe de projet</a:t>
+            </a:r>
+          </a:p>
+          <a:p>
+            <a:pPr marL="1200150" lvl="2" indent="-285750">
+              <a:buFont typeface="Arial" panose="020B0604020202020204" pitchFamily="34" charset="0"/>
+              <a:buChar char="•"/>
+            </a:pPr>
+            <a:r>
+              <a:rPr lang="fr-FR" dirty="0"/>
+              <a:t>Un utilisateur peut être CDP sur un projet et ingénieur sur un autre projet</a:t>
+            </a:r>
+          </a:p>
+          <a:p>
+            <a:pPr marL="285750" indent="-285750">
+              <a:buFont typeface="Arial" panose="020B0604020202020204" pitchFamily="34" charset="0"/>
+              <a:buChar char="•"/>
+            </a:pPr>
+            <a:endParaRPr lang="fr-FR" dirty="0"/>
+          </a:p>
+        </p:txBody>
+      </p:sp>
+    </p:spTree>
+    <p:extLst>
+      <p:ext uri="{BB962C8B-B14F-4D97-AF65-F5344CB8AC3E}">
+        <p14:creationId xmlns:p14="http://schemas.microsoft.com/office/powerpoint/2010/main" val="1461454596"/>
+      </p:ext>
+    </p:extLst>
+  </p:cSld>
+  <p:clrMapOvr>
+    <a:masterClrMapping/>
+  </p:clrMapOvr>
 </p:sld>
 </file>
 
@@ -8348,7 +9120,7 @@
               </a:lnSpc>
             </a:pPr>
             <a:r>
-              <a:rPr lang="fr-FR" sz="1200" dirty="0" smtClean="0">
+              <a:rPr lang="fr-FR" sz="1200" dirty="0">
                 <a:solidFill>
                   <a:schemeClr val="tx1">
                     <a:alpha val="60000"/>
@@ -8368,19 +9140,6 @@
               </a:lnSpc>
             </a:pPr>
             <a:r>
-              <a:rPr lang="is-IS" sz="1200" dirty="0" smtClean="0">
-                <a:solidFill>
-                  <a:schemeClr val="tx1">
-                    <a:alpha val="60000"/>
-                  </a:schemeClr>
-                </a:solidFill>
-                <a:latin typeface="Titillium" charset="0"/>
-                <a:ea typeface="Titillium" charset="0"/>
-                <a:cs typeface="Titillium" charset="0"/>
-              </a:rPr>
-              <a:t>Générique, il sera utilisable et paramétrable sur de </a:t>
-            </a:r>
-            <a:r>
               <a:rPr lang="is-IS" sz="1200" dirty="0">
                 <a:solidFill>
                   <a:schemeClr val="tx1">
@@ -8391,20 +9150,7 @@
                 <a:ea typeface="Titillium" charset="0"/>
                 <a:cs typeface="Titillium" charset="0"/>
               </a:rPr>
-              <a:t>multiples projets (</a:t>
-            </a:r>
-            <a:r>
-              <a:rPr lang="is-IS" sz="1200" dirty="0" smtClean="0">
-                <a:solidFill>
-                  <a:schemeClr val="tx1">
-                    <a:alpha val="60000"/>
-                  </a:schemeClr>
-                </a:solidFill>
-                <a:latin typeface="Titillium" charset="0"/>
-                <a:ea typeface="Titillium" charset="0"/>
-                <a:cs typeface="Titillium" charset="0"/>
-              </a:rPr>
-              <a:t>comme les projets THALES, LATECOERE, ...)</a:t>
+              <a:t>Générique, il sera utilisable et paramétrable sur de multiples projets (comme les projets THALES, LATECOERE, ...)</a:t>
             </a:r>
           </a:p>
           <a:p>
@@ -8414,7 +9160,7 @@
               </a:lnSpc>
             </a:pPr>
             <a:r>
-              <a:rPr lang="is-IS" sz="1200" dirty="0" smtClean="0">
+              <a:rPr lang="is-IS" sz="1200" dirty="0">
                 <a:solidFill>
                   <a:schemeClr val="tx1">
                     <a:alpha val="60000"/>
@@ -8426,16 +9172,6 @@
               </a:rPr>
               <a:t>Grâce à son développement, les chefs de projets pourront gagner jusqu‘à 4 jours par mois de temps de travail sur le contrôle des imputations et sur la sortie de métriques.</a:t>
             </a:r>
-            <a:endParaRPr lang="is-IS" sz="1200" dirty="0">
-              <a:solidFill>
-                <a:schemeClr val="tx1">
-                  <a:alpha val="60000"/>
-                </a:schemeClr>
-              </a:solidFill>
-              <a:latin typeface="Titillium" charset="0"/>
-              <a:ea typeface="Titillium" charset="0"/>
-              <a:cs typeface="Titillium" charset="0"/>
-            </a:endParaRPr>
           </a:p>
         </p:txBody>
       </p:sp>
@@ -8467,41 +9203,28 @@
               </a:lnSpc>
             </a:pPr>
             <a:r>
-              <a:rPr lang="en-US" sz="3600" smtClean="0">
+              <a:rPr lang="en-US" sz="3600">
                 <a:latin typeface="Titillium Light" charset="0"/>
                 <a:ea typeface="Titillium Light" charset="0"/>
                 <a:cs typeface="Titillium Light" charset="0"/>
               </a:rPr>
               <a:t>GISMO</a:t>
             </a:r>
-            <a:r>
-              <a:rPr lang="en-US" sz="3600" dirty="0" smtClean="0">
-                <a:latin typeface="Titillium Light" charset="0"/>
-                <a:ea typeface="Titillium Light" charset="0"/>
-                <a:cs typeface="Titillium Light" charset="0"/>
-              </a:rPr>
-              <a:t/>
-            </a:r>
             <a:br>
-              <a:rPr lang="en-US" sz="3600" dirty="0" smtClean="0">
+              <a:rPr lang="en-US" sz="3600" dirty="0">
                 <a:latin typeface="Titillium Light" charset="0"/>
                 <a:ea typeface="Titillium Light" charset="0"/>
                 <a:cs typeface="Titillium Light" charset="0"/>
               </a:rPr>
             </a:br>
             <a:r>
-              <a:rPr lang="en-US" sz="3600" dirty="0" smtClean="0">
+              <a:rPr lang="en-US" sz="3600" dirty="0">
                 <a:latin typeface="Titillium Light" charset="0"/>
                 <a:ea typeface="Titillium Light" charset="0"/>
                 <a:cs typeface="Titillium Light" charset="0"/>
               </a:rPr>
               <a:t>en bref</a:t>
             </a:r>
-            <a:endParaRPr lang="en-US" sz="3600" dirty="0">
-              <a:latin typeface="Titillium Light" charset="0"/>
-              <a:ea typeface="Titillium Light" charset="0"/>
-              <a:cs typeface="Titillium Light" charset="0"/>
-            </a:endParaRPr>
           </a:p>
         </p:txBody>
       </p:sp>
@@ -8580,13 +9303,6 @@
   <p:clrMapOvr>
     <a:masterClrMapping/>
   </p:clrMapOvr>
-  <p:timing>
-    <p:tnLst>
-      <p:par>
-        <p:cTn id="1" dur="indefinite" restart="never" nodeType="tmRoot"/>
-      </p:par>
-    </p:tnLst>
-  </p:timing>
 </p:sld>
 </file>
 
@@ -8630,7 +9346,7 @@
           <a:lstStyle/>
           <a:p>
             <a:r>
-              <a:rPr lang="en-US" sz="2800" dirty="0" smtClean="0">
+              <a:rPr lang="en-US" sz="2800" dirty="0">
                 <a:solidFill>
                   <a:srgbClr val="00BFF0"/>
                 </a:solidFill>
@@ -8640,14 +9356,6 @@
               </a:rPr>
               <a:t>Fonctionnalités</a:t>
             </a:r>
-            <a:endParaRPr lang="en-US" sz="2800" dirty="0">
-              <a:solidFill>
-                <a:srgbClr val="00BFF0"/>
-              </a:solidFill>
-              <a:latin typeface="Titillium Light" charset="0"/>
-              <a:ea typeface="Titillium Light" charset="0"/>
-              <a:cs typeface="Titillium Light" charset="0"/>
-            </a:endParaRPr>
           </a:p>
         </p:txBody>
       </p:sp>
@@ -8679,7 +9387,7 @@
               </a:lnSpc>
             </a:pPr>
             <a:r>
-              <a:rPr lang="en-US" sz="1200" dirty="0" smtClean="0">
+              <a:rPr lang="en-US" sz="1200" dirty="0">
                 <a:solidFill>
                   <a:schemeClr val="bg1">
                     <a:lumMod val="50000"/>
@@ -8692,17 +9400,6 @@
               </a:rPr>
               <a:t>.</a:t>
             </a:r>
-            <a:endParaRPr lang="en-US" sz="1200" dirty="0">
-              <a:solidFill>
-                <a:schemeClr val="bg1">
-                  <a:lumMod val="50000"/>
-                  <a:alpha val="60000"/>
-                </a:schemeClr>
-              </a:solidFill>
-              <a:latin typeface="Titillium" charset="0"/>
-              <a:ea typeface="Titillium" charset="0"/>
-              <a:cs typeface="Titillium" charset="0"/>
-            </a:endParaRPr>
           </a:p>
         </p:txBody>
       </p:sp>
@@ -8789,13 +9486,6 @@
   <p:clrMapOvr>
     <a:masterClrMapping/>
   </p:clrMapOvr>
-  <p:timing>
-    <p:tnLst>
-      <p:par>
-        <p:cTn id="1" dur="indefinite" restart="never" nodeType="tmRoot"/>
-      </p:par>
-    </p:tnLst>
-  </p:timing>
 </p:sld>
 </file>
 
@@ -8874,7 +9564,7 @@
               </a:lnSpc>
             </a:pPr>
             <a:r>
-              <a:rPr lang="en-US" sz="3600" dirty="0" smtClean="0">
+              <a:rPr lang="en-US" sz="3600" dirty="0">
                 <a:latin typeface="Titillium Light" charset="0"/>
                 <a:ea typeface="Titillium Light" charset="0"/>
                 <a:cs typeface="Titillium Light" charset="0"/>
@@ -8946,7 +9636,7 @@
               <a:buChar char="•"/>
             </a:pPr>
             <a:r>
-              <a:rPr lang="fr-FR" dirty="0" smtClean="0"/>
+              <a:rPr lang="fr-FR" dirty="0"/>
               <a:t>Importation d’imputations</a:t>
             </a:r>
           </a:p>
@@ -8956,7 +9646,7 @@
               <a:buChar char="•"/>
             </a:pPr>
             <a:r>
-              <a:rPr lang="fr-FR" dirty="0" smtClean="0"/>
+              <a:rPr lang="fr-FR" dirty="0"/>
               <a:t>Outils clients (CAPITAL pour Thales, Excel pour une gestion par les utilisateurs…)</a:t>
             </a:r>
           </a:p>
@@ -8966,7 +9656,7 @@
               <a:buChar char="•"/>
             </a:pPr>
             <a:r>
-              <a:rPr lang="fr-FR" dirty="0" smtClean="0"/>
+              <a:rPr lang="fr-FR" dirty="0"/>
               <a:t>Faite par les ingénieurs ou le chef de projet</a:t>
             </a:r>
           </a:p>
@@ -8976,7 +9666,7 @@
               <a:buChar char="•"/>
             </a:pPr>
             <a:r>
-              <a:rPr lang="fr-FR" dirty="0" smtClean="0"/>
+              <a:rPr lang="fr-FR" dirty="0"/>
               <a:t>Saisie directe sur l’outil par les ingénieurs</a:t>
             </a:r>
           </a:p>
@@ -8993,7 +9683,7 @@
               <a:buChar char="•"/>
             </a:pPr>
             <a:r>
-              <a:rPr lang="fr-FR" dirty="0" smtClean="0"/>
+              <a:rPr lang="fr-FR" dirty="0"/>
               <a:t>Extraction</a:t>
             </a:r>
           </a:p>
@@ -9003,7 +9693,7 @@
               <a:buChar char="•"/>
             </a:pPr>
             <a:r>
-              <a:rPr lang="fr-FR" dirty="0" smtClean="0"/>
+              <a:rPr lang="fr-FR" dirty="0"/>
               <a:t>KPI, indicateurs</a:t>
             </a:r>
           </a:p>
@@ -9013,7 +9703,7 @@
               <a:buChar char="•"/>
             </a:pPr>
             <a:r>
-              <a:rPr lang="fr-FR" dirty="0" smtClean="0"/>
+              <a:rPr lang="fr-FR" dirty="0"/>
               <a:t>Corrélation avec SYGES ou tout autre outil correspondant</a:t>
             </a:r>
           </a:p>
@@ -9051,11 +9741,7 @@
             </a:pPr>
             <a:r>
               <a:rPr lang="fr-FR" dirty="0"/>
-              <a:t>Warnings </a:t>
-            </a:r>
-            <a:r>
-              <a:rPr lang="fr-FR" dirty="0" smtClean="0"/>
-              <a:t>personnalisables</a:t>
+              <a:t>Warnings personnalisables</a:t>
             </a:r>
           </a:p>
           <a:p>
@@ -9063,7 +9749,7 @@
               <a:buFont typeface="Arial" panose="020B0604020202020204" pitchFamily="34" charset="0"/>
               <a:buChar char="•"/>
             </a:pPr>
-            <a:endParaRPr lang="fr-FR" dirty="0" smtClean="0"/>
+            <a:endParaRPr lang="fr-FR" dirty="0"/>
           </a:p>
           <a:p>
             <a:pPr marL="285750" indent="-285750">
@@ -9071,7 +9757,7 @@
               <a:buChar char="•"/>
             </a:pPr>
             <a:r>
-              <a:rPr lang="fr-FR" dirty="0" smtClean="0"/>
+              <a:rPr lang="fr-FR" dirty="0"/>
               <a:t>Accessibilité</a:t>
             </a:r>
           </a:p>
@@ -9081,10 +9767,9 @@
               <a:buChar char="•"/>
             </a:pPr>
             <a:r>
-              <a:rPr lang="fr-FR" dirty="0" smtClean="0"/>
+              <a:rPr lang="fr-FR" dirty="0"/>
               <a:t>Facile d’utilisation</a:t>
             </a:r>
-            <a:endParaRPr lang="fr-FR" dirty="0"/>
           </a:p>
           <a:p>
             <a:pPr marL="742950" lvl="1" indent="-285750">
@@ -9092,7 +9777,7 @@
               <a:buChar char="•"/>
             </a:pPr>
             <a:r>
-              <a:rPr lang="fr-FR" dirty="0" smtClean="0"/>
+              <a:rPr lang="fr-FR" dirty="0"/>
               <a:t>Facile d’accès</a:t>
             </a:r>
           </a:p>
@@ -9109,7 +9794,7 @@
               <a:buChar char="•"/>
             </a:pPr>
             <a:r>
-              <a:rPr lang="fr-FR" dirty="0" smtClean="0"/>
+              <a:rPr lang="fr-FR" dirty="0"/>
               <a:t>Personnalisation suivant les projets et les clients</a:t>
             </a:r>
           </a:p>
@@ -9125,13 +9810,6 @@
   <p:clrMapOvr>
     <a:masterClrMapping/>
   </p:clrMapOvr>
-  <p:timing>
-    <p:tnLst>
-      <p:par>
-        <p:cTn id="1" dur="indefinite" restart="never" nodeType="tmRoot"/>
-      </p:par>
-    </p:tnLst>
-  </p:timing>
 </p:sld>
 </file>
 
@@ -9175,7 +9853,7 @@
           <a:lstStyle/>
           <a:p>
             <a:r>
-              <a:rPr lang="en-US" sz="2800" dirty="0" smtClean="0">
+              <a:rPr lang="en-US" sz="2800" dirty="0" err="1">
                 <a:solidFill>
                   <a:srgbClr val="00BFF0"/>
                 </a:solidFill>
@@ -9183,7 +9861,29 @@
                 <a:ea typeface="Titillium Light" charset="0"/>
                 <a:cs typeface="Titillium Light" charset="0"/>
               </a:rPr>
-              <a:t>Architecture</a:t>
+              <a:t>Existant</a:t>
+            </a:r>
+            <a:r>
+              <a:rPr lang="en-US" sz="2800" dirty="0">
+                <a:solidFill>
+                  <a:srgbClr val="00BFF0"/>
+                </a:solidFill>
+                <a:latin typeface="Titillium Light" charset="0"/>
+                <a:ea typeface="Titillium Light" charset="0"/>
+                <a:cs typeface="Titillium Light" charset="0"/>
+              </a:rPr>
+              <a:t> et </a:t>
+            </a:r>
+            <a:r>
+              <a:rPr lang="en-US" sz="2800" dirty="0" err="1">
+                <a:solidFill>
+                  <a:srgbClr val="00BFF0"/>
+                </a:solidFill>
+                <a:latin typeface="Titillium Light" charset="0"/>
+                <a:ea typeface="Titillium Light" charset="0"/>
+                <a:cs typeface="Titillium Light" charset="0"/>
+              </a:rPr>
+              <a:t>objectif</a:t>
             </a:r>
             <a:endParaRPr lang="en-US" sz="2800" dirty="0">
               <a:solidFill>
@@ -9224,7 +9924,7 @@
               </a:lnSpc>
             </a:pPr>
             <a:r>
-              <a:rPr lang="en-US" sz="1200" dirty="0" smtClean="0">
+              <a:rPr lang="en-US" sz="1200" dirty="0">
                 <a:solidFill>
                   <a:schemeClr val="bg1">
                     <a:lumMod val="50000"/>
@@ -9237,17 +9937,6 @@
               </a:rPr>
               <a:t>.</a:t>
             </a:r>
-            <a:endParaRPr lang="en-US" sz="1200" dirty="0">
-              <a:solidFill>
-                <a:schemeClr val="bg1">
-                  <a:lumMod val="50000"/>
-                  <a:alpha val="60000"/>
-                </a:schemeClr>
-              </a:solidFill>
-              <a:latin typeface="Titillium" charset="0"/>
-              <a:ea typeface="Titillium" charset="0"/>
-              <a:cs typeface="Titillium" charset="0"/>
-            </a:endParaRPr>
           </a:p>
         </p:txBody>
       </p:sp>
@@ -9327,20 +10016,13 @@
     </p:spTree>
     <p:extLst>
       <p:ext uri="{BB962C8B-B14F-4D97-AF65-F5344CB8AC3E}">
-        <p14:creationId xmlns:p14="http://schemas.microsoft.com/office/powerpoint/2010/main" val="3150707798"/>
+        <p14:creationId xmlns:p14="http://schemas.microsoft.com/office/powerpoint/2010/main" val="551032774"/>
       </p:ext>
     </p:extLst>
   </p:cSld>
   <p:clrMapOvr>
     <a:masterClrMapping/>
   </p:clrMapOvr>
-  <p:timing>
-    <p:tnLst>
-      <p:par>
-        <p:cTn id="1" dur="indefinite" restart="never" nodeType="tmRoot"/>
-      </p:par>
-    </p:tnLst>
-  </p:timing>
 </p:sld>
 </file>
 
@@ -9400,7 +10082,7 @@
         <p:spPr>
           <a:xfrm>
             <a:off x="952088" y="615097"/>
-            <a:ext cx="6220397" cy="443198"/>
+            <a:ext cx="7913616" cy="443198"/>
           </a:xfrm>
           <a:prstGeom prst="rect">
             <a:avLst/>
@@ -9419,12 +10101,52 @@
               </a:lnSpc>
             </a:pPr>
             <a:r>
-              <a:rPr lang="en-US" sz="3600" dirty="0" smtClean="0">
+              <a:rPr lang="en-US" sz="3600" dirty="0" err="1">
                 <a:latin typeface="Titillium Light" charset="0"/>
                 <a:ea typeface="Titillium Light" charset="0"/>
                 <a:cs typeface="Titillium Light" charset="0"/>
               </a:rPr>
-              <a:t>Architecture</a:t>
+              <a:t>Suivi</a:t>
+            </a:r>
+            <a:r>
+              <a:rPr lang="en-US" sz="3600" dirty="0">
+                <a:latin typeface="Titillium Light" charset="0"/>
+                <a:ea typeface="Titillium Light" charset="0"/>
+                <a:cs typeface="Titillium Light" charset="0"/>
+              </a:rPr>
+              <a:t> </a:t>
+            </a:r>
+            <a:r>
+              <a:rPr lang="en-US" sz="3600" dirty="0" err="1">
+                <a:latin typeface="Titillium Light" charset="0"/>
+                <a:ea typeface="Titillium Light" charset="0"/>
+                <a:cs typeface="Titillium Light" charset="0"/>
+              </a:rPr>
+              <a:t>actuel</a:t>
+            </a:r>
+            <a:r>
+              <a:rPr lang="en-US" sz="3600" dirty="0">
+                <a:latin typeface="Titillium Light" charset="0"/>
+                <a:ea typeface="Titillium Light" charset="0"/>
+                <a:cs typeface="Titillium Light" charset="0"/>
+              </a:rPr>
+              <a:t> sur le </a:t>
+            </a:r>
+            <a:r>
+              <a:rPr lang="en-US" sz="3600" dirty="0" err="1">
+                <a:latin typeface="Titillium Light" charset="0"/>
+                <a:ea typeface="Titillium Light" charset="0"/>
+                <a:cs typeface="Titillium Light" charset="0"/>
+              </a:rPr>
+              <a:t>centre</a:t>
+            </a:r>
+            <a:r>
+              <a:rPr lang="en-US" sz="3600" dirty="0">
+                <a:latin typeface="Titillium Light" charset="0"/>
+                <a:ea typeface="Titillium Light" charset="0"/>
+                <a:cs typeface="Titillium Light" charset="0"/>
+              </a:rPr>
+              <a:t> de service TR6</a:t>
             </a:r>
           </a:p>
         </p:txBody>
@@ -9472,8 +10194,8 @@
         </p:nvSpPr>
         <p:spPr>
           <a:xfrm>
-            <a:off x="952087" y="1584960"/>
-            <a:ext cx="10191401" cy="4524315"/>
+            <a:off x="952087" y="4740715"/>
+            <a:ext cx="10191401" cy="2031325"/>
           </a:xfrm>
           <a:prstGeom prst="rect">
             <a:avLst/>
@@ -9486,232 +10208,1134 @@
           </a:bodyPr>
           <a:lstStyle/>
           <a:p>
-            <a:pPr marL="285750" indent="-285750">
-              <a:buFont typeface="Arial" panose="020B0604020202020204" pitchFamily="34" charset="0"/>
-              <a:buChar char="•"/>
-            </a:pPr>
-            <a:r>
-              <a:rPr lang="fr-FR" dirty="0" smtClean="0"/>
-              <a:t>Modulaire</a:t>
-            </a:r>
-          </a:p>
-          <a:p>
-            <a:pPr marL="742950" lvl="1" indent="-285750">
-              <a:buFont typeface="Arial" panose="020B0604020202020204" pitchFamily="34" charset="0"/>
-              <a:buChar char="•"/>
-            </a:pPr>
-            <a:r>
-              <a:rPr lang="fr-FR" dirty="0" smtClean="0"/>
-              <a:t>Plugins de parsing</a:t>
-            </a:r>
-          </a:p>
-          <a:p>
-            <a:pPr marL="1200150" lvl="2" indent="-285750">
-              <a:buFont typeface="Arial" panose="020B0604020202020204" pitchFamily="34" charset="0"/>
-              <a:buChar char="•"/>
-            </a:pPr>
-            <a:r>
-              <a:rPr lang="fr-FR" dirty="0" smtClean="0"/>
-              <a:t>Plusieurs entrées différentes</a:t>
-            </a:r>
-          </a:p>
-          <a:p>
-            <a:pPr marL="1200150" lvl="2" indent="-285750">
-              <a:buFont typeface="Arial" panose="020B0604020202020204" pitchFamily="34" charset="0"/>
-              <a:buChar char="•"/>
-            </a:pPr>
-            <a:r>
-              <a:rPr lang="fr-FR" dirty="0" smtClean="0"/>
-              <a:t>Multi-projets</a:t>
-            </a:r>
-          </a:p>
-          <a:p>
-            <a:pPr marL="1200150" lvl="2" indent="-285750">
-              <a:buFont typeface="Arial" panose="020B0604020202020204" pitchFamily="34" charset="0"/>
-              <a:buChar char="•"/>
-            </a:pPr>
-            <a:r>
-              <a:rPr lang="fr-FR" dirty="0" smtClean="0"/>
-              <a:t>Configurable</a:t>
-            </a:r>
-          </a:p>
-          <a:p>
-            <a:pPr marL="1657350" lvl="3" indent="-285750">
-              <a:buFont typeface="Arial" panose="020B0604020202020204" pitchFamily="34" charset="0"/>
-              <a:buChar char="•"/>
-            </a:pPr>
-            <a:r>
-              <a:rPr lang="fr-FR" dirty="0" smtClean="0"/>
-              <a:t>Check</a:t>
-            </a:r>
-          </a:p>
-          <a:p>
-            <a:pPr marL="1657350" lvl="3" indent="-285750">
-              <a:buFont typeface="Arial" panose="020B0604020202020204" pitchFamily="34" charset="0"/>
-              <a:buChar char="•"/>
-            </a:pPr>
-            <a:r>
-              <a:rPr lang="fr-FR" dirty="0" smtClean="0"/>
-              <a:t>Paramétrable</a:t>
-            </a:r>
-          </a:p>
-          <a:p>
-            <a:pPr marL="742950" lvl="1" indent="-285750">
-              <a:buFont typeface="Arial" panose="020B0604020202020204" pitchFamily="34" charset="0"/>
-              <a:buChar char="•"/>
-            </a:pPr>
-            <a:r>
-              <a:rPr lang="fr-FR" dirty="0" smtClean="0"/>
-              <a:t>Plugins de génération</a:t>
-            </a:r>
-          </a:p>
-          <a:p>
-            <a:pPr marL="1200150" lvl="2" indent="-285750">
-              <a:buFont typeface="Arial" panose="020B0604020202020204" pitchFamily="34" charset="0"/>
-              <a:buChar char="•"/>
-            </a:pPr>
-            <a:r>
-              <a:rPr lang="fr-FR" dirty="0" smtClean="0"/>
-              <a:t>Multi-output en fonction des besoins</a:t>
-            </a:r>
-          </a:p>
-          <a:p>
-            <a:pPr marL="1200150" lvl="2" indent="-285750">
-              <a:buFont typeface="Arial" panose="020B0604020202020204" pitchFamily="34" charset="0"/>
-              <a:buChar char="•"/>
-            </a:pPr>
-            <a:endParaRPr lang="fr-FR" dirty="0" smtClean="0"/>
-          </a:p>
-          <a:p>
-            <a:pPr marL="1200150" lvl="2" indent="-285750">
-              <a:buFont typeface="Arial" panose="020B0604020202020204" pitchFamily="34" charset="0"/>
-              <a:buChar char="•"/>
-            </a:pPr>
-            <a:endParaRPr lang="fr-FR" dirty="0" smtClean="0"/>
-          </a:p>
-          <a:p>
-            <a:pPr marL="285750" indent="-285750">
-              <a:buFont typeface="Arial" panose="020B0604020202020204" pitchFamily="34" charset="0"/>
-              <a:buChar char="•"/>
-            </a:pPr>
-            <a:r>
-              <a:rPr lang="fr-FR" dirty="0" smtClean="0"/>
-              <a:t>Une partie CORE</a:t>
-            </a:r>
-          </a:p>
-          <a:p>
-            <a:pPr marL="742950" lvl="1" indent="-285750">
-              <a:buFont typeface="Arial" panose="020B0604020202020204" pitchFamily="34" charset="0"/>
-              <a:buChar char="•"/>
-            </a:pPr>
-            <a:r>
-              <a:rPr lang="fr-FR" dirty="0" smtClean="0"/>
-              <a:t>Contient le modèle</a:t>
-            </a:r>
-          </a:p>
-          <a:p>
-            <a:pPr marL="742950" lvl="1" indent="-285750">
-              <a:buFont typeface="Arial" panose="020B0604020202020204" pitchFamily="34" charset="0"/>
-              <a:buChar char="•"/>
-            </a:pPr>
-            <a:r>
-              <a:rPr lang="fr-FR" dirty="0" smtClean="0"/>
-              <a:t>Contient le paramétrage générique</a:t>
-            </a:r>
-          </a:p>
-          <a:p>
-            <a:pPr marL="742950" lvl="1" indent="-285750">
-              <a:buFont typeface="Arial" panose="020B0604020202020204" pitchFamily="34" charset="0"/>
-              <a:buChar char="•"/>
-            </a:pPr>
-            <a:r>
-              <a:rPr lang="fr-FR" dirty="0" smtClean="0"/>
-              <a:t>S’occupe des check génériques de validité des entrées</a:t>
-            </a:r>
-          </a:p>
-          <a:p>
-            <a:pPr marL="742950" lvl="1" indent="-285750">
-              <a:buFont typeface="Arial" panose="020B0604020202020204" pitchFamily="34" charset="0"/>
-              <a:buChar char="•"/>
-            </a:pPr>
-            <a:r>
-              <a:rPr lang="fr-FR" dirty="0" smtClean="0"/>
-              <a:t>Interagit avec la base de données</a:t>
-            </a:r>
-          </a:p>
-        </p:txBody>
-      </p:sp>
-      <p:pic>
-        <p:nvPicPr>
-          <p:cNvPr id="1028" name="Image 1" descr="image001"/>
-          <p:cNvPicPr>
-            <a:picLocks noChangeAspect="1" noChangeArrowheads="1"/>
-          </p:cNvPicPr>
-          <p:nvPr/>
-        </p:nvPicPr>
-        <p:blipFill>
-          <a:blip r:embed="rId3">
+            <a:r>
+              <a:rPr lang="fr-FR" dirty="0"/>
+              <a:t>Actuellement des outils de suivi existent pour TR6, avec obligation de saisie pour « certains » projet et un découpage propre a TR6. </a:t>
+            </a:r>
+          </a:p>
+          <a:p>
+            <a:r>
+              <a:rPr lang="fr-FR" dirty="0"/>
+              <a:t>L’obligation également de saisir le suivi d’imputation sur l’outil Apside SYGES.</a:t>
+            </a:r>
+          </a:p>
+          <a:p>
+            <a:r>
+              <a:rPr lang="fr-FR" dirty="0"/>
+              <a:t>Pour centraliser et uniformiser les saisies un fichier Excel avec un format unique a été appliqué sur l’ensemble des projets.</a:t>
+            </a:r>
+          </a:p>
+          <a:p>
+            <a:r>
+              <a:rPr lang="fr-FR" dirty="0"/>
+              <a:t>A cela se rajoute la complexité de produire des métriques spécifiques pour chaque projet avec un suivi de la facturation spécifique a chaque projet. Et enfin un suivi global au niveau de tous les projets</a:t>
+            </a:r>
+          </a:p>
+        </p:txBody>
+      </p:sp>
+      <p:grpSp>
+        <p:nvGrpSpPr>
+          <p:cNvPr id="34" name="Groupe 33">
             <a:extLst>
-              <a:ext uri="{28A0092B-C50C-407E-A947-70E740481C1C}">
-                <a14:useLocalDpi xmlns:a14="http://schemas.microsoft.com/office/drawing/2010/main" val="0"/>
+              <a:ext uri="{FF2B5EF4-FFF2-40B4-BE49-F238E27FC236}">
+                <a16:creationId xmlns:a16="http://schemas.microsoft.com/office/drawing/2014/main" id="{43601AC4-BA5C-4CFB-93AF-0D7E1FEBBF0F}"/>
               </a:ext>
             </a:extLst>
-          </a:blip>
-          <a:srcRect/>
-          <a:stretch>
-            <a:fillRect/>
-          </a:stretch>
-        </p:blipFill>
-        <p:spPr bwMode="auto">
-          <a:xfrm>
-            <a:off x="6856667" y="1499204"/>
-            <a:ext cx="4781550" cy="4695825"/>
-          </a:xfrm>
-          <a:prstGeom prst="rect">
-            <a:avLst/>
-          </a:prstGeom>
-          <a:noFill/>
-          <a:ln>
-            <a:noFill/>
-          </a:ln>
-          <a:extLst>
-            <a:ext uri="{909E8E84-426E-40DD-AFC4-6F175D3DCCD1}">
-              <a14:hiddenFill xmlns:a14="http://schemas.microsoft.com/office/drawing/2010/main">
-                <a:solidFill>
-                  <a:srgbClr val="FFFFFF"/>
-                </a:solidFill>
-              </a14:hiddenFill>
-            </a:ext>
-            <a:ext uri="{91240B29-F687-4F45-9708-019B960494DF}">
-              <a14:hiddenLine xmlns:a14="http://schemas.microsoft.com/office/drawing/2010/main" w="9525">
-                <a:solidFill>
-                  <a:srgbClr val="000000"/>
-                </a:solidFill>
-                <a:miter lim="800000"/>
-                <a:headEnd/>
-                <a:tailEnd/>
-              </a14:hiddenLine>
-            </a:ext>
-          </a:extLst>
-        </p:spPr>
-      </p:pic>
+          </p:cNvPr>
+          <p:cNvGrpSpPr/>
+          <p:nvPr/>
+        </p:nvGrpSpPr>
+        <p:grpSpPr>
+          <a:xfrm>
+            <a:off x="1249944" y="1461024"/>
+            <a:ext cx="9591169" cy="2753252"/>
+            <a:chOff x="1249944" y="1461024"/>
+            <a:chExt cx="9591169" cy="2753252"/>
+          </a:xfrm>
+        </p:grpSpPr>
+        <p:sp>
+          <p:nvSpPr>
+            <p:cNvPr id="32" name="Rectangle : coins arrondis 31">
+              <a:extLst>
+                <a:ext uri="{FF2B5EF4-FFF2-40B4-BE49-F238E27FC236}">
+                  <a16:creationId xmlns:a16="http://schemas.microsoft.com/office/drawing/2014/main" id="{BC68B51C-5C08-4382-81DF-1F081EC81CEA}"/>
+                </a:ext>
+              </a:extLst>
+            </p:cNvPr>
+            <p:cNvSpPr/>
+            <p:nvPr/>
+          </p:nvSpPr>
+          <p:spPr>
+            <a:xfrm>
+              <a:off x="4472571" y="1461024"/>
+              <a:ext cx="1493356" cy="356721"/>
+            </a:xfrm>
+            <a:prstGeom prst="roundRect">
+              <a:avLst/>
+            </a:prstGeom>
+            <a:solidFill>
+              <a:schemeClr val="accent1">
+                <a:lumMod val="75000"/>
+              </a:schemeClr>
+            </a:solidFill>
+          </p:spPr>
+          <p:style>
+            <a:lnRef idx="2">
+              <a:schemeClr val="accent1">
+                <a:shade val="50000"/>
+              </a:schemeClr>
+            </a:lnRef>
+            <a:fillRef idx="1">
+              <a:schemeClr val="accent1"/>
+            </a:fillRef>
+            <a:effectRef idx="0">
+              <a:schemeClr val="accent1"/>
+            </a:effectRef>
+            <a:fontRef idx="minor">
+              <a:schemeClr val="lt1"/>
+            </a:fontRef>
+          </p:style>
+          <p:txBody>
+            <a:bodyPr rtlCol="0" anchor="ctr"/>
+            <a:lstStyle/>
+            <a:p>
+              <a:pPr algn="ctr"/>
+              <a:r>
+                <a:rPr lang="fr-FR" dirty="0"/>
+                <a:t>SYGES</a:t>
+              </a:r>
+            </a:p>
+          </p:txBody>
+        </p:sp>
+        <p:sp>
+          <p:nvSpPr>
+            <p:cNvPr id="2" name="Rectangle : coins arrondis 1">
+              <a:extLst>
+                <a:ext uri="{FF2B5EF4-FFF2-40B4-BE49-F238E27FC236}">
+                  <a16:creationId xmlns:a16="http://schemas.microsoft.com/office/drawing/2014/main" id="{51BC531A-54FD-4F50-8268-FD73492321BD}"/>
+                </a:ext>
+              </a:extLst>
+            </p:cNvPr>
+            <p:cNvSpPr/>
+            <p:nvPr/>
+          </p:nvSpPr>
+          <p:spPr>
+            <a:xfrm>
+              <a:off x="2871313" y="1470777"/>
+              <a:ext cx="1493356" cy="356721"/>
+            </a:xfrm>
+            <a:prstGeom prst="roundRect">
+              <a:avLst/>
+            </a:prstGeom>
+            <a:solidFill>
+              <a:srgbClr val="7030A0"/>
+            </a:solidFill>
+          </p:spPr>
+          <p:style>
+            <a:lnRef idx="2">
+              <a:schemeClr val="accent1">
+                <a:shade val="50000"/>
+              </a:schemeClr>
+            </a:lnRef>
+            <a:fillRef idx="1">
+              <a:schemeClr val="accent1"/>
+            </a:fillRef>
+            <a:effectRef idx="0">
+              <a:schemeClr val="accent1"/>
+            </a:effectRef>
+            <a:fontRef idx="minor">
+              <a:schemeClr val="lt1"/>
+            </a:fontRef>
+          </p:style>
+          <p:txBody>
+            <a:bodyPr rtlCol="0" anchor="ctr"/>
+            <a:lstStyle/>
+            <a:p>
+              <a:pPr algn="ctr"/>
+              <a:r>
+                <a:rPr lang="fr-FR" dirty="0"/>
+                <a:t>Outil TR6</a:t>
+              </a:r>
+            </a:p>
+          </p:txBody>
+        </p:sp>
+        <p:sp>
+          <p:nvSpPr>
+            <p:cNvPr id="4" name="Rectangle : coins arrondis 3">
+              <a:extLst>
+                <a:ext uri="{FF2B5EF4-FFF2-40B4-BE49-F238E27FC236}">
+                  <a16:creationId xmlns:a16="http://schemas.microsoft.com/office/drawing/2014/main" id="{DE30E9C7-817A-4AC1-8CB5-82C37E40A778}"/>
+                </a:ext>
+              </a:extLst>
+            </p:cNvPr>
+            <p:cNvSpPr/>
+            <p:nvPr/>
+          </p:nvSpPr>
+          <p:spPr>
+            <a:xfrm>
+              <a:off x="1261034" y="1889939"/>
+              <a:ext cx="1493356" cy="356721"/>
+            </a:xfrm>
+            <a:prstGeom prst="roundRect">
+              <a:avLst/>
+            </a:prstGeom>
+            <a:solidFill>
+              <a:schemeClr val="accent1">
+                <a:lumMod val="75000"/>
+              </a:schemeClr>
+            </a:solidFill>
+          </p:spPr>
+          <p:style>
+            <a:lnRef idx="2">
+              <a:schemeClr val="accent1">
+                <a:shade val="50000"/>
+              </a:schemeClr>
+            </a:lnRef>
+            <a:fillRef idx="1">
+              <a:schemeClr val="accent1"/>
+            </a:fillRef>
+            <a:effectRef idx="0">
+              <a:schemeClr val="accent1"/>
+            </a:effectRef>
+            <a:fontRef idx="minor">
+              <a:schemeClr val="lt1"/>
+            </a:fontRef>
+          </p:style>
+          <p:txBody>
+            <a:bodyPr rtlCol="0" anchor="ctr"/>
+            <a:lstStyle/>
+            <a:p>
+              <a:pPr algn="ctr"/>
+              <a:r>
+                <a:rPr lang="fr-FR" dirty="0"/>
+                <a:t>Excel Apside</a:t>
+              </a:r>
+            </a:p>
+          </p:txBody>
+        </p:sp>
+        <p:sp>
+          <p:nvSpPr>
+            <p:cNvPr id="9" name="Rectangle : coins arrondis 8">
+              <a:extLst>
+                <a:ext uri="{FF2B5EF4-FFF2-40B4-BE49-F238E27FC236}">
+                  <a16:creationId xmlns:a16="http://schemas.microsoft.com/office/drawing/2014/main" id="{8ECF28D7-FC26-490E-B33F-6E932B57737B}"/>
+                </a:ext>
+              </a:extLst>
+            </p:cNvPr>
+            <p:cNvSpPr/>
+            <p:nvPr/>
+          </p:nvSpPr>
+          <p:spPr>
+            <a:xfrm>
+              <a:off x="2882401" y="1877781"/>
+              <a:ext cx="1493356" cy="358944"/>
+            </a:xfrm>
+            <a:prstGeom prst="roundRect">
+              <a:avLst/>
+            </a:prstGeom>
+            <a:solidFill>
+              <a:srgbClr val="7030A0"/>
+            </a:solidFill>
+          </p:spPr>
+          <p:style>
+            <a:lnRef idx="2">
+              <a:schemeClr val="accent1">
+                <a:shade val="50000"/>
+              </a:schemeClr>
+            </a:lnRef>
+            <a:fillRef idx="1">
+              <a:schemeClr val="accent1"/>
+            </a:fillRef>
+            <a:effectRef idx="0">
+              <a:schemeClr val="accent1"/>
+            </a:effectRef>
+            <a:fontRef idx="minor">
+              <a:schemeClr val="lt1"/>
+            </a:fontRef>
+          </p:style>
+          <p:txBody>
+            <a:bodyPr rtlCol="0" anchor="ctr"/>
+            <a:lstStyle/>
+            <a:p>
+              <a:pPr algn="ctr"/>
+              <a:r>
+                <a:rPr lang="fr-FR" dirty="0"/>
+                <a:t>JIRA TR6</a:t>
+              </a:r>
+            </a:p>
+          </p:txBody>
+        </p:sp>
+        <p:sp>
+          <p:nvSpPr>
+            <p:cNvPr id="6" name="Ellipse 5">
+              <a:extLst>
+                <a:ext uri="{FF2B5EF4-FFF2-40B4-BE49-F238E27FC236}">
+                  <a16:creationId xmlns:a16="http://schemas.microsoft.com/office/drawing/2014/main" id="{AA963F7F-DD4D-4D50-8C1E-55D05AABDE01}"/>
+                </a:ext>
+              </a:extLst>
+            </p:cNvPr>
+            <p:cNvSpPr/>
+            <p:nvPr/>
+          </p:nvSpPr>
+          <p:spPr>
+            <a:xfrm>
+              <a:off x="1249945" y="2367720"/>
+              <a:ext cx="3114724" cy="443198"/>
+            </a:xfrm>
+            <a:prstGeom prst="ellipse">
+              <a:avLst/>
+            </a:prstGeom>
+            <a:solidFill>
+              <a:schemeClr val="accent4">
+                <a:lumMod val="75000"/>
+              </a:schemeClr>
+            </a:solidFill>
+          </p:spPr>
+          <p:style>
+            <a:lnRef idx="2">
+              <a:schemeClr val="accent1">
+                <a:shade val="50000"/>
+              </a:schemeClr>
+            </a:lnRef>
+            <a:fillRef idx="1">
+              <a:schemeClr val="accent1"/>
+            </a:fillRef>
+            <a:effectRef idx="0">
+              <a:schemeClr val="accent1"/>
+            </a:effectRef>
+            <a:fontRef idx="minor">
+              <a:schemeClr val="lt1"/>
+            </a:fontRef>
+          </p:style>
+          <p:txBody>
+            <a:bodyPr rtlCol="0" anchor="ctr"/>
+            <a:lstStyle/>
+            <a:p>
+              <a:pPr algn="ctr"/>
+              <a:r>
+                <a:rPr lang="fr-FR" dirty="0"/>
+                <a:t>Equipe Projet 1</a:t>
+              </a:r>
+            </a:p>
+          </p:txBody>
+        </p:sp>
+        <p:sp>
+          <p:nvSpPr>
+            <p:cNvPr id="12" name="Rectangle : coins arrondis 11">
+              <a:extLst>
+                <a:ext uri="{FF2B5EF4-FFF2-40B4-BE49-F238E27FC236}">
+                  <a16:creationId xmlns:a16="http://schemas.microsoft.com/office/drawing/2014/main" id="{90997702-D805-4E6B-99DA-8E7DD9DECA59}"/>
+                </a:ext>
+              </a:extLst>
+            </p:cNvPr>
+            <p:cNvSpPr/>
+            <p:nvPr/>
+          </p:nvSpPr>
+          <p:spPr>
+            <a:xfrm>
+              <a:off x="4483659" y="1877780"/>
+              <a:ext cx="1493356" cy="356721"/>
+            </a:xfrm>
+            <a:prstGeom prst="roundRect">
+              <a:avLst/>
+            </a:prstGeom>
+            <a:solidFill>
+              <a:schemeClr val="accent1">
+                <a:lumMod val="75000"/>
+              </a:schemeClr>
+            </a:solidFill>
+          </p:spPr>
+          <p:style>
+            <a:lnRef idx="2">
+              <a:schemeClr val="accent1">
+                <a:shade val="50000"/>
+              </a:schemeClr>
+            </a:lnRef>
+            <a:fillRef idx="1">
+              <a:schemeClr val="accent1"/>
+            </a:fillRef>
+            <a:effectRef idx="0">
+              <a:schemeClr val="accent1"/>
+            </a:effectRef>
+            <a:fontRef idx="minor">
+              <a:schemeClr val="lt1"/>
+            </a:fontRef>
+          </p:style>
+          <p:txBody>
+            <a:bodyPr rtlCol="0" anchor="ctr"/>
+            <a:lstStyle/>
+            <a:p>
+              <a:pPr algn="ctr"/>
+              <a:r>
+                <a:rPr lang="fr-FR" dirty="0"/>
+                <a:t>Excel Apside</a:t>
+              </a:r>
+            </a:p>
+          </p:txBody>
+        </p:sp>
+        <p:sp>
+          <p:nvSpPr>
+            <p:cNvPr id="13" name="Rectangle : coins arrondis 12">
+              <a:extLst>
+                <a:ext uri="{FF2B5EF4-FFF2-40B4-BE49-F238E27FC236}">
+                  <a16:creationId xmlns:a16="http://schemas.microsoft.com/office/drawing/2014/main" id="{79CCFB7E-460E-49B2-83E8-C3517B28DE67}"/>
+                </a:ext>
+              </a:extLst>
+            </p:cNvPr>
+            <p:cNvSpPr/>
+            <p:nvPr/>
+          </p:nvSpPr>
+          <p:spPr>
+            <a:xfrm>
+              <a:off x="6105026" y="1877780"/>
+              <a:ext cx="1493356" cy="360681"/>
+            </a:xfrm>
+            <a:prstGeom prst="roundRect">
+              <a:avLst/>
+            </a:prstGeom>
+            <a:solidFill>
+              <a:srgbClr val="7030A0"/>
+            </a:solidFill>
+          </p:spPr>
+          <p:style>
+            <a:lnRef idx="2">
+              <a:schemeClr val="accent1">
+                <a:shade val="50000"/>
+              </a:schemeClr>
+            </a:lnRef>
+            <a:fillRef idx="1">
+              <a:schemeClr val="accent1"/>
+            </a:fillRef>
+            <a:effectRef idx="0">
+              <a:schemeClr val="accent1"/>
+            </a:effectRef>
+            <a:fontRef idx="minor">
+              <a:schemeClr val="lt1"/>
+            </a:fontRef>
+          </p:style>
+          <p:txBody>
+            <a:bodyPr rtlCol="0" anchor="ctr"/>
+            <a:lstStyle/>
+            <a:p>
+              <a:pPr algn="ctr"/>
+              <a:r>
+                <a:rPr lang="fr-FR" dirty="0"/>
+                <a:t>JIRA TR6</a:t>
+              </a:r>
+            </a:p>
+          </p:txBody>
+        </p:sp>
+        <p:sp>
+          <p:nvSpPr>
+            <p:cNvPr id="14" name="Ellipse 13">
+              <a:extLst>
+                <a:ext uri="{FF2B5EF4-FFF2-40B4-BE49-F238E27FC236}">
+                  <a16:creationId xmlns:a16="http://schemas.microsoft.com/office/drawing/2014/main" id="{3A48DE31-067E-4374-94B3-774756200EC1}"/>
+                </a:ext>
+              </a:extLst>
+            </p:cNvPr>
+            <p:cNvSpPr/>
+            <p:nvPr/>
+          </p:nvSpPr>
+          <p:spPr>
+            <a:xfrm>
+              <a:off x="4472571" y="2358067"/>
+              <a:ext cx="3114724" cy="443198"/>
+            </a:xfrm>
+            <a:prstGeom prst="ellipse">
+              <a:avLst/>
+            </a:prstGeom>
+            <a:solidFill>
+              <a:schemeClr val="accent2">
+                <a:lumMod val="75000"/>
+              </a:schemeClr>
+            </a:solidFill>
+          </p:spPr>
+          <p:style>
+            <a:lnRef idx="2">
+              <a:schemeClr val="accent1">
+                <a:shade val="50000"/>
+              </a:schemeClr>
+            </a:lnRef>
+            <a:fillRef idx="1">
+              <a:schemeClr val="accent1"/>
+            </a:fillRef>
+            <a:effectRef idx="0">
+              <a:schemeClr val="accent1"/>
+            </a:effectRef>
+            <a:fontRef idx="minor">
+              <a:schemeClr val="lt1"/>
+            </a:fontRef>
+          </p:style>
+          <p:txBody>
+            <a:bodyPr rtlCol="0" anchor="ctr"/>
+            <a:lstStyle/>
+            <a:p>
+              <a:pPr algn="ctr"/>
+              <a:r>
+                <a:rPr lang="fr-FR" dirty="0"/>
+                <a:t>Equipe Projet 2</a:t>
+              </a:r>
+            </a:p>
+          </p:txBody>
+        </p:sp>
+        <p:sp>
+          <p:nvSpPr>
+            <p:cNvPr id="15" name="Rectangle : coins arrondis 14">
+              <a:extLst>
+                <a:ext uri="{FF2B5EF4-FFF2-40B4-BE49-F238E27FC236}">
+                  <a16:creationId xmlns:a16="http://schemas.microsoft.com/office/drawing/2014/main" id="{CB3E348F-2C6F-4401-A9DF-263021D0A500}"/>
+                </a:ext>
+              </a:extLst>
+            </p:cNvPr>
+            <p:cNvSpPr/>
+            <p:nvPr/>
+          </p:nvSpPr>
+          <p:spPr>
+            <a:xfrm>
+              <a:off x="9347757" y="1470155"/>
+              <a:ext cx="1493356" cy="356721"/>
+            </a:xfrm>
+            <a:prstGeom prst="roundRect">
+              <a:avLst/>
+            </a:prstGeom>
+            <a:solidFill>
+              <a:srgbClr val="7030A0"/>
+            </a:solidFill>
+          </p:spPr>
+          <p:style>
+            <a:lnRef idx="2">
+              <a:schemeClr val="accent1">
+                <a:shade val="50000"/>
+              </a:schemeClr>
+            </a:lnRef>
+            <a:fillRef idx="1">
+              <a:schemeClr val="accent1"/>
+            </a:fillRef>
+            <a:effectRef idx="0">
+              <a:schemeClr val="accent1"/>
+            </a:effectRef>
+            <a:fontRef idx="minor">
+              <a:schemeClr val="lt1"/>
+            </a:fontRef>
+          </p:style>
+          <p:txBody>
+            <a:bodyPr rtlCol="0" anchor="ctr"/>
+            <a:lstStyle/>
+            <a:p>
+              <a:pPr algn="ctr"/>
+              <a:r>
+                <a:rPr lang="fr-FR" dirty="0"/>
+                <a:t>Outil TR6</a:t>
+              </a:r>
+            </a:p>
+          </p:txBody>
+        </p:sp>
+        <p:sp>
+          <p:nvSpPr>
+            <p:cNvPr id="16" name="Rectangle : coins arrondis 15">
+              <a:extLst>
+                <a:ext uri="{FF2B5EF4-FFF2-40B4-BE49-F238E27FC236}">
+                  <a16:creationId xmlns:a16="http://schemas.microsoft.com/office/drawing/2014/main" id="{9606D5F2-7DFE-4A94-96D7-220BBD82852A}"/>
+                </a:ext>
+              </a:extLst>
+            </p:cNvPr>
+            <p:cNvSpPr/>
+            <p:nvPr/>
+          </p:nvSpPr>
+          <p:spPr>
+            <a:xfrm>
+              <a:off x="7770290" y="1877780"/>
+              <a:ext cx="1493356" cy="356721"/>
+            </a:xfrm>
+            <a:prstGeom prst="roundRect">
+              <a:avLst/>
+            </a:prstGeom>
+            <a:solidFill>
+              <a:schemeClr val="accent1">
+                <a:lumMod val="75000"/>
+              </a:schemeClr>
+            </a:solidFill>
+          </p:spPr>
+          <p:style>
+            <a:lnRef idx="2">
+              <a:schemeClr val="accent1">
+                <a:shade val="50000"/>
+              </a:schemeClr>
+            </a:lnRef>
+            <a:fillRef idx="1">
+              <a:schemeClr val="accent1"/>
+            </a:fillRef>
+            <a:effectRef idx="0">
+              <a:schemeClr val="accent1"/>
+            </a:effectRef>
+            <a:fontRef idx="minor">
+              <a:schemeClr val="lt1"/>
+            </a:fontRef>
+          </p:style>
+          <p:txBody>
+            <a:bodyPr rtlCol="0" anchor="ctr"/>
+            <a:lstStyle/>
+            <a:p>
+              <a:pPr algn="ctr"/>
+              <a:r>
+                <a:rPr lang="fr-FR" dirty="0"/>
+                <a:t>Excel Apside</a:t>
+              </a:r>
+            </a:p>
+          </p:txBody>
+        </p:sp>
+        <p:sp>
+          <p:nvSpPr>
+            <p:cNvPr id="18" name="Ellipse 17">
+              <a:extLst>
+                <a:ext uri="{FF2B5EF4-FFF2-40B4-BE49-F238E27FC236}">
+                  <a16:creationId xmlns:a16="http://schemas.microsoft.com/office/drawing/2014/main" id="{F8E8BE34-AA98-4B7E-877F-6D32D9B47649}"/>
+                </a:ext>
+              </a:extLst>
+            </p:cNvPr>
+            <p:cNvSpPr/>
+            <p:nvPr/>
+          </p:nvSpPr>
+          <p:spPr>
+            <a:xfrm>
+              <a:off x="7715305" y="2367720"/>
+              <a:ext cx="3114724" cy="443198"/>
+            </a:xfrm>
+            <a:prstGeom prst="ellipse">
+              <a:avLst/>
+            </a:prstGeom>
+            <a:solidFill>
+              <a:schemeClr val="accent6">
+                <a:lumMod val="75000"/>
+              </a:schemeClr>
+            </a:solidFill>
+          </p:spPr>
+          <p:style>
+            <a:lnRef idx="2">
+              <a:schemeClr val="accent1">
+                <a:shade val="50000"/>
+              </a:schemeClr>
+            </a:lnRef>
+            <a:fillRef idx="1">
+              <a:schemeClr val="accent1"/>
+            </a:fillRef>
+            <a:effectRef idx="0">
+              <a:schemeClr val="accent1"/>
+            </a:effectRef>
+            <a:fontRef idx="minor">
+              <a:schemeClr val="lt1"/>
+            </a:fontRef>
+          </p:style>
+          <p:txBody>
+            <a:bodyPr rtlCol="0" anchor="ctr"/>
+            <a:lstStyle/>
+            <a:p>
+              <a:pPr algn="ctr"/>
+              <a:r>
+                <a:rPr lang="fr-FR" dirty="0"/>
+                <a:t>Equipe Projet 3</a:t>
+              </a:r>
+            </a:p>
+          </p:txBody>
+        </p:sp>
+        <p:sp>
+          <p:nvSpPr>
+            <p:cNvPr id="19" name="Rectangle : coins arrondis 18">
+              <a:extLst>
+                <a:ext uri="{FF2B5EF4-FFF2-40B4-BE49-F238E27FC236}">
+                  <a16:creationId xmlns:a16="http://schemas.microsoft.com/office/drawing/2014/main" id="{7D2058AD-E35D-4D26-8C25-3E3D642B5377}"/>
+                </a:ext>
+              </a:extLst>
+            </p:cNvPr>
+            <p:cNvSpPr/>
+            <p:nvPr/>
+          </p:nvSpPr>
+          <p:spPr>
+            <a:xfrm>
+              <a:off x="1254457" y="1471171"/>
+              <a:ext cx="1493356" cy="356721"/>
+            </a:xfrm>
+            <a:prstGeom prst="roundRect">
+              <a:avLst/>
+            </a:prstGeom>
+            <a:solidFill>
+              <a:schemeClr val="accent1">
+                <a:lumMod val="75000"/>
+              </a:schemeClr>
+            </a:solidFill>
+          </p:spPr>
+          <p:style>
+            <a:lnRef idx="2">
+              <a:schemeClr val="accent1">
+                <a:shade val="50000"/>
+              </a:schemeClr>
+            </a:lnRef>
+            <a:fillRef idx="1">
+              <a:schemeClr val="accent1"/>
+            </a:fillRef>
+            <a:effectRef idx="0">
+              <a:schemeClr val="accent1"/>
+            </a:effectRef>
+            <a:fontRef idx="minor">
+              <a:schemeClr val="lt1"/>
+            </a:fontRef>
+          </p:style>
+          <p:txBody>
+            <a:bodyPr rtlCol="0" anchor="ctr"/>
+            <a:lstStyle/>
+            <a:p>
+              <a:pPr algn="ctr"/>
+              <a:r>
+                <a:rPr lang="fr-FR" dirty="0"/>
+                <a:t>SYGES</a:t>
+              </a:r>
+            </a:p>
+          </p:txBody>
+        </p:sp>
+        <p:sp>
+          <p:nvSpPr>
+            <p:cNvPr id="20" name="Rectangle : coins arrondis 19">
+              <a:extLst>
+                <a:ext uri="{FF2B5EF4-FFF2-40B4-BE49-F238E27FC236}">
+                  <a16:creationId xmlns:a16="http://schemas.microsoft.com/office/drawing/2014/main" id="{B92ACF42-DEA8-4AB5-A46A-00B346A3FDA8}"/>
+                </a:ext>
+              </a:extLst>
+            </p:cNvPr>
+            <p:cNvSpPr/>
+            <p:nvPr/>
+          </p:nvSpPr>
+          <p:spPr>
+            <a:xfrm>
+              <a:off x="1249946" y="2887062"/>
+              <a:ext cx="3114724" cy="356721"/>
+            </a:xfrm>
+            <a:prstGeom prst="roundRect">
+              <a:avLst/>
+            </a:prstGeom>
+            <a:solidFill>
+              <a:schemeClr val="accent4">
+                <a:lumMod val="75000"/>
+              </a:schemeClr>
+            </a:solidFill>
+          </p:spPr>
+          <p:style>
+            <a:lnRef idx="2">
+              <a:schemeClr val="accent1">
+                <a:shade val="50000"/>
+              </a:schemeClr>
+            </a:lnRef>
+            <a:fillRef idx="1">
+              <a:schemeClr val="accent1"/>
+            </a:fillRef>
+            <a:effectRef idx="0">
+              <a:schemeClr val="accent1"/>
+            </a:effectRef>
+            <a:fontRef idx="minor">
+              <a:schemeClr val="lt1"/>
+            </a:fontRef>
+          </p:style>
+          <p:txBody>
+            <a:bodyPr rtlCol="0" anchor="ctr"/>
+            <a:lstStyle/>
+            <a:p>
+              <a:pPr algn="ctr"/>
+              <a:r>
+                <a:rPr lang="fr-FR" dirty="0"/>
+                <a:t>Détail métriques</a:t>
+              </a:r>
+            </a:p>
+          </p:txBody>
+        </p:sp>
+        <p:sp>
+          <p:nvSpPr>
+            <p:cNvPr id="21" name="Rectangle : coins arrondis 20">
+              <a:extLst>
+                <a:ext uri="{FF2B5EF4-FFF2-40B4-BE49-F238E27FC236}">
+                  <a16:creationId xmlns:a16="http://schemas.microsoft.com/office/drawing/2014/main" id="{E95BD61B-BCE6-45AE-A2D8-CDE68BE05652}"/>
+                </a:ext>
+              </a:extLst>
+            </p:cNvPr>
+            <p:cNvSpPr/>
+            <p:nvPr/>
+          </p:nvSpPr>
+          <p:spPr>
+            <a:xfrm>
+              <a:off x="7715302" y="2882464"/>
+              <a:ext cx="3114723" cy="356721"/>
+            </a:xfrm>
+            <a:prstGeom prst="roundRect">
+              <a:avLst/>
+            </a:prstGeom>
+            <a:solidFill>
+              <a:schemeClr val="accent6">
+                <a:lumMod val="75000"/>
+              </a:schemeClr>
+            </a:solidFill>
+          </p:spPr>
+          <p:style>
+            <a:lnRef idx="2">
+              <a:schemeClr val="accent1">
+                <a:shade val="50000"/>
+              </a:schemeClr>
+            </a:lnRef>
+            <a:fillRef idx="1">
+              <a:schemeClr val="accent1"/>
+            </a:fillRef>
+            <a:effectRef idx="0">
+              <a:schemeClr val="accent1"/>
+            </a:effectRef>
+            <a:fontRef idx="minor">
+              <a:schemeClr val="lt1"/>
+            </a:fontRef>
+          </p:style>
+          <p:txBody>
+            <a:bodyPr rtlCol="0" anchor="ctr"/>
+            <a:lstStyle/>
+            <a:p>
+              <a:pPr algn="ctr"/>
+              <a:r>
+                <a:rPr lang="fr-FR" dirty="0"/>
+                <a:t>Détail métriques</a:t>
+              </a:r>
+            </a:p>
+          </p:txBody>
+        </p:sp>
+        <p:sp>
+          <p:nvSpPr>
+            <p:cNvPr id="22" name="Rectangle : coins arrondis 21">
+              <a:extLst>
+                <a:ext uri="{FF2B5EF4-FFF2-40B4-BE49-F238E27FC236}">
+                  <a16:creationId xmlns:a16="http://schemas.microsoft.com/office/drawing/2014/main" id="{95623CB7-3D4C-435D-8A9C-A8047A5E731D}"/>
+                </a:ext>
+              </a:extLst>
+            </p:cNvPr>
+            <p:cNvSpPr/>
+            <p:nvPr/>
+          </p:nvSpPr>
+          <p:spPr>
+            <a:xfrm>
+              <a:off x="4472571" y="2887062"/>
+              <a:ext cx="3114723" cy="356721"/>
+            </a:xfrm>
+            <a:prstGeom prst="roundRect">
+              <a:avLst/>
+            </a:prstGeom>
+            <a:solidFill>
+              <a:schemeClr val="accent2">
+                <a:lumMod val="75000"/>
+              </a:schemeClr>
+            </a:solidFill>
+          </p:spPr>
+          <p:style>
+            <a:lnRef idx="2">
+              <a:schemeClr val="accent1">
+                <a:shade val="50000"/>
+              </a:schemeClr>
+            </a:lnRef>
+            <a:fillRef idx="1">
+              <a:schemeClr val="accent1"/>
+            </a:fillRef>
+            <a:effectRef idx="0">
+              <a:schemeClr val="accent1"/>
+            </a:effectRef>
+            <a:fontRef idx="minor">
+              <a:schemeClr val="lt1"/>
+            </a:fontRef>
+          </p:style>
+          <p:txBody>
+            <a:bodyPr rtlCol="0" anchor="ctr"/>
+            <a:lstStyle/>
+            <a:p>
+              <a:pPr algn="ctr"/>
+              <a:r>
+                <a:rPr lang="fr-FR" dirty="0"/>
+                <a:t>Détail métriques</a:t>
+              </a:r>
+            </a:p>
+          </p:txBody>
+        </p:sp>
+        <p:sp>
+          <p:nvSpPr>
+            <p:cNvPr id="23" name="Rectangle : coins arrondis 22">
+              <a:extLst>
+                <a:ext uri="{FF2B5EF4-FFF2-40B4-BE49-F238E27FC236}">
+                  <a16:creationId xmlns:a16="http://schemas.microsoft.com/office/drawing/2014/main" id="{1121F91E-EC13-4D6A-8B04-D216A65E68F3}"/>
+                </a:ext>
+              </a:extLst>
+            </p:cNvPr>
+            <p:cNvSpPr/>
+            <p:nvPr/>
+          </p:nvSpPr>
+          <p:spPr>
+            <a:xfrm>
+              <a:off x="1249944" y="3374608"/>
+              <a:ext cx="3103637" cy="356721"/>
+            </a:xfrm>
+            <a:prstGeom prst="roundRect">
+              <a:avLst/>
+            </a:prstGeom>
+            <a:solidFill>
+              <a:schemeClr val="accent4">
+                <a:lumMod val="75000"/>
+              </a:schemeClr>
+            </a:solidFill>
+          </p:spPr>
+          <p:style>
+            <a:lnRef idx="2">
+              <a:schemeClr val="accent1">
+                <a:shade val="50000"/>
+              </a:schemeClr>
+            </a:lnRef>
+            <a:fillRef idx="1">
+              <a:schemeClr val="accent1"/>
+            </a:fillRef>
+            <a:effectRef idx="0">
+              <a:schemeClr val="accent1"/>
+            </a:effectRef>
+            <a:fontRef idx="minor">
+              <a:schemeClr val="lt1"/>
+            </a:fontRef>
+          </p:style>
+          <p:txBody>
+            <a:bodyPr rtlCol="0" anchor="ctr"/>
+            <a:lstStyle/>
+            <a:p>
+              <a:pPr algn="ctr"/>
+              <a:r>
+                <a:rPr lang="fr-FR" dirty="0"/>
+                <a:t>Facturation</a:t>
+              </a:r>
+            </a:p>
+          </p:txBody>
+        </p:sp>
+        <p:sp>
+          <p:nvSpPr>
+            <p:cNvPr id="25" name="Rectangle : coins arrondis 24">
+              <a:extLst>
+                <a:ext uri="{FF2B5EF4-FFF2-40B4-BE49-F238E27FC236}">
+                  <a16:creationId xmlns:a16="http://schemas.microsoft.com/office/drawing/2014/main" id="{6F2A6B98-1018-4D3F-8824-5CFE0A2872C4}"/>
+                </a:ext>
+              </a:extLst>
+            </p:cNvPr>
+            <p:cNvSpPr/>
+            <p:nvPr/>
+          </p:nvSpPr>
+          <p:spPr>
+            <a:xfrm>
+              <a:off x="7704214" y="3370010"/>
+              <a:ext cx="3114723" cy="356721"/>
+            </a:xfrm>
+            <a:prstGeom prst="roundRect">
+              <a:avLst/>
+            </a:prstGeom>
+            <a:solidFill>
+              <a:schemeClr val="accent6">
+                <a:lumMod val="75000"/>
+              </a:schemeClr>
+            </a:solidFill>
+          </p:spPr>
+          <p:style>
+            <a:lnRef idx="2">
+              <a:schemeClr val="accent1">
+                <a:shade val="50000"/>
+              </a:schemeClr>
+            </a:lnRef>
+            <a:fillRef idx="1">
+              <a:schemeClr val="accent1"/>
+            </a:fillRef>
+            <a:effectRef idx="0">
+              <a:schemeClr val="accent1"/>
+            </a:effectRef>
+            <a:fontRef idx="minor">
+              <a:schemeClr val="lt1"/>
+            </a:fontRef>
+          </p:style>
+          <p:txBody>
+            <a:bodyPr rtlCol="0" anchor="ctr"/>
+            <a:lstStyle/>
+            <a:p>
+              <a:pPr algn="ctr"/>
+              <a:r>
+                <a:rPr lang="fr-FR" dirty="0"/>
+                <a:t>Facturation</a:t>
+              </a:r>
+            </a:p>
+          </p:txBody>
+        </p:sp>
+        <p:sp>
+          <p:nvSpPr>
+            <p:cNvPr id="26" name="Rectangle : coins arrondis 25">
+              <a:extLst>
+                <a:ext uri="{FF2B5EF4-FFF2-40B4-BE49-F238E27FC236}">
+                  <a16:creationId xmlns:a16="http://schemas.microsoft.com/office/drawing/2014/main" id="{F0BBCA78-3A84-432E-8E67-4604F7518594}"/>
+                </a:ext>
+              </a:extLst>
+            </p:cNvPr>
+            <p:cNvSpPr/>
+            <p:nvPr/>
+          </p:nvSpPr>
+          <p:spPr>
+            <a:xfrm>
+              <a:off x="4461483" y="3374608"/>
+              <a:ext cx="3114723" cy="356721"/>
+            </a:xfrm>
+            <a:prstGeom prst="roundRect">
+              <a:avLst/>
+            </a:prstGeom>
+            <a:solidFill>
+              <a:schemeClr val="accent2">
+                <a:lumMod val="75000"/>
+              </a:schemeClr>
+            </a:solidFill>
+          </p:spPr>
+          <p:style>
+            <a:lnRef idx="2">
+              <a:schemeClr val="accent1">
+                <a:shade val="50000"/>
+              </a:schemeClr>
+            </a:lnRef>
+            <a:fillRef idx="1">
+              <a:schemeClr val="accent1"/>
+            </a:fillRef>
+            <a:effectRef idx="0">
+              <a:schemeClr val="accent1"/>
+            </a:effectRef>
+            <a:fontRef idx="minor">
+              <a:schemeClr val="lt1"/>
+            </a:fontRef>
+          </p:style>
+          <p:txBody>
+            <a:bodyPr rtlCol="0" anchor="ctr"/>
+            <a:lstStyle/>
+            <a:p>
+              <a:pPr algn="ctr"/>
+              <a:r>
+                <a:rPr lang="fr-FR" dirty="0"/>
+                <a:t>Facturation</a:t>
+              </a:r>
+            </a:p>
+          </p:txBody>
+        </p:sp>
+        <p:sp>
+          <p:nvSpPr>
+            <p:cNvPr id="29" name="Rectangle : coins arrondis 28">
+              <a:extLst>
+                <a:ext uri="{FF2B5EF4-FFF2-40B4-BE49-F238E27FC236}">
+                  <a16:creationId xmlns:a16="http://schemas.microsoft.com/office/drawing/2014/main" id="{B5AF9661-D219-4371-B4B3-9B6AF5A63A83}"/>
+                </a:ext>
+              </a:extLst>
+            </p:cNvPr>
+            <p:cNvSpPr/>
+            <p:nvPr/>
+          </p:nvSpPr>
+          <p:spPr>
+            <a:xfrm>
+              <a:off x="1249944" y="3857555"/>
+              <a:ext cx="9568993" cy="356721"/>
+            </a:xfrm>
+            <a:prstGeom prst="roundRect">
+              <a:avLst/>
+            </a:prstGeom>
+            <a:solidFill>
+              <a:schemeClr val="accent1">
+                <a:lumMod val="75000"/>
+              </a:schemeClr>
+            </a:solidFill>
+          </p:spPr>
+          <p:style>
+            <a:lnRef idx="2">
+              <a:schemeClr val="accent1">
+                <a:shade val="50000"/>
+              </a:schemeClr>
+            </a:lnRef>
+            <a:fillRef idx="1">
+              <a:schemeClr val="accent1"/>
+            </a:fillRef>
+            <a:effectRef idx="0">
+              <a:schemeClr val="accent1"/>
+            </a:effectRef>
+            <a:fontRef idx="minor">
+              <a:schemeClr val="lt1"/>
+            </a:fontRef>
+          </p:style>
+          <p:txBody>
+            <a:bodyPr rtlCol="0" anchor="ctr"/>
+            <a:lstStyle/>
+            <a:p>
+              <a:pPr algn="ctr"/>
+              <a:r>
+                <a:rPr lang="fr-FR" dirty="0"/>
+                <a:t>Métriques + Facturation Globale</a:t>
+              </a:r>
+            </a:p>
+          </p:txBody>
+        </p:sp>
+        <p:sp>
+          <p:nvSpPr>
+            <p:cNvPr id="33" name="Rectangle : coins arrondis 32">
+              <a:extLst>
+                <a:ext uri="{FF2B5EF4-FFF2-40B4-BE49-F238E27FC236}">
+                  <a16:creationId xmlns:a16="http://schemas.microsoft.com/office/drawing/2014/main" id="{56FA0C5E-5CB7-4009-B9FC-6ED36A6692FD}"/>
+                </a:ext>
+              </a:extLst>
+            </p:cNvPr>
+            <p:cNvSpPr/>
+            <p:nvPr/>
+          </p:nvSpPr>
+          <p:spPr>
+            <a:xfrm>
+              <a:off x="7764131" y="1470155"/>
+              <a:ext cx="1493356" cy="356721"/>
+            </a:xfrm>
+            <a:prstGeom prst="roundRect">
+              <a:avLst/>
+            </a:prstGeom>
+            <a:solidFill>
+              <a:schemeClr val="accent1">
+                <a:lumMod val="75000"/>
+              </a:schemeClr>
+            </a:solidFill>
+          </p:spPr>
+          <p:style>
+            <a:lnRef idx="2">
+              <a:schemeClr val="accent1">
+                <a:shade val="50000"/>
+              </a:schemeClr>
+            </a:lnRef>
+            <a:fillRef idx="1">
+              <a:schemeClr val="accent1"/>
+            </a:fillRef>
+            <a:effectRef idx="0">
+              <a:schemeClr val="accent1"/>
+            </a:effectRef>
+            <a:fontRef idx="minor">
+              <a:schemeClr val="lt1"/>
+            </a:fontRef>
+          </p:style>
+          <p:txBody>
+            <a:bodyPr rtlCol="0" anchor="ctr"/>
+            <a:lstStyle/>
+            <a:p>
+              <a:pPr algn="ctr"/>
+              <a:r>
+                <a:rPr lang="fr-FR" dirty="0"/>
+                <a:t>SYGES</a:t>
+              </a:r>
+            </a:p>
+          </p:txBody>
+        </p:sp>
+      </p:grpSp>
     </p:spTree>
     <p:extLst>
       <p:ext uri="{BB962C8B-B14F-4D97-AF65-F5344CB8AC3E}">
-        <p14:creationId xmlns:p14="http://schemas.microsoft.com/office/powerpoint/2010/main" val="3883365092"/>
+        <p14:creationId xmlns:p14="http://schemas.microsoft.com/office/powerpoint/2010/main" val="2199899460"/>
       </p:ext>
     </p:extLst>
   </p:cSld>
   <p:clrMapOvr>
     <a:masterClrMapping/>
   </p:clrMapOvr>
-  <p:timing>
-    <p:tnLst>
-      <p:par>
-        <p:cTn id="1" dur="indefinite" restart="never" nodeType="tmRoot"/>
-      </p:par>
-    </p:tnLst>
-  </p:timing>
 </p:sld>
 </file>
 
@@ -9770,8 +11394,8 @@
         </p:nvSpPr>
         <p:spPr>
           <a:xfrm>
-            <a:off x="952088" y="615097"/>
-            <a:ext cx="6220397" cy="443198"/>
+            <a:off x="952087" y="615097"/>
+            <a:ext cx="9199077" cy="443198"/>
           </a:xfrm>
           <a:prstGeom prst="rect">
             <a:avLst/>
@@ -9790,12 +11414,44 @@
               </a:lnSpc>
             </a:pPr>
             <a:r>
-              <a:rPr lang="en-US" sz="3600" dirty="0" smtClean="0">
+              <a:rPr lang="en-US" sz="3600" dirty="0">
                 <a:latin typeface="Titillium Light" charset="0"/>
                 <a:ea typeface="Titillium Light" charset="0"/>
                 <a:cs typeface="Titillium Light" charset="0"/>
               </a:rPr>
-              <a:t>Architecture</a:t>
+              <a:t>Objectif de </a:t>
+            </a:r>
+            <a:r>
+              <a:rPr lang="en-US" sz="3600" dirty="0" err="1">
+                <a:latin typeface="Titillium Light" charset="0"/>
+                <a:ea typeface="Titillium Light" charset="0"/>
+                <a:cs typeface="Titillium Light" charset="0"/>
+              </a:rPr>
+              <a:t>suivi</a:t>
+            </a:r>
+            <a:r>
+              <a:rPr lang="en-US" sz="3600" dirty="0">
+                <a:latin typeface="Titillium Light" charset="0"/>
+                <a:ea typeface="Titillium Light" charset="0"/>
+                <a:cs typeface="Titillium Light" charset="0"/>
+              </a:rPr>
+              <a:t> sur le </a:t>
+            </a:r>
+            <a:r>
+              <a:rPr lang="en-US" sz="3600" dirty="0" err="1">
+                <a:latin typeface="Titillium Light" charset="0"/>
+                <a:ea typeface="Titillium Light" charset="0"/>
+                <a:cs typeface="Titillium Light" charset="0"/>
+              </a:rPr>
+              <a:t>centre</a:t>
+            </a:r>
+            <a:r>
+              <a:rPr lang="en-US" sz="3600" dirty="0">
+                <a:latin typeface="Titillium Light" charset="0"/>
+                <a:ea typeface="Titillium Light" charset="0"/>
+                <a:cs typeface="Titillium Light" charset="0"/>
+              </a:rPr>
+              <a:t> de service TR6</a:t>
             </a:r>
           </a:p>
         </p:txBody>
@@ -9843,8 +11499,8 @@
         </p:nvSpPr>
         <p:spPr>
           <a:xfrm>
-            <a:off x="2199893" y="1855091"/>
-            <a:ext cx="7280758" cy="2585323"/>
+            <a:off x="934229" y="5409653"/>
+            <a:ext cx="10191401" cy="1200329"/>
           </a:xfrm>
           <a:prstGeom prst="rect">
             <a:avLst/>
@@ -9857,386 +11513,1322 @@
           </a:bodyPr>
           <a:lstStyle/>
           <a:p>
-            <a:pPr marL="285750" indent="-285750">
-              <a:buFont typeface="Arial" panose="020B0604020202020204" pitchFamily="34" charset="0"/>
-              <a:buChar char="•"/>
-            </a:pPr>
-            <a:r>
-              <a:rPr lang="fr-FR" dirty="0" smtClean="0"/>
-              <a:t>Modèle</a:t>
-            </a:r>
-          </a:p>
-          <a:p>
-            <a:pPr marL="742950" lvl="1" indent="-285750">
-              <a:buFont typeface="Arial" panose="020B0604020202020204" pitchFamily="34" charset="0"/>
-              <a:buChar char="•"/>
-            </a:pPr>
-            <a:r>
-              <a:rPr lang="fr-FR" dirty="0" smtClean="0"/>
-              <a:t>Données génériques</a:t>
-            </a:r>
-          </a:p>
-          <a:p>
-            <a:pPr marL="742950" lvl="1" indent="-285750">
-              <a:buFont typeface="Arial" panose="020B0604020202020204" pitchFamily="34" charset="0"/>
-              <a:buChar char="•"/>
-            </a:pPr>
-            <a:r>
-              <a:rPr lang="fr-FR" dirty="0" smtClean="0"/>
-              <a:t>Utilisable sur tout types de projets (THALES, LATECOERE, etc…)</a:t>
-            </a:r>
-          </a:p>
-          <a:p>
-            <a:pPr marL="742950" lvl="1" indent="-285750">
-              <a:buFont typeface="Arial" panose="020B0604020202020204" pitchFamily="34" charset="0"/>
-              <a:buChar char="•"/>
-            </a:pPr>
-            <a:r>
-              <a:rPr lang="fr-FR" dirty="0" smtClean="0"/>
-              <a:t>Table ‘imputation’ (colonnes):</a:t>
-            </a:r>
-          </a:p>
-          <a:p>
-            <a:pPr marL="742950" lvl="1" indent="-285750">
-              <a:buFont typeface="Arial" panose="020B0604020202020204" pitchFamily="34" charset="0"/>
-              <a:buChar char="•"/>
-            </a:pPr>
-            <a:endParaRPr lang="fr-FR" dirty="0"/>
-          </a:p>
-          <a:p>
-            <a:pPr lvl="1"/>
-            <a:endParaRPr lang="fr-FR" dirty="0"/>
-          </a:p>
-          <a:p>
-            <a:pPr lvl="1"/>
-            <a:endParaRPr lang="fr-FR" dirty="0" smtClean="0"/>
-          </a:p>
-          <a:p>
-            <a:pPr marL="742950" lvl="1" indent="-285750">
-              <a:buFont typeface="Arial" panose="020B0604020202020204" pitchFamily="34" charset="0"/>
-              <a:buChar char="•"/>
-            </a:pPr>
-            <a:r>
-              <a:rPr lang="fr-FR" dirty="0" smtClean="0"/>
-              <a:t>Table ‘tâches’ (colonnes):</a:t>
-            </a:r>
-            <a:endParaRPr lang="fr-FR" dirty="0"/>
-          </a:p>
-          <a:p>
-            <a:pPr marL="742950" lvl="1" indent="-285750">
-              <a:buFont typeface="Arial" panose="020B0604020202020204" pitchFamily="34" charset="0"/>
-              <a:buChar char="•"/>
-            </a:pPr>
-            <a:endParaRPr lang="fr-FR" dirty="0" smtClean="0"/>
-          </a:p>
-        </p:txBody>
-      </p:sp>
-      <p:graphicFrame>
-        <p:nvGraphicFramePr>
-          <p:cNvPr id="4" name="Tableau 3"/>
-          <p:cNvGraphicFramePr>
-            <a:graphicFrameLocks noGrp="1"/>
-          </p:cNvGraphicFramePr>
-          <p:nvPr>
-            <p:extLst>
-              <p:ext uri="{D42A27DB-BD31-4B8C-83A1-F6EECF244321}">
-                <p14:modId xmlns:p14="http://schemas.microsoft.com/office/powerpoint/2010/main" val="1211012359"/>
-              </p:ext>
-            </p:extLst>
-          </p:nvPr>
-        </p:nvGraphicFramePr>
-        <p:xfrm>
-          <a:off x="2743901" y="3095447"/>
-          <a:ext cx="6736749" cy="640080"/>
-        </p:xfrm>
-        <a:graphic>
-          <a:graphicData uri="http://schemas.openxmlformats.org/drawingml/2006/table">
-            <a:tbl>
-              <a:tblPr firstRow="1" bandRow="1">
-                <a:tableStyleId>{5C22544A-7EE6-4342-B048-85BDC9FD1C3A}</a:tableStyleId>
-              </a:tblPr>
-              <a:tblGrid>
-                <a:gridCol w="732475"/>
-                <a:gridCol w="869576"/>
-                <a:gridCol w="1012275"/>
-                <a:gridCol w="817422"/>
-                <a:gridCol w="721838"/>
-                <a:gridCol w="903031"/>
-                <a:gridCol w="871180"/>
-                <a:gridCol w="808952"/>
-              </a:tblGrid>
-              <a:tr h="392463">
-                <a:tc>
-                  <a:txBody>
-                    <a:bodyPr/>
-                    <a:lstStyle/>
-                    <a:p>
-                      <a:r>
-                        <a:rPr lang="fr-FR" dirty="0" smtClean="0"/>
-                        <a:t>Date</a:t>
-                      </a:r>
-                      <a:endParaRPr lang="fr-FR" dirty="0"/>
-                    </a:p>
-                  </a:txBody>
-                  <a:tcPr/>
-                </a:tc>
-                <a:tc>
-                  <a:txBody>
-                    <a:bodyPr/>
-                    <a:lstStyle/>
-                    <a:p>
-                      <a:r>
-                        <a:rPr lang="fr-FR" dirty="0" smtClean="0"/>
-                        <a:t>Projet</a:t>
-                      </a:r>
-                      <a:endParaRPr lang="fr-FR" dirty="0"/>
-                    </a:p>
-                  </a:txBody>
-                  <a:tcPr/>
-                </a:tc>
-                <a:tc>
-                  <a:txBody>
-                    <a:bodyPr/>
-                    <a:lstStyle/>
-                    <a:p>
-                      <a:r>
-                        <a:rPr lang="fr-FR" dirty="0" smtClean="0"/>
-                        <a:t>Version</a:t>
-                      </a:r>
-                      <a:endParaRPr lang="fr-FR" dirty="0"/>
-                    </a:p>
-                  </a:txBody>
-                  <a:tcPr/>
-                </a:tc>
-                <a:tc>
-                  <a:txBody>
-                    <a:bodyPr/>
-                    <a:lstStyle/>
-                    <a:p>
-                      <a:r>
-                        <a:rPr lang="fr-FR" dirty="0" smtClean="0"/>
-                        <a:t>Sous projet</a:t>
-                      </a:r>
-                      <a:endParaRPr lang="fr-FR" dirty="0"/>
-                    </a:p>
-                  </a:txBody>
-                  <a:tcPr/>
-                </a:tc>
-                <a:tc>
-                  <a:txBody>
-                    <a:bodyPr/>
-                    <a:lstStyle/>
-                    <a:p>
-                      <a:r>
-                        <a:rPr lang="fr-FR" dirty="0" smtClean="0"/>
-                        <a:t>User</a:t>
-                      </a:r>
-                      <a:endParaRPr lang="fr-FR" dirty="0"/>
-                    </a:p>
-                  </a:txBody>
-                  <a:tcPr/>
-                </a:tc>
-                <a:tc>
-                  <a:txBody>
-                    <a:bodyPr/>
-                    <a:lstStyle/>
-                    <a:p>
-                      <a:r>
-                        <a:rPr lang="fr-FR" dirty="0" smtClean="0"/>
-                        <a:t>Temps</a:t>
-                      </a:r>
-                      <a:endParaRPr lang="fr-FR" dirty="0"/>
-                    </a:p>
-                  </a:txBody>
-                  <a:tcPr/>
-                </a:tc>
-                <a:tc>
-                  <a:txBody>
-                    <a:bodyPr/>
-                    <a:lstStyle/>
-                    <a:p>
-                      <a:r>
-                        <a:rPr lang="fr-FR" dirty="0" smtClean="0"/>
-                        <a:t>Détail</a:t>
-                      </a:r>
-                      <a:endParaRPr lang="fr-FR" dirty="0"/>
-                    </a:p>
-                  </a:txBody>
-                  <a:tcPr/>
-                </a:tc>
-                <a:tc>
-                  <a:txBody>
-                    <a:bodyPr/>
-                    <a:lstStyle/>
-                    <a:p>
-                      <a:r>
-                        <a:rPr lang="fr-FR" dirty="0" smtClean="0"/>
-                        <a:t>Tache</a:t>
-                      </a:r>
-                      <a:endParaRPr lang="fr-FR" dirty="0"/>
-                    </a:p>
-                  </a:txBody>
-                  <a:tcPr/>
-                </a:tc>
-              </a:tr>
-            </a:tbl>
-          </a:graphicData>
-        </a:graphic>
-      </p:graphicFrame>
-      <p:graphicFrame>
-        <p:nvGraphicFramePr>
-          <p:cNvPr id="8" name="Tableau 7"/>
-          <p:cNvGraphicFramePr>
-            <a:graphicFrameLocks noGrp="1"/>
-          </p:cNvGraphicFramePr>
-          <p:nvPr>
-            <p:extLst>
-              <p:ext uri="{D42A27DB-BD31-4B8C-83A1-F6EECF244321}">
-                <p14:modId xmlns:p14="http://schemas.microsoft.com/office/powerpoint/2010/main" val="1198984280"/>
-              </p:ext>
-            </p:extLst>
-          </p:nvPr>
-        </p:nvGraphicFramePr>
-        <p:xfrm>
-          <a:off x="2743902" y="4188757"/>
-          <a:ext cx="6736748" cy="640080"/>
-        </p:xfrm>
-        <a:graphic>
-          <a:graphicData uri="http://schemas.openxmlformats.org/drawingml/2006/table">
-            <a:tbl>
-              <a:tblPr firstRow="1" bandRow="1">
-                <a:tableStyleId>{5C22544A-7EE6-4342-B048-85BDC9FD1C3A}</a:tableStyleId>
-              </a:tblPr>
-              <a:tblGrid>
-                <a:gridCol w="762683"/>
-                <a:gridCol w="803935"/>
-                <a:gridCol w="776212"/>
-                <a:gridCol w="1095014"/>
-                <a:gridCol w="748491"/>
-                <a:gridCol w="1455399"/>
-                <a:gridCol w="1095014"/>
-              </a:tblGrid>
-              <a:tr h="619126">
-                <a:tc>
-                  <a:txBody>
-                    <a:bodyPr/>
-                    <a:lstStyle/>
-                    <a:p>
-                      <a:r>
-                        <a:rPr lang="fr-FR" dirty="0" smtClean="0"/>
-                        <a:t>Type</a:t>
-                      </a:r>
-                      <a:endParaRPr lang="fr-FR" dirty="0"/>
-                    </a:p>
-                  </a:txBody>
-                  <a:tcPr/>
-                </a:tc>
-                <a:tc>
-                  <a:txBody>
-                    <a:bodyPr/>
-                    <a:lstStyle/>
-                    <a:p>
-                      <a:r>
-                        <a:rPr lang="fr-FR" dirty="0" smtClean="0"/>
-                        <a:t>Nom</a:t>
-                      </a:r>
-                      <a:endParaRPr lang="fr-FR" dirty="0"/>
-                    </a:p>
-                  </a:txBody>
-                  <a:tcPr/>
-                </a:tc>
-                <a:tc>
-                  <a:txBody>
-                    <a:bodyPr/>
-                    <a:lstStyle/>
-                    <a:p>
-                      <a:r>
-                        <a:rPr lang="fr-FR" dirty="0" smtClean="0"/>
-                        <a:t>Date</a:t>
-                      </a:r>
-                      <a:endParaRPr lang="fr-FR" dirty="0"/>
-                    </a:p>
-                  </a:txBody>
-                  <a:tcPr/>
-                </a:tc>
-                <a:tc>
-                  <a:txBody>
-                    <a:bodyPr/>
-                    <a:lstStyle/>
-                    <a:p>
-                      <a:r>
-                        <a:rPr lang="fr-FR" dirty="0" smtClean="0"/>
-                        <a:t>Temps total</a:t>
-                      </a:r>
-                      <a:endParaRPr lang="fr-FR" dirty="0"/>
-                    </a:p>
-                  </a:txBody>
-                  <a:tcPr/>
-                </a:tc>
-                <a:tc>
-                  <a:txBody>
-                    <a:bodyPr/>
-                    <a:lstStyle/>
-                    <a:p>
-                      <a:r>
-                        <a:rPr lang="fr-FR" dirty="0" smtClean="0"/>
-                        <a:t>Etat</a:t>
-                      </a:r>
-                      <a:endParaRPr lang="fr-FR" dirty="0"/>
-                    </a:p>
-                  </a:txBody>
-                  <a:tcPr/>
-                </a:tc>
-                <a:tc>
-                  <a:txBody>
-                    <a:bodyPr/>
-                    <a:lstStyle/>
-                    <a:p>
-                      <a:r>
-                        <a:rPr lang="fr-FR" dirty="0" smtClean="0"/>
-                        <a:t>Historique</a:t>
-                      </a:r>
-                      <a:endParaRPr lang="fr-FR" dirty="0"/>
-                    </a:p>
-                  </a:txBody>
-                  <a:tcPr/>
-                </a:tc>
-                <a:tc>
-                  <a:txBody>
-                    <a:bodyPr/>
-                    <a:lstStyle/>
-                    <a:p>
-                      <a:r>
-                        <a:rPr lang="fr-FR" dirty="0" smtClean="0"/>
-                        <a:t>Sous-taches</a:t>
-                      </a:r>
-                      <a:endParaRPr lang="fr-FR" dirty="0"/>
-                    </a:p>
-                  </a:txBody>
-                  <a:tcPr/>
-                </a:tc>
-              </a:tr>
-            </a:tbl>
-          </a:graphicData>
-        </a:graphic>
-      </p:graphicFrame>
+            <a:r>
+              <a:rPr lang="fr-FR" dirty="0"/>
+              <a:t>Le but est donc de centraliser toutes les saisies, d’automatiser la production des métriques et de la facturation, de fournir le détail SYGES (pour une saisie facilitée par les collaborateurs). </a:t>
+            </a:r>
+          </a:p>
+          <a:p>
+            <a:r>
+              <a:rPr lang="fr-FR" dirty="0"/>
+              <a:t>De reprendre les contraintes de chaque projet, en important les saisies des outils TR6, ce qui ne demande pas aux collaborateurs de saisir 2 ou 3 fois les mêmes informations). </a:t>
+            </a:r>
+          </a:p>
+        </p:txBody>
+      </p:sp>
+      <p:sp>
+        <p:nvSpPr>
+          <p:cNvPr id="2" name="Rectangle : coins arrondis 1">
+            <a:extLst>
+              <a:ext uri="{FF2B5EF4-FFF2-40B4-BE49-F238E27FC236}">
+                <a16:creationId xmlns:a16="http://schemas.microsoft.com/office/drawing/2014/main" id="{51BC531A-54FD-4F50-8268-FD73492321BD}"/>
+              </a:ext>
+            </a:extLst>
+          </p:cNvPr>
+          <p:cNvSpPr/>
+          <p:nvPr/>
+        </p:nvSpPr>
+        <p:spPr>
+          <a:xfrm>
+            <a:off x="1249945" y="1430762"/>
+            <a:ext cx="1493356" cy="356721"/>
+          </a:xfrm>
+          <a:prstGeom prst="roundRect">
+            <a:avLst/>
+          </a:prstGeom>
+          <a:solidFill>
+            <a:srgbClr val="7030A0"/>
+          </a:solidFill>
+        </p:spPr>
+        <p:style>
+          <a:lnRef idx="2">
+            <a:schemeClr val="accent1">
+              <a:shade val="50000"/>
+            </a:schemeClr>
+          </a:lnRef>
+          <a:fillRef idx="1">
+            <a:schemeClr val="accent1"/>
+          </a:fillRef>
+          <a:effectRef idx="0">
+            <a:schemeClr val="accent1"/>
+          </a:effectRef>
+          <a:fontRef idx="minor">
+            <a:schemeClr val="lt1"/>
+          </a:fontRef>
+        </p:style>
+        <p:txBody>
+          <a:bodyPr rtlCol="0" anchor="ctr"/>
+          <a:lstStyle/>
+          <a:p>
+            <a:pPr algn="ctr"/>
+            <a:r>
+              <a:rPr lang="fr-FR" dirty="0"/>
+              <a:t>Outil TR6</a:t>
+            </a:r>
+          </a:p>
+        </p:txBody>
+      </p:sp>
+      <p:sp>
+        <p:nvSpPr>
+          <p:cNvPr id="9" name="Rectangle : coins arrondis 8">
+            <a:extLst>
+              <a:ext uri="{FF2B5EF4-FFF2-40B4-BE49-F238E27FC236}">
+                <a16:creationId xmlns:a16="http://schemas.microsoft.com/office/drawing/2014/main" id="{8ECF28D7-FC26-490E-B33F-6E932B57737B}"/>
+              </a:ext>
+            </a:extLst>
+          </p:cNvPr>
+          <p:cNvSpPr/>
+          <p:nvPr/>
+        </p:nvSpPr>
+        <p:spPr>
+          <a:xfrm>
+            <a:off x="2979215" y="1434733"/>
+            <a:ext cx="1493356" cy="358944"/>
+          </a:xfrm>
+          <a:prstGeom prst="roundRect">
+            <a:avLst/>
+          </a:prstGeom>
+          <a:solidFill>
+            <a:srgbClr val="7030A0"/>
+          </a:solidFill>
+        </p:spPr>
+        <p:style>
+          <a:lnRef idx="2">
+            <a:schemeClr val="accent1">
+              <a:shade val="50000"/>
+            </a:schemeClr>
+          </a:lnRef>
+          <a:fillRef idx="1">
+            <a:schemeClr val="accent1"/>
+          </a:fillRef>
+          <a:effectRef idx="0">
+            <a:schemeClr val="accent1"/>
+          </a:effectRef>
+          <a:fontRef idx="minor">
+            <a:schemeClr val="lt1"/>
+          </a:fontRef>
+        </p:style>
+        <p:txBody>
+          <a:bodyPr rtlCol="0" anchor="ctr"/>
+          <a:lstStyle/>
+          <a:p>
+            <a:pPr algn="ctr"/>
+            <a:r>
+              <a:rPr lang="fr-FR" dirty="0"/>
+              <a:t>JIRA TR6</a:t>
+            </a:r>
+          </a:p>
+        </p:txBody>
+      </p:sp>
+      <p:sp>
+        <p:nvSpPr>
+          <p:cNvPr id="13" name="Rectangle : coins arrondis 12">
+            <a:extLst>
+              <a:ext uri="{FF2B5EF4-FFF2-40B4-BE49-F238E27FC236}">
+                <a16:creationId xmlns:a16="http://schemas.microsoft.com/office/drawing/2014/main" id="{79CCFB7E-460E-49B2-83E8-C3517B28DE67}"/>
+              </a:ext>
+            </a:extLst>
+          </p:cNvPr>
+          <p:cNvSpPr/>
+          <p:nvPr/>
+        </p:nvSpPr>
+        <p:spPr>
+          <a:xfrm>
+            <a:off x="6071098" y="1431321"/>
+            <a:ext cx="1493356" cy="360681"/>
+          </a:xfrm>
+          <a:prstGeom prst="roundRect">
+            <a:avLst/>
+          </a:prstGeom>
+          <a:solidFill>
+            <a:srgbClr val="7030A0"/>
+          </a:solidFill>
+        </p:spPr>
+        <p:style>
+          <a:lnRef idx="2">
+            <a:schemeClr val="accent1">
+              <a:shade val="50000"/>
+            </a:schemeClr>
+          </a:lnRef>
+          <a:fillRef idx="1">
+            <a:schemeClr val="accent1"/>
+          </a:fillRef>
+          <a:effectRef idx="0">
+            <a:schemeClr val="accent1"/>
+          </a:effectRef>
+          <a:fontRef idx="minor">
+            <a:schemeClr val="lt1"/>
+          </a:fontRef>
+        </p:style>
+        <p:txBody>
+          <a:bodyPr rtlCol="0" anchor="ctr"/>
+          <a:lstStyle/>
+          <a:p>
+            <a:pPr algn="ctr"/>
+            <a:r>
+              <a:rPr lang="fr-FR" dirty="0"/>
+              <a:t>JIRA TR6</a:t>
+            </a:r>
+          </a:p>
+        </p:txBody>
+      </p:sp>
+      <p:sp>
+        <p:nvSpPr>
+          <p:cNvPr id="15" name="Rectangle : coins arrondis 14">
+            <a:extLst>
+              <a:ext uri="{FF2B5EF4-FFF2-40B4-BE49-F238E27FC236}">
+                <a16:creationId xmlns:a16="http://schemas.microsoft.com/office/drawing/2014/main" id="{CB3E348F-2C6F-4401-A9DF-263021D0A500}"/>
+              </a:ext>
+            </a:extLst>
+          </p:cNvPr>
+          <p:cNvSpPr/>
+          <p:nvPr/>
+        </p:nvSpPr>
+        <p:spPr>
+          <a:xfrm>
+            <a:off x="9347759" y="1448347"/>
+            <a:ext cx="1493356" cy="356721"/>
+          </a:xfrm>
+          <a:prstGeom prst="roundRect">
+            <a:avLst/>
+          </a:prstGeom>
+          <a:solidFill>
+            <a:srgbClr val="7030A0"/>
+          </a:solidFill>
+        </p:spPr>
+        <p:style>
+          <a:lnRef idx="2">
+            <a:schemeClr val="accent1">
+              <a:shade val="50000"/>
+            </a:schemeClr>
+          </a:lnRef>
+          <a:fillRef idx="1">
+            <a:schemeClr val="accent1"/>
+          </a:fillRef>
+          <a:effectRef idx="0">
+            <a:schemeClr val="accent1"/>
+          </a:effectRef>
+          <a:fontRef idx="minor">
+            <a:schemeClr val="lt1"/>
+          </a:fontRef>
+        </p:style>
+        <p:txBody>
+          <a:bodyPr rtlCol="0" anchor="ctr"/>
+          <a:lstStyle/>
+          <a:p>
+            <a:pPr algn="ctr"/>
+            <a:r>
+              <a:rPr lang="fr-FR" dirty="0"/>
+              <a:t>Outil TR6</a:t>
+            </a:r>
+          </a:p>
+        </p:txBody>
+      </p:sp>
+      <p:sp>
+        <p:nvSpPr>
+          <p:cNvPr id="19" name="Rectangle : coins arrondis 18">
+            <a:extLst>
+              <a:ext uri="{FF2B5EF4-FFF2-40B4-BE49-F238E27FC236}">
+                <a16:creationId xmlns:a16="http://schemas.microsoft.com/office/drawing/2014/main" id="{7D2058AD-E35D-4D26-8C25-3E3D642B5377}"/>
+              </a:ext>
+            </a:extLst>
+          </p:cNvPr>
+          <p:cNvSpPr/>
+          <p:nvPr/>
+        </p:nvSpPr>
+        <p:spPr>
+          <a:xfrm>
+            <a:off x="1261034" y="3396946"/>
+            <a:ext cx="9568992" cy="356721"/>
+          </a:xfrm>
+          <a:prstGeom prst="roundRect">
+            <a:avLst/>
+          </a:prstGeom>
+          <a:solidFill>
+            <a:schemeClr val="accent1">
+              <a:lumMod val="75000"/>
+            </a:schemeClr>
+          </a:solidFill>
+        </p:spPr>
+        <p:style>
+          <a:lnRef idx="2">
+            <a:schemeClr val="accent1">
+              <a:shade val="50000"/>
+            </a:schemeClr>
+          </a:lnRef>
+          <a:fillRef idx="1">
+            <a:schemeClr val="accent1"/>
+          </a:fillRef>
+          <a:effectRef idx="0">
+            <a:schemeClr val="accent1"/>
+          </a:effectRef>
+          <a:fontRef idx="minor">
+            <a:schemeClr val="lt1"/>
+          </a:fontRef>
+        </p:style>
+        <p:txBody>
+          <a:bodyPr rtlCol="0" anchor="ctr"/>
+          <a:lstStyle/>
+          <a:p>
+            <a:pPr algn="ctr"/>
+            <a:r>
+              <a:rPr lang="fr-FR" dirty="0"/>
+              <a:t>SYGES</a:t>
+            </a:r>
+          </a:p>
+        </p:txBody>
+      </p:sp>
+      <p:sp>
+        <p:nvSpPr>
+          <p:cNvPr id="20" name="Rectangle : coins arrondis 19">
+            <a:extLst>
+              <a:ext uri="{FF2B5EF4-FFF2-40B4-BE49-F238E27FC236}">
+                <a16:creationId xmlns:a16="http://schemas.microsoft.com/office/drawing/2014/main" id="{B92ACF42-DEA8-4AB5-A46A-00B346A3FDA8}"/>
+              </a:ext>
+            </a:extLst>
+          </p:cNvPr>
+          <p:cNvSpPr/>
+          <p:nvPr/>
+        </p:nvSpPr>
+        <p:spPr>
+          <a:xfrm>
+            <a:off x="1261036" y="3878375"/>
+            <a:ext cx="3114724" cy="356721"/>
+          </a:xfrm>
+          <a:prstGeom prst="roundRect">
+            <a:avLst/>
+          </a:prstGeom>
+          <a:solidFill>
+            <a:schemeClr val="accent4">
+              <a:lumMod val="75000"/>
+            </a:schemeClr>
+          </a:solidFill>
+        </p:spPr>
+        <p:style>
+          <a:lnRef idx="2">
+            <a:schemeClr val="accent1">
+              <a:shade val="50000"/>
+            </a:schemeClr>
+          </a:lnRef>
+          <a:fillRef idx="1">
+            <a:schemeClr val="accent1"/>
+          </a:fillRef>
+          <a:effectRef idx="0">
+            <a:schemeClr val="accent1"/>
+          </a:effectRef>
+          <a:fontRef idx="minor">
+            <a:schemeClr val="lt1"/>
+          </a:fontRef>
+        </p:style>
+        <p:txBody>
+          <a:bodyPr rtlCol="0" anchor="ctr"/>
+          <a:lstStyle/>
+          <a:p>
+            <a:pPr algn="ctr"/>
+            <a:r>
+              <a:rPr lang="fr-FR" dirty="0"/>
+              <a:t>Détail métriques</a:t>
+            </a:r>
+          </a:p>
+        </p:txBody>
+      </p:sp>
+      <p:sp>
+        <p:nvSpPr>
+          <p:cNvPr id="21" name="Rectangle : coins arrondis 20">
+            <a:extLst>
+              <a:ext uri="{FF2B5EF4-FFF2-40B4-BE49-F238E27FC236}">
+                <a16:creationId xmlns:a16="http://schemas.microsoft.com/office/drawing/2014/main" id="{E95BD61B-BCE6-45AE-A2D8-CDE68BE05652}"/>
+              </a:ext>
+            </a:extLst>
+          </p:cNvPr>
+          <p:cNvSpPr/>
+          <p:nvPr/>
+        </p:nvSpPr>
+        <p:spPr>
+          <a:xfrm>
+            <a:off x="7726392" y="3873777"/>
+            <a:ext cx="3114723" cy="356721"/>
+          </a:xfrm>
+          <a:prstGeom prst="roundRect">
+            <a:avLst/>
+          </a:prstGeom>
+          <a:solidFill>
+            <a:schemeClr val="accent6">
+              <a:lumMod val="75000"/>
+            </a:schemeClr>
+          </a:solidFill>
+        </p:spPr>
+        <p:style>
+          <a:lnRef idx="2">
+            <a:schemeClr val="accent1">
+              <a:shade val="50000"/>
+            </a:schemeClr>
+          </a:lnRef>
+          <a:fillRef idx="1">
+            <a:schemeClr val="accent1"/>
+          </a:fillRef>
+          <a:effectRef idx="0">
+            <a:schemeClr val="accent1"/>
+          </a:effectRef>
+          <a:fontRef idx="minor">
+            <a:schemeClr val="lt1"/>
+          </a:fontRef>
+        </p:style>
+        <p:txBody>
+          <a:bodyPr rtlCol="0" anchor="ctr"/>
+          <a:lstStyle/>
+          <a:p>
+            <a:pPr algn="ctr"/>
+            <a:r>
+              <a:rPr lang="fr-FR" dirty="0"/>
+              <a:t>Détail métriques</a:t>
+            </a:r>
+          </a:p>
+        </p:txBody>
+      </p:sp>
+      <p:sp>
+        <p:nvSpPr>
+          <p:cNvPr id="22" name="Rectangle : coins arrondis 21">
+            <a:extLst>
+              <a:ext uri="{FF2B5EF4-FFF2-40B4-BE49-F238E27FC236}">
+                <a16:creationId xmlns:a16="http://schemas.microsoft.com/office/drawing/2014/main" id="{95623CB7-3D4C-435D-8A9C-A8047A5E731D}"/>
+              </a:ext>
+            </a:extLst>
+          </p:cNvPr>
+          <p:cNvSpPr/>
+          <p:nvPr/>
+        </p:nvSpPr>
+        <p:spPr>
+          <a:xfrm>
+            <a:off x="4483661" y="3878375"/>
+            <a:ext cx="3114723" cy="356721"/>
+          </a:xfrm>
+          <a:prstGeom prst="roundRect">
+            <a:avLst/>
+          </a:prstGeom>
+          <a:solidFill>
+            <a:schemeClr val="accent2">
+              <a:lumMod val="75000"/>
+            </a:schemeClr>
+          </a:solidFill>
+        </p:spPr>
+        <p:style>
+          <a:lnRef idx="2">
+            <a:schemeClr val="accent1">
+              <a:shade val="50000"/>
+            </a:schemeClr>
+          </a:lnRef>
+          <a:fillRef idx="1">
+            <a:schemeClr val="accent1"/>
+          </a:fillRef>
+          <a:effectRef idx="0">
+            <a:schemeClr val="accent1"/>
+          </a:effectRef>
+          <a:fontRef idx="minor">
+            <a:schemeClr val="lt1"/>
+          </a:fontRef>
+        </p:style>
+        <p:txBody>
+          <a:bodyPr rtlCol="0" anchor="ctr"/>
+          <a:lstStyle/>
+          <a:p>
+            <a:pPr algn="ctr"/>
+            <a:r>
+              <a:rPr lang="fr-FR" dirty="0"/>
+              <a:t>Détail métriques</a:t>
+            </a:r>
+          </a:p>
+        </p:txBody>
+      </p:sp>
+      <p:sp>
+        <p:nvSpPr>
+          <p:cNvPr id="23" name="Rectangle : coins arrondis 22">
+            <a:extLst>
+              <a:ext uri="{FF2B5EF4-FFF2-40B4-BE49-F238E27FC236}">
+                <a16:creationId xmlns:a16="http://schemas.microsoft.com/office/drawing/2014/main" id="{1121F91E-EC13-4D6A-8B04-D216A65E68F3}"/>
+              </a:ext>
+            </a:extLst>
+          </p:cNvPr>
+          <p:cNvSpPr/>
+          <p:nvPr/>
+        </p:nvSpPr>
+        <p:spPr>
+          <a:xfrm>
+            <a:off x="1261034" y="4365921"/>
+            <a:ext cx="3103637" cy="356721"/>
+          </a:xfrm>
+          <a:prstGeom prst="roundRect">
+            <a:avLst/>
+          </a:prstGeom>
+          <a:solidFill>
+            <a:schemeClr val="accent4">
+              <a:lumMod val="75000"/>
+            </a:schemeClr>
+          </a:solidFill>
+        </p:spPr>
+        <p:style>
+          <a:lnRef idx="2">
+            <a:schemeClr val="accent1">
+              <a:shade val="50000"/>
+            </a:schemeClr>
+          </a:lnRef>
+          <a:fillRef idx="1">
+            <a:schemeClr val="accent1"/>
+          </a:fillRef>
+          <a:effectRef idx="0">
+            <a:schemeClr val="accent1"/>
+          </a:effectRef>
+          <a:fontRef idx="minor">
+            <a:schemeClr val="lt1"/>
+          </a:fontRef>
+        </p:style>
+        <p:txBody>
+          <a:bodyPr rtlCol="0" anchor="ctr"/>
+          <a:lstStyle/>
+          <a:p>
+            <a:pPr algn="ctr"/>
+            <a:r>
+              <a:rPr lang="fr-FR" dirty="0"/>
+              <a:t>Facturation</a:t>
+            </a:r>
+          </a:p>
+        </p:txBody>
+      </p:sp>
+      <p:sp>
+        <p:nvSpPr>
+          <p:cNvPr id="25" name="Rectangle : coins arrondis 24">
+            <a:extLst>
+              <a:ext uri="{FF2B5EF4-FFF2-40B4-BE49-F238E27FC236}">
+                <a16:creationId xmlns:a16="http://schemas.microsoft.com/office/drawing/2014/main" id="{6F2A6B98-1018-4D3F-8824-5CFE0A2872C4}"/>
+              </a:ext>
+            </a:extLst>
+          </p:cNvPr>
+          <p:cNvSpPr/>
+          <p:nvPr/>
+        </p:nvSpPr>
+        <p:spPr>
+          <a:xfrm>
+            <a:off x="7715304" y="4361323"/>
+            <a:ext cx="3114723" cy="356721"/>
+          </a:xfrm>
+          <a:prstGeom prst="roundRect">
+            <a:avLst/>
+          </a:prstGeom>
+          <a:solidFill>
+            <a:schemeClr val="accent6">
+              <a:lumMod val="75000"/>
+            </a:schemeClr>
+          </a:solidFill>
+        </p:spPr>
+        <p:style>
+          <a:lnRef idx="2">
+            <a:schemeClr val="accent1">
+              <a:shade val="50000"/>
+            </a:schemeClr>
+          </a:lnRef>
+          <a:fillRef idx="1">
+            <a:schemeClr val="accent1"/>
+          </a:fillRef>
+          <a:effectRef idx="0">
+            <a:schemeClr val="accent1"/>
+          </a:effectRef>
+          <a:fontRef idx="minor">
+            <a:schemeClr val="lt1"/>
+          </a:fontRef>
+        </p:style>
+        <p:txBody>
+          <a:bodyPr rtlCol="0" anchor="ctr"/>
+          <a:lstStyle/>
+          <a:p>
+            <a:pPr algn="ctr"/>
+            <a:r>
+              <a:rPr lang="fr-FR" dirty="0"/>
+              <a:t>Facturation</a:t>
+            </a:r>
+          </a:p>
+        </p:txBody>
+      </p:sp>
+      <p:sp>
+        <p:nvSpPr>
+          <p:cNvPr id="26" name="Rectangle : coins arrondis 25">
+            <a:extLst>
+              <a:ext uri="{FF2B5EF4-FFF2-40B4-BE49-F238E27FC236}">
+                <a16:creationId xmlns:a16="http://schemas.microsoft.com/office/drawing/2014/main" id="{F0BBCA78-3A84-432E-8E67-4604F7518594}"/>
+              </a:ext>
+            </a:extLst>
+          </p:cNvPr>
+          <p:cNvSpPr/>
+          <p:nvPr/>
+        </p:nvSpPr>
+        <p:spPr>
+          <a:xfrm>
+            <a:off x="4472573" y="4365921"/>
+            <a:ext cx="3114723" cy="356721"/>
+          </a:xfrm>
+          <a:prstGeom prst="roundRect">
+            <a:avLst/>
+          </a:prstGeom>
+          <a:solidFill>
+            <a:schemeClr val="accent2">
+              <a:lumMod val="75000"/>
+            </a:schemeClr>
+          </a:solidFill>
+        </p:spPr>
+        <p:style>
+          <a:lnRef idx="2">
+            <a:schemeClr val="accent1">
+              <a:shade val="50000"/>
+            </a:schemeClr>
+          </a:lnRef>
+          <a:fillRef idx="1">
+            <a:schemeClr val="accent1"/>
+          </a:fillRef>
+          <a:effectRef idx="0">
+            <a:schemeClr val="accent1"/>
+          </a:effectRef>
+          <a:fontRef idx="minor">
+            <a:schemeClr val="lt1"/>
+          </a:fontRef>
+        </p:style>
+        <p:txBody>
+          <a:bodyPr rtlCol="0" anchor="ctr"/>
+          <a:lstStyle/>
+          <a:p>
+            <a:pPr algn="ctr"/>
+            <a:r>
+              <a:rPr lang="fr-FR" dirty="0"/>
+              <a:t>Facturation</a:t>
+            </a:r>
+          </a:p>
+        </p:txBody>
+      </p:sp>
+      <p:sp>
+        <p:nvSpPr>
+          <p:cNvPr id="29" name="Rectangle : coins arrondis 28">
+            <a:extLst>
+              <a:ext uri="{FF2B5EF4-FFF2-40B4-BE49-F238E27FC236}">
+                <a16:creationId xmlns:a16="http://schemas.microsoft.com/office/drawing/2014/main" id="{B5AF9661-D219-4371-B4B3-9B6AF5A63A83}"/>
+              </a:ext>
+            </a:extLst>
+          </p:cNvPr>
+          <p:cNvSpPr/>
+          <p:nvPr/>
+        </p:nvSpPr>
+        <p:spPr>
+          <a:xfrm>
+            <a:off x="1261034" y="4848868"/>
+            <a:ext cx="9568993" cy="356721"/>
+          </a:xfrm>
+          <a:prstGeom prst="roundRect">
+            <a:avLst/>
+          </a:prstGeom>
+          <a:solidFill>
+            <a:schemeClr val="accent1">
+              <a:lumMod val="75000"/>
+            </a:schemeClr>
+          </a:solidFill>
+        </p:spPr>
+        <p:style>
+          <a:lnRef idx="2">
+            <a:schemeClr val="accent1">
+              <a:shade val="50000"/>
+            </a:schemeClr>
+          </a:lnRef>
+          <a:fillRef idx="1">
+            <a:schemeClr val="accent1"/>
+          </a:fillRef>
+          <a:effectRef idx="0">
+            <a:schemeClr val="accent1"/>
+          </a:effectRef>
+          <a:fontRef idx="minor">
+            <a:schemeClr val="lt1"/>
+          </a:fontRef>
+        </p:style>
+        <p:txBody>
+          <a:bodyPr rtlCol="0" anchor="ctr"/>
+          <a:lstStyle/>
+          <a:p>
+            <a:pPr algn="ctr"/>
+            <a:r>
+              <a:rPr lang="fr-FR" dirty="0"/>
+              <a:t>Métriques + Facturation Globale</a:t>
+            </a:r>
+          </a:p>
+        </p:txBody>
+      </p:sp>
+      <p:sp>
+        <p:nvSpPr>
+          <p:cNvPr id="30" name="Ellipse 29">
+            <a:extLst>
+              <a:ext uri="{FF2B5EF4-FFF2-40B4-BE49-F238E27FC236}">
+                <a16:creationId xmlns:a16="http://schemas.microsoft.com/office/drawing/2014/main" id="{81A92BA2-1EFA-4063-9B09-7DD6FFB73A76}"/>
+              </a:ext>
+            </a:extLst>
+          </p:cNvPr>
+          <p:cNvSpPr/>
+          <p:nvPr/>
+        </p:nvSpPr>
+        <p:spPr>
+          <a:xfrm>
+            <a:off x="1249945" y="2367720"/>
+            <a:ext cx="3114724" cy="443198"/>
+          </a:xfrm>
+          <a:prstGeom prst="ellipse">
+            <a:avLst/>
+          </a:prstGeom>
+          <a:solidFill>
+            <a:schemeClr val="accent4">
+              <a:lumMod val="75000"/>
+            </a:schemeClr>
+          </a:solidFill>
+        </p:spPr>
+        <p:style>
+          <a:lnRef idx="2">
+            <a:schemeClr val="accent1">
+              <a:shade val="50000"/>
+            </a:schemeClr>
+          </a:lnRef>
+          <a:fillRef idx="1">
+            <a:schemeClr val="accent1"/>
+          </a:fillRef>
+          <a:effectRef idx="0">
+            <a:schemeClr val="accent1"/>
+          </a:effectRef>
+          <a:fontRef idx="minor">
+            <a:schemeClr val="lt1"/>
+          </a:fontRef>
+        </p:style>
+        <p:txBody>
+          <a:bodyPr rtlCol="0" anchor="ctr"/>
+          <a:lstStyle/>
+          <a:p>
+            <a:pPr algn="ctr"/>
+            <a:r>
+              <a:rPr lang="fr-FR" dirty="0"/>
+              <a:t>Equipe Projet 1</a:t>
+            </a:r>
+          </a:p>
+        </p:txBody>
+      </p:sp>
+      <p:sp>
+        <p:nvSpPr>
+          <p:cNvPr id="31" name="Ellipse 30">
+            <a:extLst>
+              <a:ext uri="{FF2B5EF4-FFF2-40B4-BE49-F238E27FC236}">
+                <a16:creationId xmlns:a16="http://schemas.microsoft.com/office/drawing/2014/main" id="{4431B827-90C2-46A2-A402-A5DE7859BF5B}"/>
+              </a:ext>
+            </a:extLst>
+          </p:cNvPr>
+          <p:cNvSpPr/>
+          <p:nvPr/>
+        </p:nvSpPr>
+        <p:spPr>
+          <a:xfrm>
+            <a:off x="4472571" y="2358067"/>
+            <a:ext cx="3114724" cy="443198"/>
+          </a:xfrm>
+          <a:prstGeom prst="ellipse">
+            <a:avLst/>
+          </a:prstGeom>
+          <a:solidFill>
+            <a:schemeClr val="accent2">
+              <a:lumMod val="75000"/>
+            </a:schemeClr>
+          </a:solidFill>
+        </p:spPr>
+        <p:style>
+          <a:lnRef idx="2">
+            <a:schemeClr val="accent1">
+              <a:shade val="50000"/>
+            </a:schemeClr>
+          </a:lnRef>
+          <a:fillRef idx="1">
+            <a:schemeClr val="accent1"/>
+          </a:fillRef>
+          <a:effectRef idx="0">
+            <a:schemeClr val="accent1"/>
+          </a:effectRef>
+          <a:fontRef idx="minor">
+            <a:schemeClr val="lt1"/>
+          </a:fontRef>
+        </p:style>
+        <p:txBody>
+          <a:bodyPr rtlCol="0" anchor="ctr"/>
+          <a:lstStyle/>
+          <a:p>
+            <a:pPr algn="ctr"/>
+            <a:r>
+              <a:rPr lang="fr-FR" dirty="0"/>
+              <a:t>Equipe Projet 2</a:t>
+            </a:r>
+          </a:p>
+        </p:txBody>
+      </p:sp>
+      <p:sp>
+        <p:nvSpPr>
+          <p:cNvPr id="35" name="Ellipse 34">
+            <a:extLst>
+              <a:ext uri="{FF2B5EF4-FFF2-40B4-BE49-F238E27FC236}">
+                <a16:creationId xmlns:a16="http://schemas.microsoft.com/office/drawing/2014/main" id="{852F70E4-CF67-426C-8996-B0D716058819}"/>
+              </a:ext>
+            </a:extLst>
+          </p:cNvPr>
+          <p:cNvSpPr/>
+          <p:nvPr/>
+        </p:nvSpPr>
+        <p:spPr>
+          <a:xfrm>
+            <a:off x="7715305" y="2367720"/>
+            <a:ext cx="3114724" cy="443198"/>
+          </a:xfrm>
+          <a:prstGeom prst="ellipse">
+            <a:avLst/>
+          </a:prstGeom>
+          <a:solidFill>
+            <a:schemeClr val="accent6">
+              <a:lumMod val="75000"/>
+            </a:schemeClr>
+          </a:solidFill>
+        </p:spPr>
+        <p:style>
+          <a:lnRef idx="2">
+            <a:schemeClr val="accent1">
+              <a:shade val="50000"/>
+            </a:schemeClr>
+          </a:lnRef>
+          <a:fillRef idx="1">
+            <a:schemeClr val="accent1"/>
+          </a:fillRef>
+          <a:effectRef idx="0">
+            <a:schemeClr val="accent1"/>
+          </a:effectRef>
+          <a:fontRef idx="minor">
+            <a:schemeClr val="lt1"/>
+          </a:fontRef>
+        </p:style>
+        <p:txBody>
+          <a:bodyPr rtlCol="0" anchor="ctr"/>
+          <a:lstStyle/>
+          <a:p>
+            <a:pPr algn="ctr"/>
+            <a:r>
+              <a:rPr lang="fr-FR" dirty="0"/>
+              <a:t>Equipe Projet 3</a:t>
+            </a:r>
+          </a:p>
+        </p:txBody>
+      </p:sp>
+      <p:sp>
+        <p:nvSpPr>
+          <p:cNvPr id="5" name="Rectangle 4">
+            <a:extLst>
+              <a:ext uri="{FF2B5EF4-FFF2-40B4-BE49-F238E27FC236}">
+                <a16:creationId xmlns:a16="http://schemas.microsoft.com/office/drawing/2014/main" id="{90BE6119-D15B-434C-B473-89FDEF055F84}"/>
+              </a:ext>
+            </a:extLst>
+          </p:cNvPr>
+          <p:cNvSpPr/>
+          <p:nvPr/>
+        </p:nvSpPr>
+        <p:spPr>
+          <a:xfrm>
+            <a:off x="212365" y="2195119"/>
+            <a:ext cx="10663621" cy="766655"/>
+          </a:xfrm>
+          <a:prstGeom prst="rect">
+            <a:avLst/>
+          </a:prstGeom>
+          <a:noFill/>
+        </p:spPr>
+        <p:style>
+          <a:lnRef idx="2">
+            <a:schemeClr val="accent1">
+              <a:shade val="50000"/>
+            </a:schemeClr>
+          </a:lnRef>
+          <a:fillRef idx="1">
+            <a:schemeClr val="accent1"/>
+          </a:fillRef>
+          <a:effectRef idx="0">
+            <a:schemeClr val="accent1"/>
+          </a:effectRef>
+          <a:fontRef idx="minor">
+            <a:schemeClr val="lt1"/>
+          </a:fontRef>
+        </p:style>
+        <p:txBody>
+          <a:bodyPr rtlCol="0" anchor="ctr"/>
+          <a:lstStyle/>
+          <a:p>
+            <a:pPr algn="ctr"/>
+            <a:endParaRPr lang="fr-FR"/>
+          </a:p>
+        </p:txBody>
+      </p:sp>
+      <p:sp>
+        <p:nvSpPr>
+          <p:cNvPr id="7" name="Flèche : bas 6">
+            <a:extLst>
+              <a:ext uri="{FF2B5EF4-FFF2-40B4-BE49-F238E27FC236}">
+                <a16:creationId xmlns:a16="http://schemas.microsoft.com/office/drawing/2014/main" id="{83D00F2F-78E7-4421-9C6D-9062F1A9E725}"/>
+              </a:ext>
+            </a:extLst>
+          </p:cNvPr>
+          <p:cNvSpPr/>
+          <p:nvPr/>
+        </p:nvSpPr>
+        <p:spPr>
+          <a:xfrm>
+            <a:off x="2743301" y="2979625"/>
+            <a:ext cx="390891" cy="356721"/>
+          </a:xfrm>
+          <a:prstGeom prst="downArrow">
+            <a:avLst/>
+          </a:prstGeom>
+        </p:spPr>
+        <p:style>
+          <a:lnRef idx="2">
+            <a:schemeClr val="accent1">
+              <a:shade val="50000"/>
+            </a:schemeClr>
+          </a:lnRef>
+          <a:fillRef idx="1">
+            <a:schemeClr val="accent1"/>
+          </a:fillRef>
+          <a:effectRef idx="0">
+            <a:schemeClr val="accent1"/>
+          </a:effectRef>
+          <a:fontRef idx="minor">
+            <a:schemeClr val="lt1"/>
+          </a:fontRef>
+        </p:style>
+        <p:txBody>
+          <a:bodyPr rtlCol="0" anchor="ctr"/>
+          <a:lstStyle/>
+          <a:p>
+            <a:pPr algn="ctr"/>
+            <a:endParaRPr lang="fr-FR"/>
+          </a:p>
+        </p:txBody>
+      </p:sp>
+      <p:sp>
+        <p:nvSpPr>
+          <p:cNvPr id="36" name="Flèche : bas 35">
+            <a:extLst>
+              <a:ext uri="{FF2B5EF4-FFF2-40B4-BE49-F238E27FC236}">
+                <a16:creationId xmlns:a16="http://schemas.microsoft.com/office/drawing/2014/main" id="{9B5D3482-57A1-492A-AA32-53F5A786A208}"/>
+              </a:ext>
+            </a:extLst>
+          </p:cNvPr>
+          <p:cNvSpPr/>
+          <p:nvPr/>
+        </p:nvSpPr>
+        <p:spPr>
+          <a:xfrm>
+            <a:off x="9152313" y="2961774"/>
+            <a:ext cx="390891" cy="356721"/>
+          </a:xfrm>
+          <a:prstGeom prst="downArrow">
+            <a:avLst/>
+          </a:prstGeom>
+        </p:spPr>
+        <p:style>
+          <a:lnRef idx="2">
+            <a:schemeClr val="accent1">
+              <a:shade val="50000"/>
+            </a:schemeClr>
+          </a:lnRef>
+          <a:fillRef idx="1">
+            <a:schemeClr val="accent1"/>
+          </a:fillRef>
+          <a:effectRef idx="0">
+            <a:schemeClr val="accent1"/>
+          </a:effectRef>
+          <a:fontRef idx="minor">
+            <a:schemeClr val="lt1"/>
+          </a:fontRef>
+        </p:style>
+        <p:txBody>
+          <a:bodyPr rtlCol="0" anchor="ctr"/>
+          <a:lstStyle/>
+          <a:p>
+            <a:pPr algn="ctr"/>
+            <a:endParaRPr lang="fr-FR"/>
+          </a:p>
+        </p:txBody>
+      </p:sp>
+      <p:sp>
+        <p:nvSpPr>
+          <p:cNvPr id="37" name="Flèche : bas 36">
+            <a:extLst>
+              <a:ext uri="{FF2B5EF4-FFF2-40B4-BE49-F238E27FC236}">
+                <a16:creationId xmlns:a16="http://schemas.microsoft.com/office/drawing/2014/main" id="{FA3637A2-BA07-4B28-823F-2684B9611FAC}"/>
+              </a:ext>
+            </a:extLst>
+          </p:cNvPr>
+          <p:cNvSpPr/>
+          <p:nvPr/>
+        </p:nvSpPr>
+        <p:spPr>
+          <a:xfrm>
+            <a:off x="5834485" y="2979625"/>
+            <a:ext cx="390891" cy="356721"/>
+          </a:xfrm>
+          <a:prstGeom prst="downArrow">
+            <a:avLst/>
+          </a:prstGeom>
+        </p:spPr>
+        <p:style>
+          <a:lnRef idx="2">
+            <a:schemeClr val="accent1">
+              <a:shade val="50000"/>
+            </a:schemeClr>
+          </a:lnRef>
+          <a:fillRef idx="1">
+            <a:schemeClr val="accent1"/>
+          </a:fillRef>
+          <a:effectRef idx="0">
+            <a:schemeClr val="accent1"/>
+          </a:effectRef>
+          <a:fontRef idx="minor">
+            <a:schemeClr val="lt1"/>
+          </a:fontRef>
+        </p:style>
+        <p:txBody>
+          <a:bodyPr rtlCol="0" anchor="ctr"/>
+          <a:lstStyle/>
+          <a:p>
+            <a:pPr algn="ctr"/>
+            <a:endParaRPr lang="fr-FR"/>
+          </a:p>
+        </p:txBody>
+      </p:sp>
+      <p:sp>
+        <p:nvSpPr>
+          <p:cNvPr id="38" name="Flèche : bas 37">
+            <a:extLst>
+              <a:ext uri="{FF2B5EF4-FFF2-40B4-BE49-F238E27FC236}">
+                <a16:creationId xmlns:a16="http://schemas.microsoft.com/office/drawing/2014/main" id="{2F49B576-5E35-402B-970C-5C577E6D1786}"/>
+              </a:ext>
+            </a:extLst>
+          </p:cNvPr>
+          <p:cNvSpPr/>
+          <p:nvPr/>
+        </p:nvSpPr>
+        <p:spPr>
+          <a:xfrm>
+            <a:off x="1801177" y="1820538"/>
+            <a:ext cx="390891" cy="356721"/>
+          </a:xfrm>
+          <a:prstGeom prst="downArrow">
+            <a:avLst/>
+          </a:prstGeom>
+        </p:spPr>
+        <p:style>
+          <a:lnRef idx="2">
+            <a:schemeClr val="accent1">
+              <a:shade val="50000"/>
+            </a:schemeClr>
+          </a:lnRef>
+          <a:fillRef idx="1">
+            <a:schemeClr val="accent1"/>
+          </a:fillRef>
+          <a:effectRef idx="0">
+            <a:schemeClr val="accent1"/>
+          </a:effectRef>
+          <a:fontRef idx="minor">
+            <a:schemeClr val="lt1"/>
+          </a:fontRef>
+        </p:style>
+        <p:txBody>
+          <a:bodyPr rtlCol="0" anchor="ctr"/>
+          <a:lstStyle/>
+          <a:p>
+            <a:pPr algn="ctr"/>
+            <a:endParaRPr lang="fr-FR"/>
+          </a:p>
+        </p:txBody>
+      </p:sp>
+      <p:sp>
+        <p:nvSpPr>
+          <p:cNvPr id="39" name="Flèche : bas 38">
+            <a:extLst>
+              <a:ext uri="{FF2B5EF4-FFF2-40B4-BE49-F238E27FC236}">
+                <a16:creationId xmlns:a16="http://schemas.microsoft.com/office/drawing/2014/main" id="{9008607A-02B6-4603-8ADA-F8C91992E918}"/>
+              </a:ext>
+            </a:extLst>
+          </p:cNvPr>
+          <p:cNvSpPr/>
+          <p:nvPr/>
+        </p:nvSpPr>
+        <p:spPr>
+          <a:xfrm>
+            <a:off x="3530447" y="1833681"/>
+            <a:ext cx="390891" cy="356721"/>
+          </a:xfrm>
+          <a:prstGeom prst="downArrow">
+            <a:avLst/>
+          </a:prstGeom>
+        </p:spPr>
+        <p:style>
+          <a:lnRef idx="2">
+            <a:schemeClr val="accent1">
+              <a:shade val="50000"/>
+            </a:schemeClr>
+          </a:lnRef>
+          <a:fillRef idx="1">
+            <a:schemeClr val="accent1"/>
+          </a:fillRef>
+          <a:effectRef idx="0">
+            <a:schemeClr val="accent1"/>
+          </a:effectRef>
+          <a:fontRef idx="minor">
+            <a:schemeClr val="lt1"/>
+          </a:fontRef>
+        </p:style>
+        <p:txBody>
+          <a:bodyPr rtlCol="0" anchor="ctr"/>
+          <a:lstStyle/>
+          <a:p>
+            <a:pPr algn="ctr"/>
+            <a:endParaRPr lang="fr-FR"/>
+          </a:p>
+        </p:txBody>
+      </p:sp>
+      <p:sp>
+        <p:nvSpPr>
+          <p:cNvPr id="40" name="Flèche : bas 39">
+            <a:extLst>
+              <a:ext uri="{FF2B5EF4-FFF2-40B4-BE49-F238E27FC236}">
+                <a16:creationId xmlns:a16="http://schemas.microsoft.com/office/drawing/2014/main" id="{18A0C709-39D3-448B-AF52-3F1D69662742}"/>
+              </a:ext>
+            </a:extLst>
+          </p:cNvPr>
+          <p:cNvSpPr/>
+          <p:nvPr/>
+        </p:nvSpPr>
+        <p:spPr>
+          <a:xfrm>
+            <a:off x="6622330" y="1833681"/>
+            <a:ext cx="390891" cy="356721"/>
+          </a:xfrm>
+          <a:prstGeom prst="downArrow">
+            <a:avLst/>
+          </a:prstGeom>
+        </p:spPr>
+        <p:style>
+          <a:lnRef idx="2">
+            <a:schemeClr val="accent1">
+              <a:shade val="50000"/>
+            </a:schemeClr>
+          </a:lnRef>
+          <a:fillRef idx="1">
+            <a:schemeClr val="accent1"/>
+          </a:fillRef>
+          <a:effectRef idx="0">
+            <a:schemeClr val="accent1"/>
+          </a:effectRef>
+          <a:fontRef idx="minor">
+            <a:schemeClr val="lt1"/>
+          </a:fontRef>
+        </p:style>
+        <p:txBody>
+          <a:bodyPr rtlCol="0" anchor="ctr"/>
+          <a:lstStyle/>
+          <a:p>
+            <a:pPr algn="ctr"/>
+            <a:endParaRPr lang="fr-FR"/>
+          </a:p>
+        </p:txBody>
+      </p:sp>
+      <p:sp>
+        <p:nvSpPr>
+          <p:cNvPr id="41" name="Flèche : bas 40">
+            <a:extLst>
+              <a:ext uri="{FF2B5EF4-FFF2-40B4-BE49-F238E27FC236}">
+                <a16:creationId xmlns:a16="http://schemas.microsoft.com/office/drawing/2014/main" id="{ADA20F5C-AF5D-40DF-9FCA-095162C9196A}"/>
+              </a:ext>
+            </a:extLst>
+          </p:cNvPr>
+          <p:cNvSpPr/>
+          <p:nvPr/>
+        </p:nvSpPr>
+        <p:spPr>
+          <a:xfrm>
+            <a:off x="9898991" y="1833681"/>
+            <a:ext cx="390891" cy="356721"/>
+          </a:xfrm>
+          <a:prstGeom prst="downArrow">
+            <a:avLst/>
+          </a:prstGeom>
+        </p:spPr>
+        <p:style>
+          <a:lnRef idx="2">
+            <a:schemeClr val="accent1">
+              <a:shade val="50000"/>
+            </a:schemeClr>
+          </a:lnRef>
+          <a:fillRef idx="1">
+            <a:schemeClr val="accent1"/>
+          </a:fillRef>
+          <a:effectRef idx="0">
+            <a:schemeClr val="accent1"/>
+          </a:effectRef>
+          <a:fontRef idx="minor">
+            <a:schemeClr val="lt1"/>
+          </a:fontRef>
+        </p:style>
+        <p:txBody>
+          <a:bodyPr rtlCol="0" anchor="ctr"/>
+          <a:lstStyle/>
+          <a:p>
+            <a:pPr algn="ctr"/>
+            <a:endParaRPr lang="fr-FR"/>
+          </a:p>
+        </p:txBody>
+      </p:sp>
+      <p:sp>
+        <p:nvSpPr>
+          <p:cNvPr id="8" name="ZoneTexte 7">
+            <a:extLst>
+              <a:ext uri="{FF2B5EF4-FFF2-40B4-BE49-F238E27FC236}">
+                <a16:creationId xmlns:a16="http://schemas.microsoft.com/office/drawing/2014/main" id="{2FDF2AD5-C188-414A-B367-6CFFFF3C1E29}"/>
+              </a:ext>
+            </a:extLst>
+          </p:cNvPr>
+          <p:cNvSpPr txBox="1"/>
+          <p:nvPr/>
+        </p:nvSpPr>
+        <p:spPr>
+          <a:xfrm>
+            <a:off x="5203343" y="1255603"/>
+            <a:ext cx="766492" cy="584775"/>
+          </a:xfrm>
+          <a:prstGeom prst="rect">
+            <a:avLst/>
+          </a:prstGeom>
+          <a:noFill/>
+        </p:spPr>
+        <p:txBody>
+          <a:bodyPr wrap="none" rtlCol="0">
+            <a:spAutoFit/>
+          </a:bodyPr>
+          <a:lstStyle/>
+          <a:p>
+            <a:r>
+              <a:rPr lang="fr-FR" sz="1600" dirty="0"/>
+              <a:t>Saisie </a:t>
+            </a:r>
+          </a:p>
+          <a:p>
+            <a:r>
+              <a:rPr lang="fr-FR" sz="1600" dirty="0"/>
+              <a:t>directe</a:t>
+            </a:r>
+          </a:p>
+        </p:txBody>
+      </p:sp>
+      <p:sp>
+        <p:nvSpPr>
+          <p:cNvPr id="42" name="Flèche : bas 41">
+            <a:extLst>
+              <a:ext uri="{FF2B5EF4-FFF2-40B4-BE49-F238E27FC236}">
+                <a16:creationId xmlns:a16="http://schemas.microsoft.com/office/drawing/2014/main" id="{66EF379D-8447-49F9-8071-28CB6C56B1D8}"/>
+              </a:ext>
+            </a:extLst>
+          </p:cNvPr>
+          <p:cNvSpPr/>
+          <p:nvPr/>
+        </p:nvSpPr>
+        <p:spPr>
+          <a:xfrm>
+            <a:off x="5414689" y="1806237"/>
+            <a:ext cx="390891" cy="356721"/>
+          </a:xfrm>
+          <a:prstGeom prst="downArrow">
+            <a:avLst/>
+          </a:prstGeom>
+        </p:spPr>
+        <p:style>
+          <a:lnRef idx="2">
+            <a:schemeClr val="accent1">
+              <a:shade val="50000"/>
+            </a:schemeClr>
+          </a:lnRef>
+          <a:fillRef idx="1">
+            <a:schemeClr val="accent1"/>
+          </a:fillRef>
+          <a:effectRef idx="0">
+            <a:schemeClr val="accent1"/>
+          </a:effectRef>
+          <a:fontRef idx="minor">
+            <a:schemeClr val="lt1"/>
+          </a:fontRef>
+        </p:style>
+        <p:txBody>
+          <a:bodyPr rtlCol="0" anchor="ctr"/>
+          <a:lstStyle/>
+          <a:p>
+            <a:pPr algn="ctr"/>
+            <a:endParaRPr lang="fr-FR"/>
+          </a:p>
+        </p:txBody>
+      </p:sp>
+      <p:sp>
+        <p:nvSpPr>
+          <p:cNvPr id="10" name="ZoneTexte 9">
+            <a:extLst>
+              <a:ext uri="{FF2B5EF4-FFF2-40B4-BE49-F238E27FC236}">
+                <a16:creationId xmlns:a16="http://schemas.microsoft.com/office/drawing/2014/main" id="{66157986-2C1D-43B2-A760-BAA65C984537}"/>
+              </a:ext>
+            </a:extLst>
+          </p:cNvPr>
+          <p:cNvSpPr txBox="1"/>
+          <p:nvPr/>
+        </p:nvSpPr>
+        <p:spPr>
+          <a:xfrm>
+            <a:off x="212365" y="2358067"/>
+            <a:ext cx="843501" cy="369332"/>
+          </a:xfrm>
+          <a:prstGeom prst="rect">
+            <a:avLst/>
+          </a:prstGeom>
+          <a:noFill/>
+        </p:spPr>
+        <p:txBody>
+          <a:bodyPr wrap="none" rtlCol="0">
+            <a:spAutoFit/>
+          </a:bodyPr>
+          <a:lstStyle/>
+          <a:p>
+            <a:r>
+              <a:rPr lang="fr-FR" dirty="0"/>
+              <a:t>GISMO</a:t>
+            </a:r>
+          </a:p>
+        </p:txBody>
+      </p:sp>
     </p:spTree>
     <p:extLst>
       <p:ext uri="{BB962C8B-B14F-4D97-AF65-F5344CB8AC3E}">
-        <p14:creationId xmlns:p14="http://schemas.microsoft.com/office/powerpoint/2010/main" val="859044065"/>
+        <p14:creationId xmlns:p14="http://schemas.microsoft.com/office/powerpoint/2010/main" val="634936571"/>
       </p:ext>
     </p:extLst>
   </p:cSld>
   <p:clrMapOvr>
     <a:masterClrMapping/>
   </p:clrMapOvr>
-  <p:timing>
-    <p:tnLst>
-      <p:par>
-        <p:cTn id="1" dur="indefinite" restart="never" nodeType="tmRoot"/>
-      </p:par>
-    </p:tnLst>
-  </p:timing>
 </p:sld>
 </file>
 
@@ -10257,9 +12849,132 @@
           <a:chExt cx="0" cy="0"/>
         </a:xfrm>
       </p:grpSpPr>
+      <p:sp>
+        <p:nvSpPr>
+          <p:cNvPr id="20" name="TextBox 19"/>
+          <p:cNvSpPr txBox="1"/>
+          <p:nvPr/>
+        </p:nvSpPr>
+        <p:spPr>
+          <a:xfrm>
+            <a:off x="4058649" y="3489880"/>
+            <a:ext cx="4297279" cy="430887"/>
+          </a:xfrm>
+          <a:prstGeom prst="rect">
+            <a:avLst/>
+          </a:prstGeom>
+          <a:noFill/>
+        </p:spPr>
+        <p:txBody>
+          <a:bodyPr wrap="square" lIns="0" tIns="0" rIns="0" bIns="0" rtlCol="0">
+            <a:spAutoFit/>
+          </a:bodyPr>
+          <a:lstStyle/>
+          <a:p>
+            <a:r>
+              <a:rPr lang="en-US" sz="2800" dirty="0">
+                <a:solidFill>
+                  <a:srgbClr val="00BFF0"/>
+                </a:solidFill>
+                <a:latin typeface="Titillium Light" charset="0"/>
+                <a:ea typeface="Titillium Light" charset="0"/>
+                <a:cs typeface="Titillium Light" charset="0"/>
+              </a:rPr>
+              <a:t>Architecture</a:t>
+            </a:r>
+          </a:p>
+        </p:txBody>
+      </p:sp>
+      <p:sp>
+        <p:nvSpPr>
+          <p:cNvPr id="21" name="TextBox 20"/>
+          <p:cNvSpPr txBox="1"/>
+          <p:nvPr/>
+        </p:nvSpPr>
+        <p:spPr>
+          <a:xfrm>
+            <a:off x="4058648" y="4207364"/>
+            <a:ext cx="5212351" cy="242823"/>
+          </a:xfrm>
+          <a:prstGeom prst="rect">
+            <a:avLst/>
+          </a:prstGeom>
+          <a:noFill/>
+        </p:spPr>
+        <p:txBody>
+          <a:bodyPr wrap="square" lIns="0" tIns="0" rIns="91440" bIns="0" rtlCol="0">
+            <a:spAutoFit/>
+          </a:bodyPr>
+          <a:lstStyle/>
+          <a:p>
+            <a:pPr>
+              <a:lnSpc>
+                <a:spcPct val="150000"/>
+              </a:lnSpc>
+            </a:pPr>
+            <a:r>
+              <a:rPr lang="en-US" sz="1200" dirty="0">
+                <a:solidFill>
+                  <a:schemeClr val="bg1">
+                    <a:lumMod val="50000"/>
+                    <a:alpha val="60000"/>
+                  </a:schemeClr>
+                </a:solidFill>
+                <a:latin typeface="Titillium" charset="0"/>
+                <a:ea typeface="Titillium" charset="0"/>
+                <a:cs typeface="Titillium" charset="0"/>
+              </a:rPr>
+              <a:t>.</a:t>
+            </a:r>
+          </a:p>
+        </p:txBody>
+      </p:sp>
+      <p:cxnSp>
+        <p:nvCxnSpPr>
+          <p:cNvPr id="28" name="Straight Connector 27"/>
+          <p:cNvCxnSpPr/>
+          <p:nvPr/>
+        </p:nvCxnSpPr>
+        <p:spPr>
+          <a:xfrm>
+            <a:off x="4058649" y="4058282"/>
+            <a:ext cx="6342651" cy="0"/>
+          </a:xfrm>
+          <a:prstGeom prst="line">
+            <a:avLst/>
+          </a:prstGeom>
+          <a:ln w="25400">
+            <a:gradFill>
+              <a:gsLst>
+                <a:gs pos="0">
+                  <a:srgbClr val="1E4663"/>
+                </a:gs>
+                <a:gs pos="100000">
+                  <a:srgbClr val="00BFF0"/>
+                </a:gs>
+              </a:gsLst>
+              <a:lin ang="2700000" scaled="0"/>
+            </a:gradFill>
+          </a:ln>
+        </p:spPr>
+        <p:style>
+          <a:lnRef idx="1">
+            <a:schemeClr val="accent1"/>
+          </a:lnRef>
+          <a:fillRef idx="0">
+            <a:schemeClr val="accent1"/>
+          </a:fillRef>
+          <a:effectRef idx="0">
+            <a:schemeClr val="accent1"/>
+          </a:effectRef>
+          <a:fontRef idx="minor">
+            <a:schemeClr val="tx1"/>
+          </a:fontRef>
+        </p:style>
+      </p:cxnSp>
       <p:pic>
         <p:nvPicPr>
-          <p:cNvPr id="24" name="Image 23"/>
+          <p:cNvPr id="12" name="Image 11"/>
           <p:cNvPicPr>
             <a:picLocks noChangeAspect="1"/>
           </p:cNvPicPr>
@@ -10287,137 +13002,16 @@
           </a:prstGeom>
         </p:spPr>
       </p:pic>
-      <p:sp>
-        <p:nvSpPr>
-          <p:cNvPr id="27" name="TextBox 1"/>
-          <p:cNvSpPr txBox="1"/>
-          <p:nvPr/>
-        </p:nvSpPr>
-        <p:spPr>
-          <a:xfrm>
-            <a:off x="952088" y="615097"/>
-            <a:ext cx="6220397" cy="443198"/>
-          </a:xfrm>
-          <a:prstGeom prst="rect">
-            <a:avLst/>
-          </a:prstGeom>
-          <a:noFill/>
-        </p:spPr>
-        <p:txBody>
-          <a:bodyPr wrap="square" lIns="0" tIns="0" rIns="0" bIns="0" rtlCol="0">
-            <a:spAutoFit/>
-          </a:bodyPr>
-          <a:lstStyle/>
-          <a:p>
-            <a:pPr>
-              <a:lnSpc>
-                <a:spcPct val="80000"/>
-              </a:lnSpc>
-            </a:pPr>
-            <a:r>
-              <a:rPr lang="en-US" sz="3600" dirty="0" smtClean="0">
-                <a:latin typeface="Titillium Light" charset="0"/>
-                <a:ea typeface="Titillium Light" charset="0"/>
-                <a:cs typeface="Titillium Light" charset="0"/>
-              </a:rPr>
-              <a:t>Architecture</a:t>
-            </a:r>
-          </a:p>
-        </p:txBody>
-      </p:sp>
-      <p:cxnSp>
-        <p:nvCxnSpPr>
-          <p:cNvPr id="28" name="Straight Connector 2"/>
-          <p:cNvCxnSpPr/>
-          <p:nvPr/>
-        </p:nvCxnSpPr>
-        <p:spPr>
-          <a:xfrm>
-            <a:off x="952087" y="1178363"/>
-            <a:ext cx="691243" cy="0"/>
-          </a:xfrm>
-          <a:prstGeom prst="line">
-            <a:avLst/>
-          </a:prstGeom>
-          <a:ln w="25400">
-            <a:solidFill>
-              <a:srgbClr val="00BFF0"/>
-            </a:solidFill>
-          </a:ln>
-        </p:spPr>
-        <p:style>
-          <a:lnRef idx="1">
-            <a:schemeClr val="accent1"/>
-          </a:lnRef>
-          <a:fillRef idx="0">
-            <a:schemeClr val="accent1"/>
-          </a:fillRef>
-          <a:effectRef idx="0">
-            <a:schemeClr val="accent1"/>
-          </a:effectRef>
-          <a:fontRef idx="minor">
-            <a:schemeClr val="tx1"/>
-          </a:fontRef>
-        </p:style>
-      </p:cxnSp>
-      <p:pic>
-        <p:nvPicPr>
-          <p:cNvPr id="2" name="Picture 2" descr="D:\Users\S0060157\Documents\Outlook\TemporyOutlookFiles\GISMO_classdiagram_v3.5 (2).PNG"/>
-          <p:cNvPicPr>
-            <a:picLocks noChangeAspect="1" noChangeArrowheads="1"/>
-          </p:cNvPicPr>
-          <p:nvPr/>
-        </p:nvPicPr>
-        <p:blipFill>
-          <a:blip r:embed="rId3">
-            <a:extLst>
-              <a:ext uri="{28A0092B-C50C-407E-A947-70E740481C1C}">
-                <a14:useLocalDpi xmlns:a14="http://schemas.microsoft.com/office/drawing/2010/main" val="0"/>
-              </a:ext>
-            </a:extLst>
-          </a:blip>
-          <a:srcRect/>
-          <a:stretch>
-            <a:fillRect/>
-          </a:stretch>
-        </p:blipFill>
-        <p:spPr bwMode="auto">
-          <a:xfrm>
-            <a:off x="2691201" y="1505823"/>
-            <a:ext cx="6190151" cy="4816711"/>
-          </a:xfrm>
-          <a:prstGeom prst="rect">
-            <a:avLst/>
-          </a:prstGeom>
-          <a:noFill/>
-          <a:extLst>
-            <a:ext uri="{909E8E84-426E-40DD-AFC4-6F175D3DCCD1}">
-              <a14:hiddenFill xmlns:a14="http://schemas.microsoft.com/office/drawing/2010/main">
-                <a:solidFill>
-                  <a:srgbClr val="FFFFFF"/>
-                </a:solidFill>
-              </a14:hiddenFill>
-            </a:ext>
-          </a:extLst>
-        </p:spPr>
-      </p:pic>
     </p:spTree>
     <p:extLst>
       <p:ext uri="{BB962C8B-B14F-4D97-AF65-F5344CB8AC3E}">
-        <p14:creationId xmlns:p14="http://schemas.microsoft.com/office/powerpoint/2010/main" val="4285992442"/>
+        <p14:creationId xmlns:p14="http://schemas.microsoft.com/office/powerpoint/2010/main" val="3150707798"/>
       </p:ext>
     </p:extLst>
   </p:cSld>
   <p:clrMapOvr>
     <a:masterClrMapping/>
   </p:clrMapOvr>
-  <p:timing>
-    <p:tnLst>
-      <p:par>
-        <p:cTn id="1" dur="indefinite" restart="never" nodeType="tmRoot"/>
-      </p:par>
-    </p:tnLst>
-  </p:timing>
 </p:sld>
 </file>
 
@@ -10676,7 +13270,7 @@
   <a:extraClrSchemeLst/>
   <a:extLst>
     <a:ext uri="{05A4C25C-085E-4340-85A3-A5531E510DB2}">
-      <thm15:themeFamily xmlns:thm15="http://schemas.microsoft.com/office/thememl/2012/main" xmlns="" name="Office Theme" id="{62F939B6-93AF-4DB8-9C6B-D6C7DFDC589F}" vid="{4A3C46E8-61CC-4603-A589-7422A47A8E4A}"/>
+      <thm15:themeFamily xmlns:thm15="http://schemas.microsoft.com/office/thememl/2012/main" name="Office Theme" id="{62F939B6-93AF-4DB8-9C6B-D6C7DFDC589F}" vid="{4A3C46E8-61CC-4603-A589-7422A47A8E4A}"/>
     </a:ext>
   </a:extLst>
 </a:theme>
@@ -10937,7 +13531,7 @@
   <a:extraClrSchemeLst/>
   <a:extLst>
     <a:ext uri="{05A4C25C-085E-4340-85A3-A5531E510DB2}">
-      <thm15:themeFamily xmlns:thm15="http://schemas.microsoft.com/office/thememl/2012/main" xmlns="" name="Office Theme" id="{62F939B6-93AF-4DB8-9C6B-D6C7DFDC589F}" vid="{4A3C46E8-61CC-4603-A589-7422A47A8E4A}"/>
+      <thm15:themeFamily xmlns:thm15="http://schemas.microsoft.com/office/thememl/2012/main" name="Office Theme" id="{62F939B6-93AF-4DB8-9C6B-D6C7DFDC589F}" vid="{4A3C46E8-61CC-4603-A589-7422A47A8E4A}"/>
     </a:ext>
   </a:extLst>
 </a:theme>
